--- a/Texts/Atheletes_clustering.pptx
+++ b/Texts/Atheletes_clustering.pptx
@@ -5,26 +5,34 @@
     <p:sldMasterId id="2147483660" r:id="rId1"/>
   </p:sldMasterIdLst>
   <p:notesMasterIdLst>
-    <p:notesMasterId r:id="rId19"/>
+    <p:notesMasterId r:id="rId27"/>
   </p:notesMasterIdLst>
   <p:sldIdLst>
     <p:sldId id="256" r:id="rId2"/>
     <p:sldId id="257" r:id="rId3"/>
-    <p:sldId id="260" r:id="rId4"/>
-    <p:sldId id="258" r:id="rId5"/>
-    <p:sldId id="259" r:id="rId6"/>
-    <p:sldId id="261" r:id="rId7"/>
-    <p:sldId id="263" r:id="rId8"/>
-    <p:sldId id="262" r:id="rId9"/>
-    <p:sldId id="264" r:id="rId10"/>
-    <p:sldId id="269" r:id="rId11"/>
-    <p:sldId id="270" r:id="rId12"/>
-    <p:sldId id="265" r:id="rId13"/>
-    <p:sldId id="266" r:id="rId14"/>
-    <p:sldId id="272" r:id="rId15"/>
-    <p:sldId id="276" r:id="rId16"/>
-    <p:sldId id="274" r:id="rId17"/>
-    <p:sldId id="267" r:id="rId18"/>
+    <p:sldId id="277" r:id="rId4"/>
+    <p:sldId id="278" r:id="rId5"/>
+    <p:sldId id="282" r:id="rId6"/>
+    <p:sldId id="260" r:id="rId7"/>
+    <p:sldId id="279" r:id="rId8"/>
+    <p:sldId id="280" r:id="rId9"/>
+    <p:sldId id="258" r:id="rId10"/>
+    <p:sldId id="259" r:id="rId11"/>
+    <p:sldId id="261" r:id="rId12"/>
+    <p:sldId id="263" r:id="rId13"/>
+    <p:sldId id="262" r:id="rId14"/>
+    <p:sldId id="264" r:id="rId15"/>
+    <p:sldId id="269" r:id="rId16"/>
+    <p:sldId id="270" r:id="rId17"/>
+    <p:sldId id="265" r:id="rId18"/>
+    <p:sldId id="283" r:id="rId19"/>
+    <p:sldId id="266" r:id="rId20"/>
+    <p:sldId id="272" r:id="rId21"/>
+    <p:sldId id="276" r:id="rId22"/>
+    <p:sldId id="274" r:id="rId23"/>
+    <p:sldId id="284" r:id="rId24"/>
+    <p:sldId id="285" r:id="rId25"/>
+    <p:sldId id="286" r:id="rId26"/>
   </p:sldIdLst>
   <p:sldSz cx="9144000" cy="6858000" type="screen4x3"/>
   <p:notesSz cx="6858000" cy="9144000"/>
@@ -435,11 +443,11 @@
           <c:showBubbleSize val="0"/>
         </c:dLbls>
         <c:gapWidth val="150"/>
-        <c:axId val="-2130224336"/>
-        <c:axId val="-2135793040"/>
+        <c:axId val="-2134351184"/>
+        <c:axId val="-2134347840"/>
       </c:barChart>
       <c:catAx>
-        <c:axId val="-2130224336"/>
+        <c:axId val="-2134351184"/>
         <c:scaling>
           <c:orientation val="minMax"/>
         </c:scaling>
@@ -449,7 +457,7 @@
         <c:majorTickMark val="none"/>
         <c:minorTickMark val="none"/>
         <c:tickLblPos val="nextTo"/>
-        <c:crossAx val="-2135793040"/>
+        <c:crossAx val="-2134347840"/>
         <c:crosses val="autoZero"/>
         <c:auto val="1"/>
         <c:lblAlgn val="ctr"/>
@@ -457,7 +465,7 @@
         <c:noMultiLvlLbl val="0"/>
       </c:catAx>
       <c:valAx>
-        <c:axId val="-2135793040"/>
+        <c:axId val="-2134347840"/>
         <c:scaling>
           <c:orientation val="minMax"/>
         </c:scaling>
@@ -487,7 +495,7 @@
         <c:majorTickMark val="none"/>
         <c:minorTickMark val="none"/>
         <c:tickLblPos val="nextTo"/>
-        <c:crossAx val="-2130224336"/>
+        <c:crossAx val="-2134351184"/>
         <c:crosses val="autoZero"/>
         <c:crossBetween val="between"/>
       </c:valAx>
@@ -5935,6 +5943,13 @@
         </dgm:presLayoutVars>
       </dgm:prSet>
       <dgm:spPr/>
+      <dgm:t>
+        <a:bodyPr/>
+        <a:lstStyle/>
+        <a:p>
+          <a:endParaRPr lang="en-US"/>
+        </a:p>
+      </dgm:t>
     </dgm:pt>
     <dgm:pt modelId="{B02F9632-F4B2-B940-B6D4-D80B4DF842E0}" type="pres">
       <dgm:prSet presAssocID="{046D0660-A486-384D-9772-D54B0CF72444}" presName="node" presStyleLbl="node1" presStyleIdx="0" presStyleCnt="4">
@@ -5943,6 +5958,13 @@
         </dgm:presLayoutVars>
       </dgm:prSet>
       <dgm:spPr/>
+      <dgm:t>
+        <a:bodyPr/>
+        <a:lstStyle/>
+        <a:p>
+          <a:endParaRPr lang="en-US"/>
+        </a:p>
+      </dgm:t>
     </dgm:pt>
     <dgm:pt modelId="{8DFFFA96-7C48-5B45-95C9-993F7457D88F}" type="pres">
       <dgm:prSet presAssocID="{4F47A6E6-2640-C74C-A4D3-ACF107E1CD9D}" presName="spacerL" presStyleCnt="0"/>
@@ -5951,6 +5973,13 @@
     <dgm:pt modelId="{23A5F8DD-BE6A-1C47-ACE9-7E7C35C904CD}" type="pres">
       <dgm:prSet presAssocID="{4F47A6E6-2640-C74C-A4D3-ACF107E1CD9D}" presName="sibTrans" presStyleLbl="sibTrans2D1" presStyleIdx="0" presStyleCnt="3"/>
       <dgm:spPr/>
+      <dgm:t>
+        <a:bodyPr/>
+        <a:lstStyle/>
+        <a:p>
+          <a:endParaRPr lang="en-US"/>
+        </a:p>
+      </dgm:t>
     </dgm:pt>
     <dgm:pt modelId="{155DEDFF-C55B-384D-BAD7-892C6E4833FD}" type="pres">
       <dgm:prSet presAssocID="{4F47A6E6-2640-C74C-A4D3-ACF107E1CD9D}" presName="spacerR" presStyleCnt="0"/>
@@ -5963,6 +5992,13 @@
         </dgm:presLayoutVars>
       </dgm:prSet>
       <dgm:spPr/>
+      <dgm:t>
+        <a:bodyPr/>
+        <a:lstStyle/>
+        <a:p>
+          <a:endParaRPr lang="en-US"/>
+        </a:p>
+      </dgm:t>
     </dgm:pt>
     <dgm:pt modelId="{07405C4B-5B2B-7C4F-8157-3ECD03AA856A}" type="pres">
       <dgm:prSet presAssocID="{CB0E5367-AEC6-1F44-9A1F-F94CA689AF87}" presName="spacerL" presStyleCnt="0"/>
@@ -5971,6 +6007,13 @@
     <dgm:pt modelId="{E298E24C-B5B0-CA46-BB5E-D8AAA1C759EE}" type="pres">
       <dgm:prSet presAssocID="{CB0E5367-AEC6-1F44-9A1F-F94CA689AF87}" presName="sibTrans" presStyleLbl="sibTrans2D1" presStyleIdx="1" presStyleCnt="3"/>
       <dgm:spPr/>
+      <dgm:t>
+        <a:bodyPr/>
+        <a:lstStyle/>
+        <a:p>
+          <a:endParaRPr lang="en-US"/>
+        </a:p>
+      </dgm:t>
     </dgm:pt>
     <dgm:pt modelId="{E31E1839-0D9D-5847-83EC-6C4E7589A3BD}" type="pres">
       <dgm:prSet presAssocID="{CB0E5367-AEC6-1F44-9A1F-F94CA689AF87}" presName="spacerR" presStyleCnt="0"/>
@@ -5983,6 +6026,13 @@
         </dgm:presLayoutVars>
       </dgm:prSet>
       <dgm:spPr/>
+      <dgm:t>
+        <a:bodyPr/>
+        <a:lstStyle/>
+        <a:p>
+          <a:endParaRPr lang="en-US"/>
+        </a:p>
+      </dgm:t>
     </dgm:pt>
     <dgm:pt modelId="{D23ED667-7983-E948-9A74-A71C2927D4B3}" type="pres">
       <dgm:prSet presAssocID="{A51A399B-5EE2-6342-854E-DA769FAA547B}" presName="spacerL" presStyleCnt="0"/>
@@ -5991,6 +6041,13 @@
     <dgm:pt modelId="{0D4F392F-FD59-DC43-B47D-9670B62C7F40}" type="pres">
       <dgm:prSet presAssocID="{A51A399B-5EE2-6342-854E-DA769FAA547B}" presName="sibTrans" presStyleLbl="sibTrans2D1" presStyleIdx="2" presStyleCnt="3"/>
       <dgm:spPr/>
+      <dgm:t>
+        <a:bodyPr/>
+        <a:lstStyle/>
+        <a:p>
+          <a:endParaRPr lang="en-US"/>
+        </a:p>
+      </dgm:t>
     </dgm:pt>
     <dgm:pt modelId="{D745BB98-D8AE-3944-8C8A-A1F9AACF3465}" type="pres">
       <dgm:prSet presAssocID="{A51A399B-5EE2-6342-854E-DA769FAA547B}" presName="spacerR" presStyleCnt="0"/>
@@ -6014,17 +6071,17 @@
   </dgm:ptLst>
   <dgm:cxnLst>
     <dgm:cxn modelId="{5DE707B4-6FD0-204A-B184-B204C1CF3546}" type="presOf" srcId="{EF678537-4262-0D4A-88E7-979DB9AEA12D}" destId="{A2AD5945-983E-F740-BAE5-06E26756DA86}" srcOrd="0" destOrd="0" presId="urn:microsoft.com/office/officeart/2005/8/layout/equation1"/>
+    <dgm:cxn modelId="{89A8911E-7F9F-3F4B-9FD5-0FFE8A6BE894}" type="presOf" srcId="{046D0660-A486-384D-9772-D54B0CF72444}" destId="{B02F9632-F4B2-B940-B6D4-D80B4DF842E0}" srcOrd="0" destOrd="0" presId="urn:microsoft.com/office/officeart/2005/8/layout/equation1"/>
+    <dgm:cxn modelId="{66E93C33-3F64-E643-A247-A9697C2857A2}" type="presOf" srcId="{3C474FFD-F212-CC47-A26C-A120FFDE5AE4}" destId="{B4D8A629-ED3D-EB46-A8D6-D56EDF68417E}" srcOrd="0" destOrd="0" presId="urn:microsoft.com/office/officeart/2005/8/layout/equation1"/>
+    <dgm:cxn modelId="{39FC8BFB-47B3-294C-ABD5-C5588889AC2B}" srcId="{3C474FFD-F212-CC47-A26C-A120FFDE5AE4}" destId="{A17FA658-695A-274A-9EDB-240FA873D8DD}" srcOrd="2" destOrd="0" parTransId="{0477D38F-7AEC-9D45-BBB7-4B9E5BBDD51A}" sibTransId="{A51A399B-5EE2-6342-854E-DA769FAA547B}"/>
+    <dgm:cxn modelId="{B69DC273-649C-4D4B-8D4C-2D4038C172F8}" type="presOf" srcId="{CB0E5367-AEC6-1F44-9A1F-F94CA689AF87}" destId="{E298E24C-B5B0-CA46-BB5E-D8AAA1C759EE}" srcOrd="0" destOrd="0" presId="urn:microsoft.com/office/officeart/2005/8/layout/equation1"/>
+    <dgm:cxn modelId="{DB3B8D37-0485-0749-9783-33B20CA6B173}" srcId="{3C474FFD-F212-CC47-A26C-A120FFDE5AE4}" destId="{0216F37B-A066-F14F-B976-AD0634C47582}" srcOrd="3" destOrd="0" parTransId="{A407D0F2-B332-FD4F-8898-B1214350D692}" sibTransId="{1D77192B-7717-DF4F-9C39-336E7FE17FB1}"/>
+    <dgm:cxn modelId="{7164B2EF-A9A3-D245-94ED-B02BD7428699}" type="presOf" srcId="{4F47A6E6-2640-C74C-A4D3-ACF107E1CD9D}" destId="{23A5F8DD-BE6A-1C47-ACE9-7E7C35C904CD}" srcOrd="0" destOrd="0" presId="urn:microsoft.com/office/officeart/2005/8/layout/equation1"/>
     <dgm:cxn modelId="{2D0D04D5-2D6C-4242-9CE0-65B99F537FDD}" type="presOf" srcId="{0216F37B-A066-F14F-B976-AD0634C47582}" destId="{8BDCA9EE-AC33-874C-BFB9-52D1A6F53A4C}" srcOrd="0" destOrd="0" presId="urn:microsoft.com/office/officeart/2005/8/layout/equation1"/>
-    <dgm:cxn modelId="{39FC8BFB-47B3-294C-ABD5-C5588889AC2B}" srcId="{3C474FFD-F212-CC47-A26C-A120FFDE5AE4}" destId="{A17FA658-695A-274A-9EDB-240FA873D8DD}" srcOrd="2" destOrd="0" parTransId="{0477D38F-7AEC-9D45-BBB7-4B9E5BBDD51A}" sibTransId="{A51A399B-5EE2-6342-854E-DA769FAA547B}"/>
-    <dgm:cxn modelId="{89A8911E-7F9F-3F4B-9FD5-0FFE8A6BE894}" type="presOf" srcId="{046D0660-A486-384D-9772-D54B0CF72444}" destId="{B02F9632-F4B2-B940-B6D4-D80B4DF842E0}" srcOrd="0" destOrd="0" presId="urn:microsoft.com/office/officeart/2005/8/layout/equation1"/>
+    <dgm:cxn modelId="{1661EACD-90E0-A64B-90FE-3AD41419839B}" type="presOf" srcId="{A17FA658-695A-274A-9EDB-240FA873D8DD}" destId="{A7E188E6-B79B-7548-941B-F82483DA8599}" srcOrd="0" destOrd="0" presId="urn:microsoft.com/office/officeart/2005/8/layout/equation1"/>
+    <dgm:cxn modelId="{58F20A06-AA48-4B47-8D8C-E73FBE3C3AD7}" srcId="{3C474FFD-F212-CC47-A26C-A120FFDE5AE4}" destId="{046D0660-A486-384D-9772-D54B0CF72444}" srcOrd="0" destOrd="0" parTransId="{427ACE6F-5E0B-A54F-BC58-8E968903FAE1}" sibTransId="{4F47A6E6-2640-C74C-A4D3-ACF107E1CD9D}"/>
     <dgm:cxn modelId="{DD5DD408-C8F1-9A4F-B375-D8DD580E0E64}" type="presOf" srcId="{A51A399B-5EE2-6342-854E-DA769FAA547B}" destId="{0D4F392F-FD59-DC43-B47D-9670B62C7F40}" srcOrd="0" destOrd="0" presId="urn:microsoft.com/office/officeart/2005/8/layout/equation1"/>
     <dgm:cxn modelId="{CD52D7EA-04FD-6F45-A680-D9A3557EE27A}" srcId="{3C474FFD-F212-CC47-A26C-A120FFDE5AE4}" destId="{EF678537-4262-0D4A-88E7-979DB9AEA12D}" srcOrd="1" destOrd="0" parTransId="{56F2AF32-F96F-574E-A147-0534C2EE9288}" sibTransId="{CB0E5367-AEC6-1F44-9A1F-F94CA689AF87}"/>
-    <dgm:cxn modelId="{1661EACD-90E0-A64B-90FE-3AD41419839B}" type="presOf" srcId="{A17FA658-695A-274A-9EDB-240FA873D8DD}" destId="{A7E188E6-B79B-7548-941B-F82483DA8599}" srcOrd="0" destOrd="0" presId="urn:microsoft.com/office/officeart/2005/8/layout/equation1"/>
-    <dgm:cxn modelId="{B69DC273-649C-4D4B-8D4C-2D4038C172F8}" type="presOf" srcId="{CB0E5367-AEC6-1F44-9A1F-F94CA689AF87}" destId="{E298E24C-B5B0-CA46-BB5E-D8AAA1C759EE}" srcOrd="0" destOrd="0" presId="urn:microsoft.com/office/officeart/2005/8/layout/equation1"/>
-    <dgm:cxn modelId="{7164B2EF-A9A3-D245-94ED-B02BD7428699}" type="presOf" srcId="{4F47A6E6-2640-C74C-A4D3-ACF107E1CD9D}" destId="{23A5F8DD-BE6A-1C47-ACE9-7E7C35C904CD}" srcOrd="0" destOrd="0" presId="urn:microsoft.com/office/officeart/2005/8/layout/equation1"/>
-    <dgm:cxn modelId="{58F20A06-AA48-4B47-8D8C-E73FBE3C3AD7}" srcId="{3C474FFD-F212-CC47-A26C-A120FFDE5AE4}" destId="{046D0660-A486-384D-9772-D54B0CF72444}" srcOrd="0" destOrd="0" parTransId="{427ACE6F-5E0B-A54F-BC58-8E968903FAE1}" sibTransId="{4F47A6E6-2640-C74C-A4D3-ACF107E1CD9D}"/>
-    <dgm:cxn modelId="{66E93C33-3F64-E643-A247-A9697C2857A2}" type="presOf" srcId="{3C474FFD-F212-CC47-A26C-A120FFDE5AE4}" destId="{B4D8A629-ED3D-EB46-A8D6-D56EDF68417E}" srcOrd="0" destOrd="0" presId="urn:microsoft.com/office/officeart/2005/8/layout/equation1"/>
-    <dgm:cxn modelId="{DB3B8D37-0485-0749-9783-33B20CA6B173}" srcId="{3C474FFD-F212-CC47-A26C-A120FFDE5AE4}" destId="{0216F37B-A066-F14F-B976-AD0634C47582}" srcOrd="3" destOrd="0" parTransId="{A407D0F2-B332-FD4F-8898-B1214350D692}" sibTransId="{1D77192B-7717-DF4F-9C39-336E7FE17FB1}"/>
     <dgm:cxn modelId="{30F31CB5-6E5F-6747-8865-5F9CD79193AF}" type="presParOf" srcId="{B4D8A629-ED3D-EB46-A8D6-D56EDF68417E}" destId="{B02F9632-F4B2-B940-B6D4-D80B4DF842E0}" srcOrd="0" destOrd="0" presId="urn:microsoft.com/office/officeart/2005/8/layout/equation1"/>
     <dgm:cxn modelId="{72AE28C1-D894-114A-B2DF-9D1EB360F938}" type="presParOf" srcId="{B4D8A629-ED3D-EB46-A8D6-D56EDF68417E}" destId="{8DFFFA96-7C48-5B45-95C9-993F7457D88F}" srcOrd="1" destOrd="0" presId="urn:microsoft.com/office/officeart/2005/8/layout/equation1"/>
     <dgm:cxn modelId="{DBE6C171-B718-4046-BC31-5A0C01AE2B5F}" type="presParOf" srcId="{B4D8A629-ED3D-EB46-A8D6-D56EDF68417E}" destId="{23A5F8DD-BE6A-1C47-ACE9-7E7C35C904CD}" srcOrd="2" destOrd="0" presId="urn:microsoft.com/office/officeart/2005/8/layout/equation1"/>
@@ -6194,6 +6251,13 @@
         </dgm:presLayoutVars>
       </dgm:prSet>
       <dgm:spPr/>
+      <dgm:t>
+        <a:bodyPr/>
+        <a:lstStyle/>
+        <a:p>
+          <a:endParaRPr lang="en-US"/>
+        </a:p>
+      </dgm:t>
     </dgm:pt>
     <dgm:pt modelId="{B02F9632-F4B2-B940-B6D4-D80B4DF842E0}" type="pres">
       <dgm:prSet presAssocID="{046D0660-A486-384D-9772-D54B0CF72444}" presName="node" presStyleLbl="node1" presStyleIdx="0" presStyleCnt="3">
@@ -6202,6 +6266,13 @@
         </dgm:presLayoutVars>
       </dgm:prSet>
       <dgm:spPr/>
+      <dgm:t>
+        <a:bodyPr/>
+        <a:lstStyle/>
+        <a:p>
+          <a:endParaRPr lang="en-US"/>
+        </a:p>
+      </dgm:t>
     </dgm:pt>
     <dgm:pt modelId="{8DFFFA96-7C48-5B45-95C9-993F7457D88F}" type="pres">
       <dgm:prSet presAssocID="{4F47A6E6-2640-C74C-A4D3-ACF107E1CD9D}" presName="spacerL" presStyleCnt="0"/>
@@ -6210,6 +6281,13 @@
     <dgm:pt modelId="{23A5F8DD-BE6A-1C47-ACE9-7E7C35C904CD}" type="pres">
       <dgm:prSet presAssocID="{4F47A6E6-2640-C74C-A4D3-ACF107E1CD9D}" presName="sibTrans" presStyleLbl="sibTrans2D1" presStyleIdx="0" presStyleCnt="2"/>
       <dgm:spPr/>
+      <dgm:t>
+        <a:bodyPr/>
+        <a:lstStyle/>
+        <a:p>
+          <a:endParaRPr lang="en-US"/>
+        </a:p>
+      </dgm:t>
     </dgm:pt>
     <dgm:pt modelId="{155DEDFF-C55B-384D-BAD7-892C6E4833FD}" type="pres">
       <dgm:prSet presAssocID="{4F47A6E6-2640-C74C-A4D3-ACF107E1CD9D}" presName="spacerR" presStyleCnt="0"/>
@@ -6222,6 +6300,13 @@
         </dgm:presLayoutVars>
       </dgm:prSet>
       <dgm:spPr/>
+      <dgm:t>
+        <a:bodyPr/>
+        <a:lstStyle/>
+        <a:p>
+          <a:endParaRPr lang="en-US"/>
+        </a:p>
+      </dgm:t>
     </dgm:pt>
     <dgm:pt modelId="{D23ED667-7983-E948-9A74-A71C2927D4B3}" type="pres">
       <dgm:prSet presAssocID="{A51A399B-5EE2-6342-854E-DA769FAA547B}" presName="spacerL" presStyleCnt="0"/>
@@ -6230,6 +6315,13 @@
     <dgm:pt modelId="{0D4F392F-FD59-DC43-B47D-9670B62C7F40}" type="pres">
       <dgm:prSet presAssocID="{A51A399B-5EE2-6342-854E-DA769FAA547B}" presName="sibTrans" presStyleLbl="sibTrans2D1" presStyleIdx="1" presStyleCnt="2"/>
       <dgm:spPr/>
+      <dgm:t>
+        <a:bodyPr/>
+        <a:lstStyle/>
+        <a:p>
+          <a:endParaRPr lang="en-US"/>
+        </a:p>
+      </dgm:t>
     </dgm:pt>
     <dgm:pt modelId="{D745BB98-D8AE-3944-8C8A-A1F9AACF3465}" type="pres">
       <dgm:prSet presAssocID="{A51A399B-5EE2-6342-854E-DA769FAA547B}" presName="spacerR" presStyleCnt="0"/>
@@ -6252,15 +6344,15 @@
     </dgm:pt>
   </dgm:ptLst>
   <dgm:cxnLst>
+    <dgm:cxn modelId="{2F6D3B6E-3EB7-EB4B-AF43-F680EF472B9B}" type="presOf" srcId="{A17FA658-695A-274A-9EDB-240FA873D8DD}" destId="{A7E188E6-B79B-7548-941B-F82483DA8599}" srcOrd="0" destOrd="0" presId="urn:microsoft.com/office/officeart/2005/8/layout/equation1"/>
     <dgm:cxn modelId="{027CDA27-1546-4744-887A-DC5D45E2356F}" type="presOf" srcId="{3C474FFD-F212-CC47-A26C-A120FFDE5AE4}" destId="{B4D8A629-ED3D-EB46-A8D6-D56EDF68417E}" srcOrd="0" destOrd="0" presId="urn:microsoft.com/office/officeart/2005/8/layout/equation1"/>
     <dgm:cxn modelId="{56CCF213-78BE-024E-9531-E5575A0E08EA}" type="presOf" srcId="{4F47A6E6-2640-C74C-A4D3-ACF107E1CD9D}" destId="{23A5F8DD-BE6A-1C47-ACE9-7E7C35C904CD}" srcOrd="0" destOrd="0" presId="urn:microsoft.com/office/officeart/2005/8/layout/equation1"/>
-    <dgm:cxn modelId="{2F6D3B6E-3EB7-EB4B-AF43-F680EF472B9B}" type="presOf" srcId="{A17FA658-695A-274A-9EDB-240FA873D8DD}" destId="{A7E188E6-B79B-7548-941B-F82483DA8599}" srcOrd="0" destOrd="0" presId="urn:microsoft.com/office/officeart/2005/8/layout/equation1"/>
+    <dgm:cxn modelId="{981F8A64-37FD-654A-8A36-C604444A7F42}" type="presOf" srcId="{A51A399B-5EE2-6342-854E-DA769FAA547B}" destId="{0D4F392F-FD59-DC43-B47D-9670B62C7F40}" srcOrd="0" destOrd="0" presId="urn:microsoft.com/office/officeart/2005/8/layout/equation1"/>
+    <dgm:cxn modelId="{39FC8BFB-47B3-294C-ABD5-C5588889AC2B}" srcId="{3C474FFD-F212-CC47-A26C-A120FFDE5AE4}" destId="{A17FA658-695A-274A-9EDB-240FA873D8DD}" srcOrd="1" destOrd="0" parTransId="{0477D38F-7AEC-9D45-BBB7-4B9E5BBDD51A}" sibTransId="{A51A399B-5EE2-6342-854E-DA769FAA547B}"/>
+    <dgm:cxn modelId="{DB3B8D37-0485-0749-9783-33B20CA6B173}" srcId="{3C474FFD-F212-CC47-A26C-A120FFDE5AE4}" destId="{0216F37B-A066-F14F-B976-AD0634C47582}" srcOrd="2" destOrd="0" parTransId="{A407D0F2-B332-FD4F-8898-B1214350D692}" sibTransId="{1D77192B-7717-DF4F-9C39-336E7FE17FB1}"/>
     <dgm:cxn modelId="{E84D3BBB-6BB1-A142-9ED7-81842F1B308B}" type="presOf" srcId="{0216F37B-A066-F14F-B976-AD0634C47582}" destId="{8BDCA9EE-AC33-874C-BFB9-52D1A6F53A4C}" srcOrd="0" destOrd="0" presId="urn:microsoft.com/office/officeart/2005/8/layout/equation1"/>
-    <dgm:cxn modelId="{39FC8BFB-47B3-294C-ABD5-C5588889AC2B}" srcId="{3C474FFD-F212-CC47-A26C-A120FFDE5AE4}" destId="{A17FA658-695A-274A-9EDB-240FA873D8DD}" srcOrd="1" destOrd="0" parTransId="{0477D38F-7AEC-9D45-BBB7-4B9E5BBDD51A}" sibTransId="{A51A399B-5EE2-6342-854E-DA769FAA547B}"/>
+    <dgm:cxn modelId="{C3CF224E-5D89-764D-9EE0-F14A0A283D02}" type="presOf" srcId="{046D0660-A486-384D-9772-D54B0CF72444}" destId="{B02F9632-F4B2-B940-B6D4-D80B4DF842E0}" srcOrd="0" destOrd="0" presId="urn:microsoft.com/office/officeart/2005/8/layout/equation1"/>
     <dgm:cxn modelId="{58F20A06-AA48-4B47-8D8C-E73FBE3C3AD7}" srcId="{3C474FFD-F212-CC47-A26C-A120FFDE5AE4}" destId="{046D0660-A486-384D-9772-D54B0CF72444}" srcOrd="0" destOrd="0" parTransId="{427ACE6F-5E0B-A54F-BC58-8E968903FAE1}" sibTransId="{4F47A6E6-2640-C74C-A4D3-ACF107E1CD9D}"/>
-    <dgm:cxn modelId="{C3CF224E-5D89-764D-9EE0-F14A0A283D02}" type="presOf" srcId="{046D0660-A486-384D-9772-D54B0CF72444}" destId="{B02F9632-F4B2-B940-B6D4-D80B4DF842E0}" srcOrd="0" destOrd="0" presId="urn:microsoft.com/office/officeart/2005/8/layout/equation1"/>
-    <dgm:cxn modelId="{981F8A64-37FD-654A-8A36-C604444A7F42}" type="presOf" srcId="{A51A399B-5EE2-6342-854E-DA769FAA547B}" destId="{0D4F392F-FD59-DC43-B47D-9670B62C7F40}" srcOrd="0" destOrd="0" presId="urn:microsoft.com/office/officeart/2005/8/layout/equation1"/>
-    <dgm:cxn modelId="{DB3B8D37-0485-0749-9783-33B20CA6B173}" srcId="{3C474FFD-F212-CC47-A26C-A120FFDE5AE4}" destId="{0216F37B-A066-F14F-B976-AD0634C47582}" srcOrd="2" destOrd="0" parTransId="{A407D0F2-B332-FD4F-8898-B1214350D692}" sibTransId="{1D77192B-7717-DF4F-9C39-336E7FE17FB1}"/>
     <dgm:cxn modelId="{C40F7BFA-295E-1149-8E75-414F90B0FCBA}" type="presParOf" srcId="{B4D8A629-ED3D-EB46-A8D6-D56EDF68417E}" destId="{B02F9632-F4B2-B940-B6D4-D80B4DF842E0}" srcOrd="0" destOrd="0" presId="urn:microsoft.com/office/officeart/2005/8/layout/equation1"/>
     <dgm:cxn modelId="{39604931-4AF1-B047-9EA6-6E5CAA29696D}" type="presParOf" srcId="{B4D8A629-ED3D-EB46-A8D6-D56EDF68417E}" destId="{8DFFFA96-7C48-5B45-95C9-993F7457D88F}" srcOrd="1" destOrd="0" presId="urn:microsoft.com/office/officeart/2005/8/layout/equation1"/>
     <dgm:cxn modelId="{FF5F8305-5F68-C34C-AE29-DA3AEB3D4EDE}" type="presParOf" srcId="{B4D8A629-ED3D-EB46-A8D6-D56EDF68417E}" destId="{23A5F8DD-BE6A-1C47-ACE9-7E7C35C904CD}" srcOrd="2" destOrd="0" presId="urn:microsoft.com/office/officeart/2005/8/layout/equation1"/>
@@ -6390,6 +6482,13 @@
         </dgm:presLayoutVars>
       </dgm:prSet>
       <dgm:spPr/>
+      <dgm:t>
+        <a:bodyPr/>
+        <a:lstStyle/>
+        <a:p>
+          <a:endParaRPr lang="en-US"/>
+        </a:p>
+      </dgm:t>
     </dgm:pt>
     <dgm:pt modelId="{122D8BEE-5BDE-F944-8DDD-D6A64FDA9E1C}" type="pres">
       <dgm:prSet presAssocID="{67718498-2738-1542-AA23-211E49D95E4B}" presName="node" presStyleLbl="node1" presStyleIdx="0" presStyleCnt="3">
@@ -6413,6 +6512,13 @@
     <dgm:pt modelId="{28E2D704-E078-714F-B1EE-FA150F6CF233}" type="pres">
       <dgm:prSet presAssocID="{6B1D5550-E4A3-164A-BA5F-581BFA2BB35E}" presName="sibTrans" presStyleLbl="sibTrans2D1" presStyleIdx="0" presStyleCnt="2"/>
       <dgm:spPr/>
+      <dgm:t>
+        <a:bodyPr/>
+        <a:lstStyle/>
+        <a:p>
+          <a:endParaRPr lang="en-US"/>
+        </a:p>
+      </dgm:t>
     </dgm:pt>
     <dgm:pt modelId="{CA2F9590-4D38-4348-8535-DD75AE2360F9}" type="pres">
       <dgm:prSet presAssocID="{6B1D5550-E4A3-164A-BA5F-581BFA2BB35E}" presName="spacerR" presStyleCnt="0"/>
@@ -6425,6 +6531,13 @@
         </dgm:presLayoutVars>
       </dgm:prSet>
       <dgm:spPr/>
+      <dgm:t>
+        <a:bodyPr/>
+        <a:lstStyle/>
+        <a:p>
+          <a:endParaRPr lang="en-US"/>
+        </a:p>
+      </dgm:t>
     </dgm:pt>
     <dgm:pt modelId="{38EBC8E0-150D-BB43-967C-5A38C29AB9CB}" type="pres">
       <dgm:prSet presAssocID="{0057DE81-5745-A448-BDD1-DF36F0ACE413}" presName="spacerL" presStyleCnt="0"/>
@@ -6433,6 +6546,13 @@
     <dgm:pt modelId="{0B0CF1BB-5E29-EA40-A27F-370A028FF679}" type="pres">
       <dgm:prSet presAssocID="{0057DE81-5745-A448-BDD1-DF36F0ACE413}" presName="sibTrans" presStyleLbl="sibTrans2D1" presStyleIdx="1" presStyleCnt="2"/>
       <dgm:spPr/>
+      <dgm:t>
+        <a:bodyPr/>
+        <a:lstStyle/>
+        <a:p>
+          <a:endParaRPr lang="en-US"/>
+        </a:p>
+      </dgm:t>
     </dgm:pt>
     <dgm:pt modelId="{B47CECBD-739E-0647-BC43-A63C19B455FF}" type="pres">
       <dgm:prSet presAssocID="{0057DE81-5745-A448-BDD1-DF36F0ACE413}" presName="spacerR" presStyleCnt="0"/>
@@ -6456,14 +6576,14 @@
   </dgm:ptLst>
   <dgm:cxnLst>
     <dgm:cxn modelId="{03C4F199-E537-A047-A6C2-3801E88CCD98}" srcId="{3C474FFD-F212-CC47-A26C-A120FFDE5AE4}" destId="{8E0C76AA-4997-B74D-B978-00A7CBC52770}" srcOrd="1" destOrd="0" parTransId="{CDDD9147-659A-5942-8404-996D4A66CA6D}" sibTransId="{0057DE81-5745-A448-BDD1-DF36F0ACE413}"/>
+    <dgm:cxn modelId="{87350A24-43E9-E146-A656-2E37B45B9D69}" type="presOf" srcId="{0057DE81-5745-A448-BDD1-DF36F0ACE413}" destId="{0B0CF1BB-5E29-EA40-A27F-370A028FF679}" srcOrd="0" destOrd="0" presId="urn:microsoft.com/office/officeart/2005/8/layout/equation1"/>
+    <dgm:cxn modelId="{6AFB5770-DF3A-2E41-9898-80F52D3818DD}" type="presOf" srcId="{3C474FFD-F212-CC47-A26C-A120FFDE5AE4}" destId="{B4D8A629-ED3D-EB46-A8D6-D56EDF68417E}" srcOrd="0" destOrd="0" presId="urn:microsoft.com/office/officeart/2005/8/layout/equation1"/>
+    <dgm:cxn modelId="{EE945EDB-1A80-374F-9D50-CAF6972A6478}" type="presOf" srcId="{8E0C76AA-4997-B74D-B978-00A7CBC52770}" destId="{9C65F08E-AEBC-6940-BE0A-14D23CD677D4}" srcOrd="0" destOrd="0" presId="urn:microsoft.com/office/officeart/2005/8/layout/equation1"/>
+    <dgm:cxn modelId="{AFE194CC-530A-9940-B888-9151277FCBF4}" type="presOf" srcId="{7D336437-DF26-C842-882A-67B97D3E135B}" destId="{E392F8C6-574E-C444-85F1-6B0D14643EFF}" srcOrd="0" destOrd="0" presId="urn:microsoft.com/office/officeart/2005/8/layout/equation1"/>
+    <dgm:cxn modelId="{B2920582-ED3F-414A-AC9D-FB33C358730D}" srcId="{3C474FFD-F212-CC47-A26C-A120FFDE5AE4}" destId="{67718498-2738-1542-AA23-211E49D95E4B}" srcOrd="0" destOrd="0" parTransId="{CE83391D-4EE7-DF4B-BD63-E91365601F17}" sibTransId="{6B1D5550-E4A3-164A-BA5F-581BFA2BB35E}"/>
     <dgm:cxn modelId="{6B075CDE-625E-0F46-8F86-02FF23CE8803}" srcId="{3C474FFD-F212-CC47-A26C-A120FFDE5AE4}" destId="{7D336437-DF26-C842-882A-67B97D3E135B}" srcOrd="2" destOrd="0" parTransId="{4EC852E7-79D6-174E-B869-4B886A099599}" sibTransId="{A5EB09C0-B948-AC4E-8540-E96E2C73C3B6}"/>
     <dgm:cxn modelId="{355ED9B0-6D90-C241-BA79-7E298149F3BA}" type="presOf" srcId="{67718498-2738-1542-AA23-211E49D95E4B}" destId="{122D8BEE-5BDE-F944-8DDD-D6A64FDA9E1C}" srcOrd="0" destOrd="0" presId="urn:microsoft.com/office/officeart/2005/8/layout/equation1"/>
-    <dgm:cxn modelId="{AFE194CC-530A-9940-B888-9151277FCBF4}" type="presOf" srcId="{7D336437-DF26-C842-882A-67B97D3E135B}" destId="{E392F8C6-574E-C444-85F1-6B0D14643EFF}" srcOrd="0" destOrd="0" presId="urn:microsoft.com/office/officeart/2005/8/layout/equation1"/>
-    <dgm:cxn modelId="{87350A24-43E9-E146-A656-2E37B45B9D69}" type="presOf" srcId="{0057DE81-5745-A448-BDD1-DF36F0ACE413}" destId="{0B0CF1BB-5E29-EA40-A27F-370A028FF679}" srcOrd="0" destOrd="0" presId="urn:microsoft.com/office/officeart/2005/8/layout/equation1"/>
     <dgm:cxn modelId="{784CA0F4-3B17-DF4C-9948-C3797FA8D2F0}" type="presOf" srcId="{6B1D5550-E4A3-164A-BA5F-581BFA2BB35E}" destId="{28E2D704-E078-714F-B1EE-FA150F6CF233}" srcOrd="0" destOrd="0" presId="urn:microsoft.com/office/officeart/2005/8/layout/equation1"/>
-    <dgm:cxn modelId="{EE945EDB-1A80-374F-9D50-CAF6972A6478}" type="presOf" srcId="{8E0C76AA-4997-B74D-B978-00A7CBC52770}" destId="{9C65F08E-AEBC-6940-BE0A-14D23CD677D4}" srcOrd="0" destOrd="0" presId="urn:microsoft.com/office/officeart/2005/8/layout/equation1"/>
-    <dgm:cxn modelId="{6AFB5770-DF3A-2E41-9898-80F52D3818DD}" type="presOf" srcId="{3C474FFD-F212-CC47-A26C-A120FFDE5AE4}" destId="{B4D8A629-ED3D-EB46-A8D6-D56EDF68417E}" srcOrd="0" destOrd="0" presId="urn:microsoft.com/office/officeart/2005/8/layout/equation1"/>
-    <dgm:cxn modelId="{B2920582-ED3F-414A-AC9D-FB33C358730D}" srcId="{3C474FFD-F212-CC47-A26C-A120FFDE5AE4}" destId="{67718498-2738-1542-AA23-211E49D95E4B}" srcOrd="0" destOrd="0" parTransId="{CE83391D-4EE7-DF4B-BD63-E91365601F17}" sibTransId="{6B1D5550-E4A3-164A-BA5F-581BFA2BB35E}"/>
     <dgm:cxn modelId="{2621E111-4647-234C-B880-41BE475BD2DE}" type="presParOf" srcId="{B4D8A629-ED3D-EB46-A8D6-D56EDF68417E}" destId="{122D8BEE-5BDE-F944-8DDD-D6A64FDA9E1C}" srcOrd="0" destOrd="0" presId="urn:microsoft.com/office/officeart/2005/8/layout/equation1"/>
     <dgm:cxn modelId="{7474146A-6253-AC45-BB46-09F1ACE77A50}" type="presParOf" srcId="{B4D8A629-ED3D-EB46-A8D6-D56EDF68417E}" destId="{46086614-073E-6443-B3AE-E62D66BEFB87}" srcOrd="1" destOrd="0" presId="urn:microsoft.com/office/officeart/2005/8/layout/equation1"/>
     <dgm:cxn modelId="{7486E3BB-44EC-5342-B07F-505A7BFC2B12}" type="presParOf" srcId="{B4D8A629-ED3D-EB46-A8D6-D56EDF68417E}" destId="{28E2D704-E078-714F-B1EE-FA150F6CF233}" srcOrd="2" destOrd="0" presId="urn:microsoft.com/office/officeart/2005/8/layout/equation1"/>
@@ -6620,6 +6740,13 @@
         </dgm:presLayoutVars>
       </dgm:prSet>
       <dgm:spPr/>
+      <dgm:t>
+        <a:bodyPr/>
+        <a:lstStyle/>
+        <a:p>
+          <a:endParaRPr lang="en-US"/>
+        </a:p>
+      </dgm:t>
     </dgm:pt>
     <dgm:pt modelId="{F04BFCA8-6BAC-7E4E-8E73-01CECE806AE4}" type="pres">
       <dgm:prSet presAssocID="{682D2D7F-09CE-C547-B130-3F47502AE170}" presName="node" presStyleLbl="node1" presStyleIdx="0" presStyleCnt="3">
@@ -6628,6 +6755,13 @@
         </dgm:presLayoutVars>
       </dgm:prSet>
       <dgm:spPr/>
+      <dgm:t>
+        <a:bodyPr/>
+        <a:lstStyle/>
+        <a:p>
+          <a:endParaRPr lang="en-US"/>
+        </a:p>
+      </dgm:t>
     </dgm:pt>
     <dgm:pt modelId="{7B3E226D-E9B4-1248-BACD-CB0B6AED4B3F}" type="pres">
       <dgm:prSet presAssocID="{682D2D7F-09CE-C547-B130-3F47502AE170}" presName="spNode" presStyleCnt="0"/>
@@ -6636,6 +6770,13 @@
     <dgm:pt modelId="{B29BF535-69A0-0745-B9FA-A081DFFD7354}" type="pres">
       <dgm:prSet presAssocID="{A91F7A8C-66B5-334B-A8B6-293FBFF77BC1}" presName="sibTrans" presStyleLbl="sibTrans1D1" presStyleIdx="0" presStyleCnt="3"/>
       <dgm:spPr/>
+      <dgm:t>
+        <a:bodyPr/>
+        <a:lstStyle/>
+        <a:p>
+          <a:endParaRPr lang="en-US"/>
+        </a:p>
+      </dgm:t>
     </dgm:pt>
     <dgm:pt modelId="{A7C2E58A-B964-AE41-B538-0394B6FE7267}" type="pres">
       <dgm:prSet presAssocID="{AEA3E6A0-04A7-0140-AE11-F61E846A0D16}" presName="node" presStyleLbl="node1" presStyleIdx="1" presStyleCnt="3">
@@ -6644,6 +6785,13 @@
         </dgm:presLayoutVars>
       </dgm:prSet>
       <dgm:spPr/>
+      <dgm:t>
+        <a:bodyPr/>
+        <a:lstStyle/>
+        <a:p>
+          <a:endParaRPr lang="en-US"/>
+        </a:p>
+      </dgm:t>
     </dgm:pt>
     <dgm:pt modelId="{778A33AD-D455-544F-9B97-2AA391556999}" type="pres">
       <dgm:prSet presAssocID="{AEA3E6A0-04A7-0140-AE11-F61E846A0D16}" presName="spNode" presStyleCnt="0"/>
@@ -6652,6 +6800,13 @@
     <dgm:pt modelId="{69011963-49D9-C048-AC24-DBD209626044}" type="pres">
       <dgm:prSet presAssocID="{1B4A9A7A-376A-6A47-9E21-F8D24BD711ED}" presName="sibTrans" presStyleLbl="sibTrans1D1" presStyleIdx="1" presStyleCnt="3"/>
       <dgm:spPr/>
+      <dgm:t>
+        <a:bodyPr/>
+        <a:lstStyle/>
+        <a:p>
+          <a:endParaRPr lang="en-US"/>
+        </a:p>
+      </dgm:t>
     </dgm:pt>
     <dgm:pt modelId="{BE1CB168-F04E-284D-939D-9CB20575F926}" type="pres">
       <dgm:prSet presAssocID="{ABA58323-B2FC-904C-B7F4-189442FDC0FA}" presName="node" presStyleLbl="node1" presStyleIdx="2" presStyleCnt="3">
@@ -6660,6 +6815,13 @@
         </dgm:presLayoutVars>
       </dgm:prSet>
       <dgm:spPr/>
+      <dgm:t>
+        <a:bodyPr/>
+        <a:lstStyle/>
+        <a:p>
+          <a:endParaRPr lang="en-US"/>
+        </a:p>
+      </dgm:t>
     </dgm:pt>
     <dgm:pt modelId="{BFE8E52C-3213-0C44-A52D-B736216E31C5}" type="pres">
       <dgm:prSet presAssocID="{ABA58323-B2FC-904C-B7F4-189442FDC0FA}" presName="spNode" presStyleCnt="0"/>
@@ -6668,19 +6830,26 @@
     <dgm:pt modelId="{3DC9628B-1CDE-FA48-8257-31E4D3B3EE4C}" type="pres">
       <dgm:prSet presAssocID="{7E644C93-74D4-EC49-BF42-1E201BF4F43E}" presName="sibTrans" presStyleLbl="sibTrans1D1" presStyleIdx="2" presStyleCnt="3"/>
       <dgm:spPr/>
+      <dgm:t>
+        <a:bodyPr/>
+        <a:lstStyle/>
+        <a:p>
+          <a:endParaRPr lang="en-US"/>
+        </a:p>
+      </dgm:t>
     </dgm:pt>
   </dgm:ptLst>
   <dgm:cxnLst>
+    <dgm:cxn modelId="{64D23FC8-6CC1-4F4B-B9AC-62FC367BE969}" type="presOf" srcId="{1B4A9A7A-376A-6A47-9E21-F8D24BD711ED}" destId="{69011963-49D9-C048-AC24-DBD209626044}" srcOrd="0" destOrd="0" presId="urn:microsoft.com/office/officeart/2005/8/layout/cycle6"/>
+    <dgm:cxn modelId="{016083B5-19A6-9A49-961F-60272482FEC3}" type="presOf" srcId="{7E644C93-74D4-EC49-BF42-1E201BF4F43E}" destId="{3DC9628B-1CDE-FA48-8257-31E4D3B3EE4C}" srcOrd="0" destOrd="0" presId="urn:microsoft.com/office/officeart/2005/8/layout/cycle6"/>
+    <dgm:cxn modelId="{1EC64295-1AA4-2D44-8BB9-110E249AC558}" srcId="{6A3F517C-C244-8549-86D1-C0A016FF8EFE}" destId="{AEA3E6A0-04A7-0140-AE11-F61E846A0D16}" srcOrd="1" destOrd="0" parTransId="{3FEB6377-B849-7941-9E03-B70CF0101C2E}" sibTransId="{1B4A9A7A-376A-6A47-9E21-F8D24BD711ED}"/>
+    <dgm:cxn modelId="{FA88F262-EEFA-B34C-98A6-135F7F31CF46}" srcId="{6A3F517C-C244-8549-86D1-C0A016FF8EFE}" destId="{ABA58323-B2FC-904C-B7F4-189442FDC0FA}" srcOrd="2" destOrd="0" parTransId="{C6345F7D-7A7C-E74C-8BBC-BDF48491CB94}" sibTransId="{7E644C93-74D4-EC49-BF42-1E201BF4F43E}"/>
+    <dgm:cxn modelId="{12DAAF43-9BC7-8149-A6E8-64EDE444EB10}" type="presOf" srcId="{6A3F517C-C244-8549-86D1-C0A016FF8EFE}" destId="{1782BD29-51F7-7B41-87DB-0CF4C7A26E50}" srcOrd="0" destOrd="0" presId="urn:microsoft.com/office/officeart/2005/8/layout/cycle6"/>
+    <dgm:cxn modelId="{DA219FB2-B09A-0740-ACCA-B6432083FA59}" type="presOf" srcId="{682D2D7F-09CE-C547-B130-3F47502AE170}" destId="{F04BFCA8-6BAC-7E4E-8E73-01CECE806AE4}" srcOrd="0" destOrd="0" presId="urn:microsoft.com/office/officeart/2005/8/layout/cycle6"/>
+    <dgm:cxn modelId="{61FE9E93-AA1B-864F-8A88-ADA86F1C53B4}" srcId="{6A3F517C-C244-8549-86D1-C0A016FF8EFE}" destId="{682D2D7F-09CE-C547-B130-3F47502AE170}" srcOrd="0" destOrd="0" parTransId="{8900D217-FBEB-CB4F-B966-E20DAF248879}" sibTransId="{A91F7A8C-66B5-334B-A8B6-293FBFF77BC1}"/>
+    <dgm:cxn modelId="{9C43E03D-50B0-3C47-9622-1B6F40995030}" type="presOf" srcId="{ABA58323-B2FC-904C-B7F4-189442FDC0FA}" destId="{BE1CB168-F04E-284D-939D-9CB20575F926}" srcOrd="0" destOrd="0" presId="urn:microsoft.com/office/officeart/2005/8/layout/cycle6"/>
     <dgm:cxn modelId="{1595106A-3C62-2848-8425-B77ED03CAFA3}" type="presOf" srcId="{A91F7A8C-66B5-334B-A8B6-293FBFF77BC1}" destId="{B29BF535-69A0-0745-B9FA-A081DFFD7354}" srcOrd="0" destOrd="0" presId="urn:microsoft.com/office/officeart/2005/8/layout/cycle6"/>
-    <dgm:cxn modelId="{1EC64295-1AA4-2D44-8BB9-110E249AC558}" srcId="{6A3F517C-C244-8549-86D1-C0A016FF8EFE}" destId="{AEA3E6A0-04A7-0140-AE11-F61E846A0D16}" srcOrd="1" destOrd="0" parTransId="{3FEB6377-B849-7941-9E03-B70CF0101C2E}" sibTransId="{1B4A9A7A-376A-6A47-9E21-F8D24BD711ED}"/>
-    <dgm:cxn modelId="{016083B5-19A6-9A49-961F-60272482FEC3}" type="presOf" srcId="{7E644C93-74D4-EC49-BF42-1E201BF4F43E}" destId="{3DC9628B-1CDE-FA48-8257-31E4D3B3EE4C}" srcOrd="0" destOrd="0" presId="urn:microsoft.com/office/officeart/2005/8/layout/cycle6"/>
-    <dgm:cxn modelId="{DA219FB2-B09A-0740-ACCA-B6432083FA59}" type="presOf" srcId="{682D2D7F-09CE-C547-B130-3F47502AE170}" destId="{F04BFCA8-6BAC-7E4E-8E73-01CECE806AE4}" srcOrd="0" destOrd="0" presId="urn:microsoft.com/office/officeart/2005/8/layout/cycle6"/>
-    <dgm:cxn modelId="{FA88F262-EEFA-B34C-98A6-135F7F31CF46}" srcId="{6A3F517C-C244-8549-86D1-C0A016FF8EFE}" destId="{ABA58323-B2FC-904C-B7F4-189442FDC0FA}" srcOrd="2" destOrd="0" parTransId="{C6345F7D-7A7C-E74C-8BBC-BDF48491CB94}" sibTransId="{7E644C93-74D4-EC49-BF42-1E201BF4F43E}"/>
-    <dgm:cxn modelId="{9C43E03D-50B0-3C47-9622-1B6F40995030}" type="presOf" srcId="{ABA58323-B2FC-904C-B7F4-189442FDC0FA}" destId="{BE1CB168-F04E-284D-939D-9CB20575F926}" srcOrd="0" destOrd="0" presId="urn:microsoft.com/office/officeart/2005/8/layout/cycle6"/>
-    <dgm:cxn modelId="{12DAAF43-9BC7-8149-A6E8-64EDE444EB10}" type="presOf" srcId="{6A3F517C-C244-8549-86D1-C0A016FF8EFE}" destId="{1782BD29-51F7-7B41-87DB-0CF4C7A26E50}" srcOrd="0" destOrd="0" presId="urn:microsoft.com/office/officeart/2005/8/layout/cycle6"/>
-    <dgm:cxn modelId="{64D23FC8-6CC1-4F4B-B9AC-62FC367BE969}" type="presOf" srcId="{1B4A9A7A-376A-6A47-9E21-F8D24BD711ED}" destId="{69011963-49D9-C048-AC24-DBD209626044}" srcOrd="0" destOrd="0" presId="urn:microsoft.com/office/officeart/2005/8/layout/cycle6"/>
     <dgm:cxn modelId="{39690E9E-94C6-CD48-8189-F0E5C9676D44}" type="presOf" srcId="{AEA3E6A0-04A7-0140-AE11-F61E846A0D16}" destId="{A7C2E58A-B964-AE41-B538-0394B6FE7267}" srcOrd="0" destOrd="0" presId="urn:microsoft.com/office/officeart/2005/8/layout/cycle6"/>
-    <dgm:cxn modelId="{61FE9E93-AA1B-864F-8A88-ADA86F1C53B4}" srcId="{6A3F517C-C244-8549-86D1-C0A016FF8EFE}" destId="{682D2D7F-09CE-C547-B130-3F47502AE170}" srcOrd="0" destOrd="0" parTransId="{8900D217-FBEB-CB4F-B966-E20DAF248879}" sibTransId="{A91F7A8C-66B5-334B-A8B6-293FBFF77BC1}"/>
     <dgm:cxn modelId="{BBA8889A-1097-B244-BB23-E72838753644}" type="presParOf" srcId="{1782BD29-51F7-7B41-87DB-0CF4C7A26E50}" destId="{F04BFCA8-6BAC-7E4E-8E73-01CECE806AE4}" srcOrd="0" destOrd="0" presId="urn:microsoft.com/office/officeart/2005/8/layout/cycle6"/>
     <dgm:cxn modelId="{FBD688D8-C02F-0B4C-9922-6CC1236AC78A}" type="presParOf" srcId="{1782BD29-51F7-7B41-87DB-0CF4C7A26E50}" destId="{7B3E226D-E9B4-1248-BACD-CB0B6AED4B3F}" srcOrd="1" destOrd="0" presId="urn:microsoft.com/office/officeart/2005/8/layout/cycle6"/>
     <dgm:cxn modelId="{68CAC6A4-6F42-CA40-8E25-546B788C6034}" type="presParOf" srcId="{1782BD29-51F7-7B41-87DB-0CF4C7A26E50}" destId="{B29BF535-69A0-0745-B9FA-A081DFFD7354}" srcOrd="2" destOrd="0" presId="urn:microsoft.com/office/officeart/2005/8/layout/cycle6"/>
@@ -6695,7 +6864,7 @@
   <dgm:whole/>
   <dgm:extLst>
     <a:ext uri="http://schemas.microsoft.com/office/drawing/2008/diagram">
-      <dsp:dataModelExt xmlns:dsp="http://schemas.microsoft.com/office/drawing/2008/diagram" relId="rId6" minVer="http://schemas.openxmlformats.org/drawingml/2006/diagram"/>
+      <dsp:dataModelExt xmlns:dsp="http://schemas.microsoft.com/office/drawing/2008/diagram" relId="rId7" minVer="http://schemas.openxmlformats.org/drawingml/2006/diagram"/>
     </a:ext>
   </dgm:extLst>
 </dgm:dataModel>
@@ -6866,6 +7035,13 @@
         </dgm:presLayoutVars>
       </dgm:prSet>
       <dgm:spPr/>
+      <dgm:t>
+        <a:bodyPr/>
+        <a:lstStyle/>
+        <a:p>
+          <a:endParaRPr lang="en-US"/>
+        </a:p>
+      </dgm:t>
     </dgm:pt>
     <dgm:pt modelId="{B02F9632-F4B2-B940-B6D4-D80B4DF842E0}" type="pres">
       <dgm:prSet presAssocID="{046D0660-A486-384D-9772-D54B0CF72444}" presName="node" presStyleLbl="node1" presStyleIdx="0" presStyleCnt="3">
@@ -6874,6 +7050,13 @@
         </dgm:presLayoutVars>
       </dgm:prSet>
       <dgm:spPr/>
+      <dgm:t>
+        <a:bodyPr/>
+        <a:lstStyle/>
+        <a:p>
+          <a:endParaRPr lang="en-US"/>
+        </a:p>
+      </dgm:t>
     </dgm:pt>
     <dgm:pt modelId="{8DFFFA96-7C48-5B45-95C9-993F7457D88F}" type="pres">
       <dgm:prSet presAssocID="{4F47A6E6-2640-C74C-A4D3-ACF107E1CD9D}" presName="spacerL" presStyleCnt="0"/>
@@ -6882,6 +7065,13 @@
     <dgm:pt modelId="{23A5F8DD-BE6A-1C47-ACE9-7E7C35C904CD}" type="pres">
       <dgm:prSet presAssocID="{4F47A6E6-2640-C74C-A4D3-ACF107E1CD9D}" presName="sibTrans" presStyleLbl="sibTrans2D1" presStyleIdx="0" presStyleCnt="2"/>
       <dgm:spPr/>
+      <dgm:t>
+        <a:bodyPr/>
+        <a:lstStyle/>
+        <a:p>
+          <a:endParaRPr lang="en-US"/>
+        </a:p>
+      </dgm:t>
     </dgm:pt>
     <dgm:pt modelId="{155DEDFF-C55B-384D-BAD7-892C6E4833FD}" type="pres">
       <dgm:prSet presAssocID="{4F47A6E6-2640-C74C-A4D3-ACF107E1CD9D}" presName="spacerR" presStyleCnt="0"/>
@@ -6909,6 +7099,13 @@
     <dgm:pt modelId="{1841139B-A458-DE4C-A9D8-A64F38992B27}" type="pres">
       <dgm:prSet presAssocID="{705F467E-6D18-284E-858B-75FF290BAD35}" presName="sibTrans" presStyleLbl="sibTrans2D1" presStyleIdx="1" presStyleCnt="2"/>
       <dgm:spPr/>
+      <dgm:t>
+        <a:bodyPr/>
+        <a:lstStyle/>
+        <a:p>
+          <a:endParaRPr lang="en-US"/>
+        </a:p>
+      </dgm:t>
     </dgm:pt>
     <dgm:pt modelId="{02812527-49BD-594C-8987-BE28149F6AAE}" type="pres">
       <dgm:prSet presAssocID="{705F467E-6D18-284E-858B-75FF290BAD35}" presName="spacerR" presStyleCnt="0"/>
@@ -6931,15 +7128,15 @@
     </dgm:pt>
   </dgm:ptLst>
   <dgm:cxnLst>
-    <dgm:cxn modelId="{07CFA249-7C0A-9C42-8A96-5EFCB2318B14}" type="presOf" srcId="{4F47A6E6-2640-C74C-A4D3-ACF107E1CD9D}" destId="{23A5F8DD-BE6A-1C47-ACE9-7E7C35C904CD}" srcOrd="0" destOrd="0" presId="urn:microsoft.com/office/officeart/2005/8/layout/equation1"/>
-    <dgm:cxn modelId="{3B06BC75-F5E6-0F4D-8FC2-396C86508C2C}" type="presOf" srcId="{FD873BC7-FABB-2F4D-8A84-5CCE619D5428}" destId="{BD5F26CA-A81D-274B-A7BE-7FB519749877}" srcOrd="0" destOrd="0" presId="urn:microsoft.com/office/officeart/2005/8/layout/equation1"/>
+    <dgm:cxn modelId="{979B186C-0307-924F-8623-08B6C5A22E91}" type="presOf" srcId="{705F467E-6D18-284E-858B-75FF290BAD35}" destId="{1841139B-A458-DE4C-A9D8-A64F38992B27}" srcOrd="0" destOrd="0" presId="urn:microsoft.com/office/officeart/2005/8/layout/equation1"/>
     <dgm:cxn modelId="{A6A2AA49-8112-C14A-98AC-443ACD3F8BF3}" type="presOf" srcId="{3C474FFD-F212-CC47-A26C-A120FFDE5AE4}" destId="{B4D8A629-ED3D-EB46-A8D6-D56EDF68417E}" srcOrd="0" destOrd="0" presId="urn:microsoft.com/office/officeart/2005/8/layout/equation1"/>
     <dgm:cxn modelId="{7BB8C9BF-330B-A648-B31A-0080D98DCF74}" srcId="{3C474FFD-F212-CC47-A26C-A120FFDE5AE4}" destId="{4BA26F89-6DA2-6545-B225-E6826317C197}" srcOrd="1" destOrd="0" parTransId="{DB37D282-CB9F-6D49-8CEC-A3399939F609}" sibTransId="{705F467E-6D18-284E-858B-75FF290BAD35}"/>
     <dgm:cxn modelId="{DC0F1F1F-64F8-A248-B12F-203DCD84D8EE}" type="presOf" srcId="{046D0660-A486-384D-9772-D54B0CF72444}" destId="{B02F9632-F4B2-B940-B6D4-D80B4DF842E0}" srcOrd="0" destOrd="0" presId="urn:microsoft.com/office/officeart/2005/8/layout/equation1"/>
-    <dgm:cxn modelId="{979B186C-0307-924F-8623-08B6C5A22E91}" type="presOf" srcId="{705F467E-6D18-284E-858B-75FF290BAD35}" destId="{1841139B-A458-DE4C-A9D8-A64F38992B27}" srcOrd="0" destOrd="0" presId="urn:microsoft.com/office/officeart/2005/8/layout/equation1"/>
+    <dgm:cxn modelId="{3B06BC75-F5E6-0F4D-8FC2-396C86508C2C}" type="presOf" srcId="{FD873BC7-FABB-2F4D-8A84-5CCE619D5428}" destId="{BD5F26CA-A81D-274B-A7BE-7FB519749877}" srcOrd="0" destOrd="0" presId="urn:microsoft.com/office/officeart/2005/8/layout/equation1"/>
     <dgm:cxn modelId="{1F9F8848-A9F5-9845-99C7-3EFB88727024}" type="presOf" srcId="{4BA26F89-6DA2-6545-B225-E6826317C197}" destId="{33F47EFF-1841-0645-A11A-623AA9010622}" srcOrd="0" destOrd="0" presId="urn:microsoft.com/office/officeart/2005/8/layout/equation1"/>
     <dgm:cxn modelId="{8EAEE351-CB89-0440-BA54-4E3AEDA3E339}" srcId="{3C474FFD-F212-CC47-A26C-A120FFDE5AE4}" destId="{FD873BC7-FABB-2F4D-8A84-5CCE619D5428}" srcOrd="2" destOrd="0" parTransId="{414FA063-74F7-7E43-9447-4F15BEAD87A4}" sibTransId="{4E616CAB-9E85-DD45-8A84-130547BED56D}"/>
     <dgm:cxn modelId="{58F20A06-AA48-4B47-8D8C-E73FBE3C3AD7}" srcId="{3C474FFD-F212-CC47-A26C-A120FFDE5AE4}" destId="{046D0660-A486-384D-9772-D54B0CF72444}" srcOrd="0" destOrd="0" parTransId="{427ACE6F-5E0B-A54F-BC58-8E968903FAE1}" sibTransId="{4F47A6E6-2640-C74C-A4D3-ACF107E1CD9D}"/>
+    <dgm:cxn modelId="{07CFA249-7C0A-9C42-8A96-5EFCB2318B14}" type="presOf" srcId="{4F47A6E6-2640-C74C-A4D3-ACF107E1CD9D}" destId="{23A5F8DD-BE6A-1C47-ACE9-7E7C35C904CD}" srcOrd="0" destOrd="0" presId="urn:microsoft.com/office/officeart/2005/8/layout/equation1"/>
     <dgm:cxn modelId="{EAE9BAF0-9FF9-8541-887C-648A00352537}" type="presParOf" srcId="{B4D8A629-ED3D-EB46-A8D6-D56EDF68417E}" destId="{B02F9632-F4B2-B940-B6D4-D80B4DF842E0}" srcOrd="0" destOrd="0" presId="urn:microsoft.com/office/officeart/2005/8/layout/equation1"/>
     <dgm:cxn modelId="{2C4CCAC9-0E61-164F-AAFD-17743FA24AB3}" type="presParOf" srcId="{B4D8A629-ED3D-EB46-A8D6-D56EDF68417E}" destId="{8DFFFA96-7C48-5B45-95C9-993F7457D88F}" srcOrd="1" destOrd="0" presId="urn:microsoft.com/office/officeart/2005/8/layout/equation1"/>
     <dgm:cxn modelId="{833DFBE9-F98B-A64F-A69C-CA49C0636B40}" type="presParOf" srcId="{B4D8A629-ED3D-EB46-A8D6-D56EDF68417E}" destId="{23A5F8DD-BE6A-1C47-ACE9-7E7C35C904CD}" srcOrd="2" destOrd="0" presId="urn:microsoft.com/office/officeart/2005/8/layout/equation1"/>
@@ -7104,6 +7301,13 @@
         </dgm:presLayoutVars>
       </dgm:prSet>
       <dgm:spPr/>
+      <dgm:t>
+        <a:bodyPr/>
+        <a:lstStyle/>
+        <a:p>
+          <a:endParaRPr lang="en-US"/>
+        </a:p>
+      </dgm:t>
     </dgm:pt>
     <dgm:pt modelId="{B02F9632-F4B2-B940-B6D4-D80B4DF842E0}" type="pres">
       <dgm:prSet presAssocID="{046D0660-A486-384D-9772-D54B0CF72444}" presName="node" presStyleLbl="node1" presStyleIdx="0" presStyleCnt="3">
@@ -7112,6 +7316,13 @@
         </dgm:presLayoutVars>
       </dgm:prSet>
       <dgm:spPr/>
+      <dgm:t>
+        <a:bodyPr/>
+        <a:lstStyle/>
+        <a:p>
+          <a:endParaRPr lang="en-US"/>
+        </a:p>
+      </dgm:t>
     </dgm:pt>
     <dgm:pt modelId="{8DFFFA96-7C48-5B45-95C9-993F7457D88F}" type="pres">
       <dgm:prSet presAssocID="{4F47A6E6-2640-C74C-A4D3-ACF107E1CD9D}" presName="spacerL" presStyleCnt="0"/>
@@ -7120,6 +7331,13 @@
     <dgm:pt modelId="{23A5F8DD-BE6A-1C47-ACE9-7E7C35C904CD}" type="pres">
       <dgm:prSet presAssocID="{4F47A6E6-2640-C74C-A4D3-ACF107E1CD9D}" presName="sibTrans" presStyleLbl="sibTrans2D1" presStyleIdx="0" presStyleCnt="2"/>
       <dgm:spPr/>
+      <dgm:t>
+        <a:bodyPr/>
+        <a:lstStyle/>
+        <a:p>
+          <a:endParaRPr lang="en-US"/>
+        </a:p>
+      </dgm:t>
     </dgm:pt>
     <dgm:pt modelId="{155DEDFF-C55B-384D-BAD7-892C6E4833FD}" type="pres">
       <dgm:prSet presAssocID="{4F47A6E6-2640-C74C-A4D3-ACF107E1CD9D}" presName="spacerR" presStyleCnt="0"/>
@@ -7147,6 +7365,13 @@
     <dgm:pt modelId="{1841139B-A458-DE4C-A9D8-A64F38992B27}" type="pres">
       <dgm:prSet presAssocID="{705F467E-6D18-284E-858B-75FF290BAD35}" presName="sibTrans" presStyleLbl="sibTrans2D1" presStyleIdx="1" presStyleCnt="2"/>
       <dgm:spPr/>
+      <dgm:t>
+        <a:bodyPr/>
+        <a:lstStyle/>
+        <a:p>
+          <a:endParaRPr lang="en-US"/>
+        </a:p>
+      </dgm:t>
     </dgm:pt>
     <dgm:pt modelId="{02812527-49BD-594C-8987-BE28149F6AAE}" type="pres">
       <dgm:prSet presAssocID="{705F467E-6D18-284E-858B-75FF290BAD35}" presName="spacerR" presStyleCnt="0"/>
@@ -7170,10 +7395,10 @@
   </dgm:ptLst>
   <dgm:cxnLst>
     <dgm:cxn modelId="{8EAEE351-CB89-0440-BA54-4E3AEDA3E339}" srcId="{3C474FFD-F212-CC47-A26C-A120FFDE5AE4}" destId="{FD873BC7-FABB-2F4D-8A84-5CCE619D5428}" srcOrd="2" destOrd="0" parTransId="{414FA063-74F7-7E43-9447-4F15BEAD87A4}" sibTransId="{4E616CAB-9E85-DD45-8A84-130547BED56D}"/>
+    <dgm:cxn modelId="{7BB8C9BF-330B-A648-B31A-0080D98DCF74}" srcId="{3C474FFD-F212-CC47-A26C-A120FFDE5AE4}" destId="{4BA26F89-6DA2-6545-B225-E6826317C197}" srcOrd="1" destOrd="0" parTransId="{DB37D282-CB9F-6D49-8CEC-A3399939F609}" sibTransId="{705F467E-6D18-284E-858B-75FF290BAD35}"/>
     <dgm:cxn modelId="{74EA4438-5CAB-A24D-9F23-C9A148344AB5}" type="presOf" srcId="{4F47A6E6-2640-C74C-A4D3-ACF107E1CD9D}" destId="{23A5F8DD-BE6A-1C47-ACE9-7E7C35C904CD}" srcOrd="0" destOrd="0" presId="urn:microsoft.com/office/officeart/2005/8/layout/equation1"/>
-    <dgm:cxn modelId="{7BB8C9BF-330B-A648-B31A-0080D98DCF74}" srcId="{3C474FFD-F212-CC47-A26C-A120FFDE5AE4}" destId="{4BA26F89-6DA2-6545-B225-E6826317C197}" srcOrd="1" destOrd="0" parTransId="{DB37D282-CB9F-6D49-8CEC-A3399939F609}" sibTransId="{705F467E-6D18-284E-858B-75FF290BAD35}"/>
+    <dgm:cxn modelId="{6786114F-25DD-D24F-86AA-3FA9A8BD83DB}" type="presOf" srcId="{3C474FFD-F212-CC47-A26C-A120FFDE5AE4}" destId="{B4D8A629-ED3D-EB46-A8D6-D56EDF68417E}" srcOrd="0" destOrd="0" presId="urn:microsoft.com/office/officeart/2005/8/layout/equation1"/>
     <dgm:cxn modelId="{CEEEA9BD-94E5-1841-BB2F-35510B12CB2A}" type="presOf" srcId="{FD873BC7-FABB-2F4D-8A84-5CCE619D5428}" destId="{BD5F26CA-A81D-274B-A7BE-7FB519749877}" srcOrd="0" destOrd="0" presId="urn:microsoft.com/office/officeart/2005/8/layout/equation1"/>
-    <dgm:cxn modelId="{6786114F-25DD-D24F-86AA-3FA9A8BD83DB}" type="presOf" srcId="{3C474FFD-F212-CC47-A26C-A120FFDE5AE4}" destId="{B4D8A629-ED3D-EB46-A8D6-D56EDF68417E}" srcOrd="0" destOrd="0" presId="urn:microsoft.com/office/officeart/2005/8/layout/equation1"/>
     <dgm:cxn modelId="{DF52C0C4-F876-8744-947D-82189D65BCCE}" type="presOf" srcId="{046D0660-A486-384D-9772-D54B0CF72444}" destId="{B02F9632-F4B2-B940-B6D4-D80B4DF842E0}" srcOrd="0" destOrd="0" presId="urn:microsoft.com/office/officeart/2005/8/layout/equation1"/>
     <dgm:cxn modelId="{58F20A06-AA48-4B47-8D8C-E73FBE3C3AD7}" srcId="{3C474FFD-F212-CC47-A26C-A120FFDE5AE4}" destId="{046D0660-A486-384D-9772-D54B0CF72444}" srcOrd="0" destOrd="0" parTransId="{427ACE6F-5E0B-A54F-BC58-8E968903FAE1}" sibTransId="{4F47A6E6-2640-C74C-A4D3-ACF107E1CD9D}"/>
     <dgm:cxn modelId="{23CB7D61-C77E-AE4D-ADA5-60A23E70899A}" type="presOf" srcId="{705F467E-6D18-284E-858B-75FF290BAD35}" destId="{1841139B-A458-DE4C-A9D8-A64F38992B27}" srcOrd="0" destOrd="0" presId="urn:microsoft.com/office/officeart/2005/8/layout/equation1"/>
@@ -7335,6 +7560,13 @@
         </dgm:presLayoutVars>
       </dgm:prSet>
       <dgm:spPr/>
+      <dgm:t>
+        <a:bodyPr/>
+        <a:lstStyle/>
+        <a:p>
+          <a:endParaRPr lang="en-US"/>
+        </a:p>
+      </dgm:t>
     </dgm:pt>
     <dgm:pt modelId="{B02F9632-F4B2-B940-B6D4-D80B4DF842E0}" type="pres">
       <dgm:prSet presAssocID="{046D0660-A486-384D-9772-D54B0CF72444}" presName="node" presStyleLbl="node1" presStyleIdx="0" presStyleCnt="3">
@@ -7343,6 +7575,13 @@
         </dgm:presLayoutVars>
       </dgm:prSet>
       <dgm:spPr/>
+      <dgm:t>
+        <a:bodyPr/>
+        <a:lstStyle/>
+        <a:p>
+          <a:endParaRPr lang="en-US"/>
+        </a:p>
+      </dgm:t>
     </dgm:pt>
     <dgm:pt modelId="{8DFFFA96-7C48-5B45-95C9-993F7457D88F}" type="pres">
       <dgm:prSet presAssocID="{4F47A6E6-2640-C74C-A4D3-ACF107E1CD9D}" presName="spacerL" presStyleCnt="0"/>
@@ -7351,6 +7590,13 @@
     <dgm:pt modelId="{23A5F8DD-BE6A-1C47-ACE9-7E7C35C904CD}" type="pres">
       <dgm:prSet presAssocID="{4F47A6E6-2640-C74C-A4D3-ACF107E1CD9D}" presName="sibTrans" presStyleLbl="sibTrans2D1" presStyleIdx="0" presStyleCnt="2"/>
       <dgm:spPr/>
+      <dgm:t>
+        <a:bodyPr/>
+        <a:lstStyle/>
+        <a:p>
+          <a:endParaRPr lang="en-US"/>
+        </a:p>
+      </dgm:t>
     </dgm:pt>
     <dgm:pt modelId="{155DEDFF-C55B-384D-BAD7-892C6E4833FD}" type="pres">
       <dgm:prSet presAssocID="{4F47A6E6-2640-C74C-A4D3-ACF107E1CD9D}" presName="spacerR" presStyleCnt="0"/>
@@ -7378,6 +7624,13 @@
     <dgm:pt modelId="{1841139B-A458-DE4C-A9D8-A64F38992B27}" type="pres">
       <dgm:prSet presAssocID="{705F467E-6D18-284E-858B-75FF290BAD35}" presName="sibTrans" presStyleLbl="sibTrans2D1" presStyleIdx="1" presStyleCnt="2"/>
       <dgm:spPr/>
+      <dgm:t>
+        <a:bodyPr/>
+        <a:lstStyle/>
+        <a:p>
+          <a:endParaRPr lang="en-US"/>
+        </a:p>
+      </dgm:t>
     </dgm:pt>
     <dgm:pt modelId="{02812527-49BD-594C-8987-BE28149F6AAE}" type="pres">
       <dgm:prSet presAssocID="{705F467E-6D18-284E-858B-75FF290BAD35}" presName="spacerR" presStyleCnt="0"/>
@@ -19916,7 +20169,7 @@
           <a:p>
             <a:fld id="{B3B6DFDB-3D4F-BA44-90AD-F45472BC66A5}" type="datetimeFigureOut">
               <a:rPr lang="en-US" smtClean="0"/>
-              <a:t>9/24/15</a:t>
+              <a:t>11/6/15</a:t>
             </a:fld>
             <a:endParaRPr lang="en-US"/>
           </a:p>
@@ -20229,6 +20482,190 @@
           <a:lstStyle/>
           <a:p>
             <a:r>
+              <a:rPr lang="en-US" dirty="0" smtClean="0"/>
+              <a:t>Combine</a:t>
+            </a:r>
+            <a:r>
+              <a:rPr lang="en-US" baseline="0" dirty="0" smtClean="0"/>
+              <a:t> old and new agenda</a:t>
+            </a:r>
+            <a:endParaRPr lang="en-US" dirty="0"/>
+          </a:p>
+        </p:txBody>
+      </p:sp>
+      <p:sp>
+        <p:nvSpPr>
+          <p:cNvPr id="4" name="Slide Number Placeholder 3"/>
+          <p:cNvSpPr>
+            <a:spLocks noGrp="1"/>
+          </p:cNvSpPr>
+          <p:nvPr>
+            <p:ph type="sldNum" sz="quarter" idx="10"/>
+          </p:nvPr>
+        </p:nvSpPr>
+        <p:spPr/>
+        <p:txBody>
+          <a:bodyPr/>
+          <a:lstStyle/>
+          <a:p>
+            <a:fld id="{8C99B757-0255-9445-A02E-E38EC313840A}" type="slidenum">
+              <a:rPr lang="en-US" smtClean="0"/>
+              <a:t>3</a:t>
+            </a:fld>
+            <a:endParaRPr lang="en-US"/>
+          </a:p>
+        </p:txBody>
+      </p:sp>
+    </p:spTree>
+    <p:extLst>
+      <p:ext uri="{BB962C8B-B14F-4D97-AF65-F5344CB8AC3E}">
+        <p14:creationId xmlns:p14="http://schemas.microsoft.com/office/powerpoint/2010/main" val="1621565843"/>
+      </p:ext>
+    </p:extLst>
+  </p:cSld>
+  <p:clrMapOvr>
+    <a:masterClrMapping/>
+  </p:clrMapOvr>
+</p:notes>
+</file>
+
+<file path=ppt/notesSlides/notesSlide2.xml><?xml version="1.0" encoding="utf-8"?>
+<p:notes xmlns:a="http://schemas.openxmlformats.org/drawingml/2006/main" xmlns:r="http://schemas.openxmlformats.org/officeDocument/2006/relationships" xmlns:p="http://schemas.openxmlformats.org/presentationml/2006/main">
+  <p:cSld>
+    <p:spTree>
+      <p:nvGrpSpPr>
+        <p:cNvPr id="1" name=""/>
+        <p:cNvGrpSpPr/>
+        <p:nvPr/>
+      </p:nvGrpSpPr>
+      <p:grpSpPr>
+        <a:xfrm>
+          <a:off x="0" y="0"/>
+          <a:ext cx="0" cy="0"/>
+          <a:chOff x="0" y="0"/>
+          <a:chExt cx="0" cy="0"/>
+        </a:xfrm>
+      </p:grpSpPr>
+      <p:sp>
+        <p:nvSpPr>
+          <p:cNvPr id="2" name="Slide Image Placeholder 1"/>
+          <p:cNvSpPr>
+            <a:spLocks noGrp="1" noRot="1" noChangeAspect="1"/>
+          </p:cNvSpPr>
+          <p:nvPr>
+            <p:ph type="sldImg"/>
+          </p:nvPr>
+        </p:nvSpPr>
+        <p:spPr/>
+      </p:sp>
+      <p:sp>
+        <p:nvSpPr>
+          <p:cNvPr id="3" name="Notes Placeholder 2"/>
+          <p:cNvSpPr>
+            <a:spLocks noGrp="1"/>
+          </p:cNvSpPr>
+          <p:nvPr>
+            <p:ph type="body" idx="1"/>
+          </p:nvPr>
+        </p:nvSpPr>
+        <p:spPr/>
+        <p:txBody>
+          <a:bodyPr/>
+          <a:lstStyle/>
+          <a:p>
+            <a:r>
+              <a:rPr lang="en-US" dirty="0" smtClean="0"/>
+              <a:t>Put the table</a:t>
+            </a:r>
+            <a:r>
+              <a:rPr lang="en-US" baseline="0" dirty="0" smtClean="0"/>
+              <a:t> in a clearer form. Remove duplicates. Include all.</a:t>
+            </a:r>
+            <a:endParaRPr lang="en-US" dirty="0"/>
+          </a:p>
+        </p:txBody>
+      </p:sp>
+      <p:sp>
+        <p:nvSpPr>
+          <p:cNvPr id="4" name="Slide Number Placeholder 3"/>
+          <p:cNvSpPr>
+            <a:spLocks noGrp="1"/>
+          </p:cNvSpPr>
+          <p:nvPr>
+            <p:ph type="sldNum" sz="quarter" idx="10"/>
+          </p:nvPr>
+        </p:nvSpPr>
+        <p:spPr/>
+        <p:txBody>
+          <a:bodyPr/>
+          <a:lstStyle/>
+          <a:p>
+            <a:fld id="{8C99B757-0255-9445-A02E-E38EC313840A}" type="slidenum">
+              <a:rPr lang="en-US" smtClean="0"/>
+              <a:t>8</a:t>
+            </a:fld>
+            <a:endParaRPr lang="en-US"/>
+          </a:p>
+        </p:txBody>
+      </p:sp>
+    </p:spTree>
+    <p:extLst>
+      <p:ext uri="{BB962C8B-B14F-4D97-AF65-F5344CB8AC3E}">
+        <p14:creationId xmlns:p14="http://schemas.microsoft.com/office/powerpoint/2010/main" val="275895267"/>
+      </p:ext>
+    </p:extLst>
+  </p:cSld>
+  <p:clrMapOvr>
+    <a:masterClrMapping/>
+  </p:clrMapOvr>
+</p:notes>
+</file>
+
+<file path=ppt/notesSlides/notesSlide3.xml><?xml version="1.0" encoding="utf-8"?>
+<p:notes xmlns:a="http://schemas.openxmlformats.org/drawingml/2006/main" xmlns:r="http://schemas.openxmlformats.org/officeDocument/2006/relationships" xmlns:p="http://schemas.openxmlformats.org/presentationml/2006/main">
+  <p:cSld>
+    <p:spTree>
+      <p:nvGrpSpPr>
+        <p:cNvPr id="1" name=""/>
+        <p:cNvGrpSpPr/>
+        <p:nvPr/>
+      </p:nvGrpSpPr>
+      <p:grpSpPr>
+        <a:xfrm>
+          <a:off x="0" y="0"/>
+          <a:ext cx="0" cy="0"/>
+          <a:chOff x="0" y="0"/>
+          <a:chExt cx="0" cy="0"/>
+        </a:xfrm>
+      </p:grpSpPr>
+      <p:sp>
+        <p:nvSpPr>
+          <p:cNvPr id="2" name="Slide Image Placeholder 1"/>
+          <p:cNvSpPr>
+            <a:spLocks noGrp="1" noRot="1" noChangeAspect="1"/>
+          </p:cNvSpPr>
+          <p:nvPr>
+            <p:ph type="sldImg"/>
+          </p:nvPr>
+        </p:nvSpPr>
+        <p:spPr/>
+      </p:sp>
+      <p:sp>
+        <p:nvSpPr>
+          <p:cNvPr id="3" name="Notes Placeholder 2"/>
+          <p:cNvSpPr>
+            <a:spLocks noGrp="1"/>
+          </p:cNvSpPr>
+          <p:nvPr>
+            <p:ph type="body" idx="1"/>
+          </p:nvPr>
+        </p:nvSpPr>
+        <p:spPr/>
+        <p:txBody>
+          <a:bodyPr/>
+          <a:lstStyle/>
+          <a:p>
+            <a:r>
               <a:rPr lang="en-US" dirty="0" err="1" smtClean="0"/>
               <a:t>Symmatric</a:t>
             </a:r>
@@ -20256,7 +20693,7 @@
           <a:p>
             <a:fld id="{8C99B757-0255-9445-A02E-E38EC313840A}" type="slidenum">
               <a:rPr lang="en-US" smtClean="0"/>
-              <a:t>4</a:t>
+              <a:t>9</a:t>
             </a:fld>
             <a:endParaRPr lang="en-US"/>
           </a:p>
@@ -20266,6 +20703,270 @@
     <p:extLst>
       <p:ext uri="{BB962C8B-B14F-4D97-AF65-F5344CB8AC3E}">
         <p14:creationId xmlns:p14="http://schemas.microsoft.com/office/powerpoint/2010/main" val="2366427301"/>
+      </p:ext>
+    </p:extLst>
+  </p:cSld>
+  <p:clrMapOvr>
+    <a:masterClrMapping/>
+  </p:clrMapOvr>
+</p:notes>
+</file>
+
+<file path=ppt/notesSlides/notesSlide4.xml><?xml version="1.0" encoding="utf-8"?>
+<p:notes xmlns:a="http://schemas.openxmlformats.org/drawingml/2006/main" xmlns:r="http://schemas.openxmlformats.org/officeDocument/2006/relationships" xmlns:p="http://schemas.openxmlformats.org/presentationml/2006/main">
+  <p:cSld>
+    <p:spTree>
+      <p:nvGrpSpPr>
+        <p:cNvPr id="1" name=""/>
+        <p:cNvGrpSpPr/>
+        <p:nvPr/>
+      </p:nvGrpSpPr>
+      <p:grpSpPr>
+        <a:xfrm>
+          <a:off x="0" y="0"/>
+          <a:ext cx="0" cy="0"/>
+          <a:chOff x="0" y="0"/>
+          <a:chExt cx="0" cy="0"/>
+        </a:xfrm>
+      </p:grpSpPr>
+      <p:sp>
+        <p:nvSpPr>
+          <p:cNvPr id="2" name="Slide Image Placeholder 1"/>
+          <p:cNvSpPr>
+            <a:spLocks noGrp="1" noRot="1" noChangeAspect="1"/>
+          </p:cNvSpPr>
+          <p:nvPr>
+            <p:ph type="sldImg"/>
+          </p:nvPr>
+        </p:nvSpPr>
+        <p:spPr/>
+      </p:sp>
+      <p:sp>
+        <p:nvSpPr>
+          <p:cNvPr id="3" name="Notes Placeholder 2"/>
+          <p:cNvSpPr>
+            <a:spLocks noGrp="1"/>
+          </p:cNvSpPr>
+          <p:nvPr>
+            <p:ph type="body" idx="1"/>
+          </p:nvPr>
+        </p:nvSpPr>
+        <p:spPr/>
+        <p:txBody>
+          <a:bodyPr/>
+          <a:lstStyle/>
+          <a:p>
+            <a:r>
+              <a:rPr lang="en-US" dirty="0" smtClean="0"/>
+              <a:t>rework</a:t>
+            </a:r>
+            <a:endParaRPr lang="en-US" dirty="0"/>
+          </a:p>
+        </p:txBody>
+      </p:sp>
+      <p:sp>
+        <p:nvSpPr>
+          <p:cNvPr id="4" name="Slide Number Placeholder 3"/>
+          <p:cNvSpPr>
+            <a:spLocks noGrp="1"/>
+          </p:cNvSpPr>
+          <p:nvPr>
+            <p:ph type="sldNum" sz="quarter" idx="10"/>
+          </p:nvPr>
+        </p:nvSpPr>
+        <p:spPr/>
+        <p:txBody>
+          <a:bodyPr/>
+          <a:lstStyle/>
+          <a:p>
+            <a:fld id="{8C99B757-0255-9445-A02E-E38EC313840A}" type="slidenum">
+              <a:rPr lang="en-US" smtClean="0"/>
+              <a:t>18</a:t>
+            </a:fld>
+            <a:endParaRPr lang="en-US"/>
+          </a:p>
+        </p:txBody>
+      </p:sp>
+    </p:spTree>
+    <p:extLst>
+      <p:ext uri="{BB962C8B-B14F-4D97-AF65-F5344CB8AC3E}">
+        <p14:creationId xmlns:p14="http://schemas.microsoft.com/office/powerpoint/2010/main" val="1490270639"/>
+      </p:ext>
+    </p:extLst>
+  </p:cSld>
+  <p:clrMapOvr>
+    <a:masterClrMapping/>
+  </p:clrMapOvr>
+</p:notes>
+</file>
+
+<file path=ppt/notesSlides/notesSlide5.xml><?xml version="1.0" encoding="utf-8"?>
+<p:notes xmlns:a="http://schemas.openxmlformats.org/drawingml/2006/main" xmlns:r="http://schemas.openxmlformats.org/officeDocument/2006/relationships" xmlns:p="http://schemas.openxmlformats.org/presentationml/2006/main">
+  <p:cSld>
+    <p:spTree>
+      <p:nvGrpSpPr>
+        <p:cNvPr id="1" name=""/>
+        <p:cNvGrpSpPr/>
+        <p:nvPr/>
+      </p:nvGrpSpPr>
+      <p:grpSpPr>
+        <a:xfrm>
+          <a:off x="0" y="0"/>
+          <a:ext cx="0" cy="0"/>
+          <a:chOff x="0" y="0"/>
+          <a:chExt cx="0" cy="0"/>
+        </a:xfrm>
+      </p:grpSpPr>
+      <p:sp>
+        <p:nvSpPr>
+          <p:cNvPr id="2" name="Slide Image Placeholder 1"/>
+          <p:cNvSpPr>
+            <a:spLocks noGrp="1" noRot="1" noChangeAspect="1"/>
+          </p:cNvSpPr>
+          <p:nvPr>
+            <p:ph type="sldImg"/>
+          </p:nvPr>
+        </p:nvSpPr>
+        <p:spPr/>
+      </p:sp>
+      <p:sp>
+        <p:nvSpPr>
+          <p:cNvPr id="3" name="Notes Placeholder 2"/>
+          <p:cNvSpPr>
+            <a:spLocks noGrp="1"/>
+          </p:cNvSpPr>
+          <p:nvPr>
+            <p:ph type="body" idx="1"/>
+          </p:nvPr>
+        </p:nvSpPr>
+        <p:spPr/>
+        <p:txBody>
+          <a:bodyPr/>
+          <a:lstStyle/>
+          <a:p>
+            <a:r>
+              <a:rPr lang="en-US" dirty="0" smtClean="0"/>
+              <a:t>Change it</a:t>
+            </a:r>
+            <a:endParaRPr lang="en-US" dirty="0"/>
+          </a:p>
+        </p:txBody>
+      </p:sp>
+      <p:sp>
+        <p:nvSpPr>
+          <p:cNvPr id="4" name="Slide Number Placeholder 3"/>
+          <p:cNvSpPr>
+            <a:spLocks noGrp="1"/>
+          </p:cNvSpPr>
+          <p:nvPr>
+            <p:ph type="sldNum" sz="quarter" idx="10"/>
+          </p:nvPr>
+        </p:nvSpPr>
+        <p:spPr/>
+        <p:txBody>
+          <a:bodyPr/>
+          <a:lstStyle/>
+          <a:p>
+            <a:fld id="{8C99B757-0255-9445-A02E-E38EC313840A}" type="slidenum">
+              <a:rPr lang="en-US" smtClean="0"/>
+              <a:t>19</a:t>
+            </a:fld>
+            <a:endParaRPr lang="en-US"/>
+          </a:p>
+        </p:txBody>
+      </p:sp>
+    </p:spTree>
+    <p:extLst>
+      <p:ext uri="{BB962C8B-B14F-4D97-AF65-F5344CB8AC3E}">
+        <p14:creationId xmlns:p14="http://schemas.microsoft.com/office/powerpoint/2010/main" val="2079199805"/>
+      </p:ext>
+    </p:extLst>
+  </p:cSld>
+  <p:clrMapOvr>
+    <a:masterClrMapping/>
+  </p:clrMapOvr>
+</p:notes>
+</file>
+
+<file path=ppt/notesSlides/notesSlide6.xml><?xml version="1.0" encoding="utf-8"?>
+<p:notes xmlns:a="http://schemas.openxmlformats.org/drawingml/2006/main" xmlns:r="http://schemas.openxmlformats.org/officeDocument/2006/relationships" xmlns:p="http://schemas.openxmlformats.org/presentationml/2006/main">
+  <p:cSld>
+    <p:spTree>
+      <p:nvGrpSpPr>
+        <p:cNvPr id="1" name=""/>
+        <p:cNvGrpSpPr/>
+        <p:nvPr/>
+      </p:nvGrpSpPr>
+      <p:grpSpPr>
+        <a:xfrm>
+          <a:off x="0" y="0"/>
+          <a:ext cx="0" cy="0"/>
+          <a:chOff x="0" y="0"/>
+          <a:chExt cx="0" cy="0"/>
+        </a:xfrm>
+      </p:grpSpPr>
+      <p:sp>
+        <p:nvSpPr>
+          <p:cNvPr id="2" name="Slide Image Placeholder 1"/>
+          <p:cNvSpPr>
+            <a:spLocks noGrp="1" noRot="1" noChangeAspect="1"/>
+          </p:cNvSpPr>
+          <p:nvPr>
+            <p:ph type="sldImg"/>
+          </p:nvPr>
+        </p:nvSpPr>
+        <p:spPr/>
+      </p:sp>
+      <p:sp>
+        <p:nvSpPr>
+          <p:cNvPr id="3" name="Notes Placeholder 2"/>
+          <p:cNvSpPr>
+            <a:spLocks noGrp="1"/>
+          </p:cNvSpPr>
+          <p:nvPr>
+            <p:ph type="body" idx="1"/>
+          </p:nvPr>
+        </p:nvSpPr>
+        <p:spPr/>
+        <p:txBody>
+          <a:bodyPr/>
+          <a:lstStyle/>
+          <a:p>
+            <a:r>
+              <a:rPr lang="en-US" dirty="0" smtClean="0"/>
+              <a:t>Summarize the results here. </a:t>
+            </a:r>
+            <a:endParaRPr lang="en-US" dirty="0"/>
+          </a:p>
+        </p:txBody>
+      </p:sp>
+      <p:sp>
+        <p:nvSpPr>
+          <p:cNvPr id="4" name="Slide Number Placeholder 3"/>
+          <p:cNvSpPr>
+            <a:spLocks noGrp="1"/>
+          </p:cNvSpPr>
+          <p:nvPr>
+            <p:ph type="sldNum" sz="quarter" idx="10"/>
+          </p:nvPr>
+        </p:nvSpPr>
+        <p:spPr/>
+        <p:txBody>
+          <a:bodyPr/>
+          <a:lstStyle/>
+          <a:p>
+            <a:fld id="{8C99B757-0255-9445-A02E-E38EC313840A}" type="slidenum">
+              <a:rPr lang="en-US" smtClean="0"/>
+              <a:t>25</a:t>
+            </a:fld>
+            <a:endParaRPr lang="en-US"/>
+          </a:p>
+        </p:txBody>
+      </p:sp>
+    </p:spTree>
+    <p:extLst>
+      <p:ext uri="{BB962C8B-B14F-4D97-AF65-F5344CB8AC3E}">
+        <p14:creationId xmlns:p14="http://schemas.microsoft.com/office/powerpoint/2010/main" val="1325002893"/>
       </p:ext>
     </p:extLst>
   </p:cSld>
@@ -20558,7 +21259,7 @@
           <a:p>
             <a:fld id="{B01F9CA3-105E-4857-9057-6DB6197DA786}" type="datetimeFigureOut">
               <a:rPr lang="en-US" smtClean="0"/>
-              <a:t>9/24/15</a:t>
+              <a:t>11/6/15</a:t>
             </a:fld>
             <a:endParaRPr lang="en-US"/>
           </a:p>
@@ -20750,7 +21451,7 @@
           <a:p>
             <a:fld id="{B01F9CA3-105E-4857-9057-6DB6197DA786}" type="datetimeFigureOut">
               <a:rPr lang="en-US" smtClean="0"/>
-              <a:t>9/24/15</a:t>
+              <a:t>11/6/15</a:t>
             </a:fld>
             <a:endParaRPr lang="en-US"/>
           </a:p>
@@ -21019,7 +21720,7 @@
           <a:p>
             <a:fld id="{B01F9CA3-105E-4857-9057-6DB6197DA786}" type="datetimeFigureOut">
               <a:rPr lang="en-US" smtClean="0"/>
-              <a:t>9/24/15</a:t>
+              <a:t>11/6/15</a:t>
             </a:fld>
             <a:endParaRPr lang="en-US"/>
           </a:p>
@@ -21198,7 +21899,7 @@
           <a:p>
             <a:fld id="{B01F9CA3-105E-4857-9057-6DB6197DA786}" type="datetimeFigureOut">
               <a:rPr lang="en-US" smtClean="0"/>
-              <a:t>9/24/15</a:t>
+              <a:t>11/6/15</a:t>
             </a:fld>
             <a:endParaRPr lang="en-US"/>
           </a:p>
@@ -21367,7 +22068,7 @@
           <a:p>
             <a:fld id="{B01F9CA3-105E-4857-9057-6DB6197DA786}" type="datetimeFigureOut">
               <a:rPr lang="en-US" smtClean="0"/>
-              <a:t>9/24/15</a:t>
+              <a:t>11/6/15</a:t>
             </a:fld>
             <a:endParaRPr lang="en-US"/>
           </a:p>
@@ -21609,7 +22310,7 @@
           <a:p>
             <a:fld id="{B01F9CA3-105E-4857-9057-6DB6197DA786}" type="datetimeFigureOut">
               <a:rPr lang="en-US" smtClean="0"/>
-              <a:t>9/24/15</a:t>
+              <a:t>11/6/15</a:t>
             </a:fld>
             <a:endParaRPr lang="en-US"/>
           </a:p>
@@ -21932,7 +22633,7 @@
           <a:p>
             <a:fld id="{B01F9CA3-105E-4857-9057-6DB6197DA786}" type="datetimeFigureOut">
               <a:rPr lang="en-US" smtClean="0"/>
-              <a:t>9/24/15</a:t>
+              <a:t>11/6/15</a:t>
             </a:fld>
             <a:endParaRPr lang="en-US"/>
           </a:p>
@@ -22230,7 +22931,7 @@
           <a:p>
             <a:fld id="{B01F9CA3-105E-4857-9057-6DB6197DA786}" type="datetimeFigureOut">
               <a:rPr lang="en-US" smtClean="0"/>
-              <a:t>9/24/15</a:t>
+              <a:t>11/6/15</a:t>
             </a:fld>
             <a:endParaRPr lang="en-US"/>
           </a:p>
@@ -22686,7 +23387,7 @@
           <a:p>
             <a:fld id="{B01F9CA3-105E-4857-9057-6DB6197DA786}" type="datetimeFigureOut">
               <a:rPr lang="en-US" smtClean="0"/>
-              <a:t>9/24/15</a:t>
+              <a:t>11/6/15</a:t>
             </a:fld>
             <a:endParaRPr lang="en-US"/>
           </a:p>
@@ -22799,7 +23500,7 @@
           <a:p>
             <a:fld id="{B01F9CA3-105E-4857-9057-6DB6197DA786}" type="datetimeFigureOut">
               <a:rPr lang="en-US" smtClean="0"/>
-              <a:t>9/24/15</a:t>
+              <a:t>11/6/15</a:t>
             </a:fld>
             <a:endParaRPr lang="en-US"/>
           </a:p>
@@ -22889,7 +23590,7 @@
           <a:p>
             <a:fld id="{B01F9CA3-105E-4857-9057-6DB6197DA786}" type="datetimeFigureOut">
               <a:rPr lang="en-US" smtClean="0"/>
-              <a:t>9/24/15</a:t>
+              <a:t>11/6/15</a:t>
             </a:fld>
             <a:endParaRPr lang="en-US"/>
           </a:p>
@@ -23171,7 +23872,7 @@
           <a:p>
             <a:fld id="{B01F9CA3-105E-4857-9057-6DB6197DA786}" type="datetimeFigureOut">
               <a:rPr lang="en-US" smtClean="0"/>
-              <a:t>9/24/15</a:t>
+              <a:t>11/6/15</a:t>
             </a:fld>
             <a:endParaRPr lang="en-US"/>
           </a:p>
@@ -23377,7 +24078,7 @@
           <a:p>
             <a:fld id="{B01F9CA3-105E-4857-9057-6DB6197DA786}" type="datetimeFigureOut">
               <a:rPr lang="en-US" smtClean="0"/>
-              <a:t>9/24/15</a:t>
+              <a:t>11/6/15</a:t>
             </a:fld>
             <a:endParaRPr lang="en-US"/>
           </a:p>
@@ -23842,8 +24543,16 @@
           <a:lstStyle/>
           <a:p>
             <a:r>
+              <a:rPr lang="en-US" dirty="0" smtClean="0"/>
+              <a:t>Nov</a:t>
+            </a:r>
+            <a:r>
+              <a:rPr lang="en-US" dirty="0" smtClean="0"/>
+              <a:t> 6 </a:t>
+            </a:r>
+            <a:r>
               <a:rPr lang="en-US" dirty="0"/>
-              <a:t>May 28 meeting</a:t>
+              <a:t>meeting</a:t>
             </a:r>
           </a:p>
         </p:txBody>
@@ -23888,1168 +24597,6 @@
 </file>
 
 <file path=ppt/slides/slide10.xml><?xml version="1.0" encoding="utf-8"?>
-<p:sld xmlns:a="http://schemas.openxmlformats.org/drawingml/2006/main" xmlns:r="http://schemas.openxmlformats.org/officeDocument/2006/relationships" xmlns:p="http://schemas.openxmlformats.org/presentationml/2006/main">
-  <p:cSld>
-    <p:spTree>
-      <p:nvGrpSpPr>
-        <p:cNvPr id="1" name=""/>
-        <p:cNvGrpSpPr/>
-        <p:nvPr/>
-      </p:nvGrpSpPr>
-      <p:grpSpPr>
-        <a:xfrm>
-          <a:off x="0" y="0"/>
-          <a:ext cx="0" cy="0"/>
-          <a:chOff x="0" y="0"/>
-          <a:chExt cx="0" cy="0"/>
-        </a:xfrm>
-      </p:grpSpPr>
-      <p:sp>
-        <p:nvSpPr>
-          <p:cNvPr id="2" name="Title 1"/>
-          <p:cNvSpPr>
-            <a:spLocks noGrp="1"/>
-          </p:cNvSpPr>
-          <p:nvPr>
-            <p:ph type="title"/>
-          </p:nvPr>
-        </p:nvSpPr>
-        <p:spPr/>
-        <p:txBody>
-          <a:bodyPr/>
-          <a:lstStyle/>
-          <a:p>
-            <a:r>
-              <a:rPr lang="en-US" dirty="0" smtClean="0"/>
-              <a:t>Channel clustering formula</a:t>
-            </a:r>
-            <a:endParaRPr lang="en-US" dirty="0"/>
-          </a:p>
-        </p:txBody>
-      </p:sp>
-      <p:graphicFrame>
-        <p:nvGraphicFramePr>
-          <p:cNvPr id="6" name="Content Placeholder 5"/>
-          <p:cNvGraphicFramePr>
-            <a:graphicFrameLocks noGrp="1"/>
-          </p:cNvGraphicFramePr>
-          <p:nvPr>
-            <p:ph idx="1"/>
-            <p:extLst>
-              <p:ext uri="{D42A27DB-BD31-4B8C-83A1-F6EECF244321}">
-                <p14:modId xmlns:p14="http://schemas.microsoft.com/office/powerpoint/2010/main" val="836620714"/>
-              </p:ext>
-            </p:extLst>
-          </p:nvPr>
-        </p:nvGraphicFramePr>
-        <p:xfrm>
-          <a:off x="549275" y="1600200"/>
-          <a:ext cx="8042275" cy="4343400"/>
-        </p:xfrm>
-        <a:graphic>
-          <a:graphicData uri="http://schemas.openxmlformats.org/drawingml/2006/diagram">
-            <dgm:relIds xmlns:dgm="http://schemas.openxmlformats.org/drawingml/2006/diagram" xmlns:r="http://schemas.openxmlformats.org/officeDocument/2006/relationships" r:dm="rId2" r:lo="rId3" r:qs="rId4" r:cs="rId5"/>
-          </a:graphicData>
-        </a:graphic>
-      </p:graphicFrame>
-    </p:spTree>
-    <p:extLst>
-      <p:ext uri="{BB962C8B-B14F-4D97-AF65-F5344CB8AC3E}">
-        <p14:creationId xmlns:p14="http://schemas.microsoft.com/office/powerpoint/2010/main" val="341642862"/>
-      </p:ext>
-    </p:extLst>
-  </p:cSld>
-  <p:clrMapOvr>
-    <a:masterClrMapping/>
-  </p:clrMapOvr>
-</p:sld>
-</file>
-
-<file path=ppt/slides/slide11.xml><?xml version="1.0" encoding="utf-8"?>
-<p:sld xmlns:a="http://schemas.openxmlformats.org/drawingml/2006/main" xmlns:r="http://schemas.openxmlformats.org/officeDocument/2006/relationships" xmlns:p="http://schemas.openxmlformats.org/presentationml/2006/main">
-  <p:cSld>
-    <p:spTree>
-      <p:nvGrpSpPr>
-        <p:cNvPr id="1" name=""/>
-        <p:cNvGrpSpPr/>
-        <p:nvPr/>
-      </p:nvGrpSpPr>
-      <p:grpSpPr>
-        <a:xfrm>
-          <a:off x="0" y="0"/>
-          <a:ext cx="0" cy="0"/>
-          <a:chOff x="0" y="0"/>
-          <a:chExt cx="0" cy="0"/>
-        </a:xfrm>
-      </p:grpSpPr>
-      <p:sp>
-        <p:nvSpPr>
-          <p:cNvPr id="2" name="Title 1"/>
-          <p:cNvSpPr>
-            <a:spLocks noGrp="1"/>
-          </p:cNvSpPr>
-          <p:nvPr>
-            <p:ph type="title"/>
-          </p:nvPr>
-        </p:nvSpPr>
-        <p:spPr/>
-        <p:txBody>
-          <a:bodyPr/>
-          <a:lstStyle/>
-          <a:p>
-            <a:r>
-              <a:rPr lang="en-US" dirty="0" smtClean="0"/>
-              <a:t>Pro clustering formula</a:t>
-            </a:r>
-            <a:endParaRPr lang="en-US" dirty="0"/>
-          </a:p>
-        </p:txBody>
-      </p:sp>
-      <p:graphicFrame>
-        <p:nvGraphicFramePr>
-          <p:cNvPr id="6" name="Content Placeholder 5"/>
-          <p:cNvGraphicFramePr>
-            <a:graphicFrameLocks noGrp="1"/>
-          </p:cNvGraphicFramePr>
-          <p:nvPr>
-            <p:ph idx="1"/>
-            <p:extLst>
-              <p:ext uri="{D42A27DB-BD31-4B8C-83A1-F6EECF244321}">
-                <p14:modId xmlns:p14="http://schemas.microsoft.com/office/powerpoint/2010/main" val="525696294"/>
-              </p:ext>
-            </p:extLst>
-          </p:nvPr>
-        </p:nvGraphicFramePr>
-        <p:xfrm>
-          <a:off x="549275" y="1600200"/>
-          <a:ext cx="8042275" cy="4343400"/>
-        </p:xfrm>
-        <a:graphic>
-          <a:graphicData uri="http://schemas.openxmlformats.org/drawingml/2006/diagram">
-            <dgm:relIds xmlns:dgm="http://schemas.openxmlformats.org/drawingml/2006/diagram" xmlns:r="http://schemas.openxmlformats.org/officeDocument/2006/relationships" r:dm="rId2" r:lo="rId3" r:qs="rId4" r:cs="rId5"/>
-          </a:graphicData>
-        </a:graphic>
-      </p:graphicFrame>
-    </p:spTree>
-    <p:extLst>
-      <p:ext uri="{BB962C8B-B14F-4D97-AF65-F5344CB8AC3E}">
-        <p14:creationId xmlns:p14="http://schemas.microsoft.com/office/powerpoint/2010/main" val="288385771"/>
-      </p:ext>
-    </p:extLst>
-  </p:cSld>
-  <p:clrMapOvr>
-    <a:masterClrMapping/>
-  </p:clrMapOvr>
-</p:sld>
-</file>
-
-<file path=ppt/slides/slide12.xml><?xml version="1.0" encoding="utf-8"?>
-<p:sld xmlns:a="http://schemas.openxmlformats.org/drawingml/2006/main" xmlns:r="http://schemas.openxmlformats.org/officeDocument/2006/relationships" xmlns:p="http://schemas.openxmlformats.org/presentationml/2006/main">
-  <p:cSld>
-    <p:spTree>
-      <p:nvGrpSpPr>
-        <p:cNvPr id="1" name=""/>
-        <p:cNvGrpSpPr/>
-        <p:nvPr/>
-      </p:nvGrpSpPr>
-      <p:grpSpPr>
-        <a:xfrm>
-          <a:off x="0" y="0"/>
-          <a:ext cx="0" cy="0"/>
-          <a:chOff x="0" y="0"/>
-          <a:chExt cx="0" cy="0"/>
-        </a:xfrm>
-      </p:grpSpPr>
-      <p:sp>
-        <p:nvSpPr>
-          <p:cNvPr id="2" name="Title 1"/>
-          <p:cNvSpPr>
-            <a:spLocks noGrp="1"/>
-          </p:cNvSpPr>
-          <p:nvPr>
-            <p:ph type="title"/>
-          </p:nvPr>
-        </p:nvSpPr>
-        <p:spPr/>
-        <p:txBody>
-          <a:bodyPr/>
-          <a:lstStyle/>
-          <a:p>
-            <a:r>
-              <a:rPr lang="en-US" dirty="0" smtClean="0"/>
-              <a:t>New result</a:t>
-            </a:r>
-            <a:endParaRPr lang="en-US" dirty="0"/>
-          </a:p>
-        </p:txBody>
-      </p:sp>
-      <p:graphicFrame>
-        <p:nvGraphicFramePr>
-          <p:cNvPr id="5" name="Content Placeholder 4"/>
-          <p:cNvGraphicFramePr>
-            <a:graphicFrameLocks noGrp="1"/>
-          </p:cNvGraphicFramePr>
-          <p:nvPr>
-            <p:ph idx="1"/>
-            <p:extLst>
-              <p:ext uri="{D42A27DB-BD31-4B8C-83A1-F6EECF244321}">
-                <p14:modId xmlns:p14="http://schemas.microsoft.com/office/powerpoint/2010/main" val="214190508"/>
-              </p:ext>
-            </p:extLst>
-          </p:nvPr>
-        </p:nvGraphicFramePr>
-        <p:xfrm>
-          <a:off x="549275" y="1600200"/>
-          <a:ext cx="8042275" cy="4343400"/>
-        </p:xfrm>
-        <a:graphic>
-          <a:graphicData uri="http://schemas.openxmlformats.org/drawingml/2006/chart">
-            <c:chart xmlns:c="http://schemas.openxmlformats.org/drawingml/2006/chart" xmlns:r="http://schemas.openxmlformats.org/officeDocument/2006/relationships" r:id="rId2"/>
-          </a:graphicData>
-        </a:graphic>
-      </p:graphicFrame>
-    </p:spTree>
-    <p:extLst>
-      <p:ext uri="{BB962C8B-B14F-4D97-AF65-F5344CB8AC3E}">
-        <p14:creationId xmlns:p14="http://schemas.microsoft.com/office/powerpoint/2010/main" val="906785037"/>
-      </p:ext>
-    </p:extLst>
-  </p:cSld>
-  <p:clrMapOvr>
-    <a:masterClrMapping/>
-  </p:clrMapOvr>
-</p:sld>
-</file>
-
-<file path=ppt/slides/slide13.xml><?xml version="1.0" encoding="utf-8"?>
-<p:sld xmlns:a="http://schemas.openxmlformats.org/drawingml/2006/main" xmlns:r="http://schemas.openxmlformats.org/officeDocument/2006/relationships" xmlns:p="http://schemas.openxmlformats.org/presentationml/2006/main">
-  <p:cSld>
-    <p:spTree>
-      <p:nvGrpSpPr>
-        <p:cNvPr id="1" name=""/>
-        <p:cNvGrpSpPr/>
-        <p:nvPr/>
-      </p:nvGrpSpPr>
-      <p:grpSpPr>
-        <a:xfrm>
-          <a:off x="0" y="0"/>
-          <a:ext cx="0" cy="0"/>
-          <a:chOff x="0" y="0"/>
-          <a:chExt cx="0" cy="0"/>
-        </a:xfrm>
-      </p:grpSpPr>
-      <p:sp>
-        <p:nvSpPr>
-          <p:cNvPr id="2" name="Title 1"/>
-          <p:cNvSpPr>
-            <a:spLocks noGrp="1"/>
-          </p:cNvSpPr>
-          <p:nvPr>
-            <p:ph type="title"/>
-          </p:nvPr>
-        </p:nvSpPr>
-        <p:spPr/>
-        <p:txBody>
-          <a:bodyPr/>
-          <a:lstStyle/>
-          <a:p>
-            <a:r>
-              <a:rPr lang="en-US" dirty="0" smtClean="0"/>
-              <a:t>New clustering result</a:t>
-            </a:r>
-            <a:endParaRPr lang="en-US" dirty="0"/>
-          </a:p>
-        </p:txBody>
-      </p:sp>
-      <p:graphicFrame>
-        <p:nvGraphicFramePr>
-          <p:cNvPr id="4" name="Content Placeholder 3"/>
-          <p:cNvGraphicFramePr>
-            <a:graphicFrameLocks noGrp="1"/>
-          </p:cNvGraphicFramePr>
-          <p:nvPr>
-            <p:ph idx="1"/>
-            <p:extLst>
-              <p:ext uri="{D42A27DB-BD31-4B8C-83A1-F6EECF244321}">
-                <p14:modId xmlns:p14="http://schemas.microsoft.com/office/powerpoint/2010/main" val="1555664664"/>
-              </p:ext>
-            </p:extLst>
-          </p:nvPr>
-        </p:nvGraphicFramePr>
-        <p:xfrm>
-          <a:off x="549275" y="1600201"/>
-          <a:ext cx="8042276" cy="4343400"/>
-        </p:xfrm>
-        <a:graphic>
-          <a:graphicData uri="http://schemas.openxmlformats.org/drawingml/2006/diagram">
-            <dgm:relIds xmlns:dgm="http://schemas.openxmlformats.org/drawingml/2006/diagram" xmlns:r="http://schemas.openxmlformats.org/officeDocument/2006/relationships" r:dm="rId2" r:lo="rId3" r:qs="rId4" r:cs="rId5"/>
-          </a:graphicData>
-        </a:graphic>
-      </p:graphicFrame>
-    </p:spTree>
-    <p:extLst>
-      <p:ext uri="{BB962C8B-B14F-4D97-AF65-F5344CB8AC3E}">
-        <p14:creationId xmlns:p14="http://schemas.microsoft.com/office/powerpoint/2010/main" val="352285987"/>
-      </p:ext>
-    </p:extLst>
-  </p:cSld>
-  <p:clrMapOvr>
-    <a:masterClrMapping/>
-  </p:clrMapOvr>
-</p:sld>
-</file>
-
-<file path=ppt/slides/slide14.xml><?xml version="1.0" encoding="utf-8"?>
-<p:sld xmlns:a="http://schemas.openxmlformats.org/drawingml/2006/main" xmlns:r="http://schemas.openxmlformats.org/officeDocument/2006/relationships" xmlns:p="http://schemas.openxmlformats.org/presentationml/2006/main">
-  <p:cSld>
-    <p:spTree>
-      <p:nvGrpSpPr>
-        <p:cNvPr id="1" name=""/>
-        <p:cNvGrpSpPr/>
-        <p:nvPr/>
-      </p:nvGrpSpPr>
-      <p:grpSpPr>
-        <a:xfrm>
-          <a:off x="0" y="0"/>
-          <a:ext cx="0" cy="0"/>
-          <a:chOff x="0" y="0"/>
-          <a:chExt cx="0" cy="0"/>
-        </a:xfrm>
-      </p:grpSpPr>
-      <p:sp>
-        <p:nvSpPr>
-          <p:cNvPr id="2" name="Title 1"/>
-          <p:cNvSpPr>
-            <a:spLocks noGrp="1"/>
-          </p:cNvSpPr>
-          <p:nvPr>
-            <p:ph type="title"/>
-          </p:nvPr>
-        </p:nvSpPr>
-        <p:spPr/>
-        <p:txBody>
-          <a:bodyPr/>
-          <a:lstStyle/>
-          <a:p>
-            <a:r>
-              <a:rPr lang="en-US" dirty="0" smtClean="0"/>
-              <a:t>New segments formula</a:t>
-            </a:r>
-            <a:endParaRPr lang="en-US" dirty="0"/>
-          </a:p>
-        </p:txBody>
-      </p:sp>
-      <p:graphicFrame>
-        <p:nvGraphicFramePr>
-          <p:cNvPr id="6" name="Content Placeholder 5"/>
-          <p:cNvGraphicFramePr>
-            <a:graphicFrameLocks noGrp="1"/>
-          </p:cNvGraphicFramePr>
-          <p:nvPr>
-            <p:ph idx="1"/>
-            <p:extLst>
-              <p:ext uri="{D42A27DB-BD31-4B8C-83A1-F6EECF244321}">
-                <p14:modId xmlns:p14="http://schemas.microsoft.com/office/powerpoint/2010/main" val="726582440"/>
-              </p:ext>
-            </p:extLst>
-          </p:nvPr>
-        </p:nvGraphicFramePr>
-        <p:xfrm>
-          <a:off x="549275" y="1600200"/>
-          <a:ext cx="8042275" cy="4343400"/>
-        </p:xfrm>
-        <a:graphic>
-          <a:graphicData uri="http://schemas.openxmlformats.org/drawingml/2006/diagram">
-            <dgm:relIds xmlns:dgm="http://schemas.openxmlformats.org/drawingml/2006/diagram" xmlns:r="http://schemas.openxmlformats.org/officeDocument/2006/relationships" r:dm="rId2" r:lo="rId3" r:qs="rId4" r:cs="rId5"/>
-          </a:graphicData>
-        </a:graphic>
-      </p:graphicFrame>
-    </p:spTree>
-    <p:extLst>
-      <p:ext uri="{BB962C8B-B14F-4D97-AF65-F5344CB8AC3E}">
-        <p14:creationId xmlns:p14="http://schemas.microsoft.com/office/powerpoint/2010/main" val="373405389"/>
-      </p:ext>
-    </p:extLst>
-  </p:cSld>
-  <p:clrMapOvr>
-    <a:masterClrMapping/>
-  </p:clrMapOvr>
-</p:sld>
-</file>
-
-<file path=ppt/slides/slide15.xml><?xml version="1.0" encoding="utf-8"?>
-<p:sld xmlns:a="http://schemas.openxmlformats.org/drawingml/2006/main" xmlns:r="http://schemas.openxmlformats.org/officeDocument/2006/relationships" xmlns:p="http://schemas.openxmlformats.org/presentationml/2006/main">
-  <p:cSld>
-    <p:spTree>
-      <p:nvGrpSpPr>
-        <p:cNvPr id="1" name=""/>
-        <p:cNvGrpSpPr/>
-        <p:nvPr/>
-      </p:nvGrpSpPr>
-      <p:grpSpPr>
-        <a:xfrm>
-          <a:off x="0" y="0"/>
-          <a:ext cx="0" cy="0"/>
-          <a:chOff x="0" y="0"/>
-          <a:chExt cx="0" cy="0"/>
-        </a:xfrm>
-      </p:grpSpPr>
-      <p:sp>
-        <p:nvSpPr>
-          <p:cNvPr id="2" name="Title 1"/>
-          <p:cNvSpPr>
-            <a:spLocks noGrp="1"/>
-          </p:cNvSpPr>
-          <p:nvPr>
-            <p:ph type="title"/>
-          </p:nvPr>
-        </p:nvSpPr>
-        <p:spPr/>
-        <p:txBody>
-          <a:bodyPr/>
-          <a:lstStyle/>
-          <a:p>
-            <a:r>
-              <a:rPr lang="en-US" dirty="0" smtClean="0"/>
-              <a:t>New feature formula</a:t>
-            </a:r>
-            <a:endParaRPr lang="en-US" dirty="0"/>
-          </a:p>
-        </p:txBody>
-      </p:sp>
-      <p:graphicFrame>
-        <p:nvGraphicFramePr>
-          <p:cNvPr id="6" name="Content Placeholder 5"/>
-          <p:cNvGraphicFramePr>
-            <a:graphicFrameLocks noGrp="1"/>
-          </p:cNvGraphicFramePr>
-          <p:nvPr>
-            <p:ph idx="1"/>
-            <p:extLst>
-              <p:ext uri="{D42A27DB-BD31-4B8C-83A1-F6EECF244321}">
-                <p14:modId xmlns:p14="http://schemas.microsoft.com/office/powerpoint/2010/main" val="1690038469"/>
-              </p:ext>
-            </p:extLst>
-          </p:nvPr>
-        </p:nvGraphicFramePr>
-        <p:xfrm>
-          <a:off x="549275" y="1600200"/>
-          <a:ext cx="8042275" cy="4343400"/>
-        </p:xfrm>
-        <a:graphic>
-          <a:graphicData uri="http://schemas.openxmlformats.org/drawingml/2006/diagram">
-            <dgm:relIds xmlns:dgm="http://schemas.openxmlformats.org/drawingml/2006/diagram" xmlns:r="http://schemas.openxmlformats.org/officeDocument/2006/relationships" r:dm="rId2" r:lo="rId3" r:qs="rId4" r:cs="rId5"/>
-          </a:graphicData>
-        </a:graphic>
-      </p:graphicFrame>
-    </p:spTree>
-    <p:extLst>
-      <p:ext uri="{BB962C8B-B14F-4D97-AF65-F5344CB8AC3E}">
-        <p14:creationId xmlns:p14="http://schemas.microsoft.com/office/powerpoint/2010/main" val="1986511862"/>
-      </p:ext>
-    </p:extLst>
-  </p:cSld>
-  <p:clrMapOvr>
-    <a:masterClrMapping/>
-  </p:clrMapOvr>
-</p:sld>
-</file>
-
-<file path=ppt/slides/slide16.xml><?xml version="1.0" encoding="utf-8"?>
-<p:sld xmlns:a="http://schemas.openxmlformats.org/drawingml/2006/main" xmlns:r="http://schemas.openxmlformats.org/officeDocument/2006/relationships" xmlns:p="http://schemas.openxmlformats.org/presentationml/2006/main">
-  <p:cSld>
-    <p:spTree>
-      <p:nvGrpSpPr>
-        <p:cNvPr id="1" name=""/>
-        <p:cNvGrpSpPr/>
-        <p:nvPr/>
-      </p:nvGrpSpPr>
-      <p:grpSpPr>
-        <a:xfrm>
-          <a:off x="0" y="0"/>
-          <a:ext cx="0" cy="0"/>
-          <a:chOff x="0" y="0"/>
-          <a:chExt cx="0" cy="0"/>
-        </a:xfrm>
-      </p:grpSpPr>
-      <p:sp>
-        <p:nvSpPr>
-          <p:cNvPr id="2" name="Title 1"/>
-          <p:cNvSpPr>
-            <a:spLocks noGrp="1"/>
-          </p:cNvSpPr>
-          <p:nvPr>
-            <p:ph type="title"/>
-          </p:nvPr>
-        </p:nvSpPr>
-        <p:spPr/>
-        <p:txBody>
-          <a:bodyPr/>
-          <a:lstStyle/>
-          <a:p>
-            <a:r>
-              <a:rPr lang="en-US" dirty="0" smtClean="0"/>
-              <a:t>New distance formula</a:t>
-            </a:r>
-            <a:endParaRPr lang="en-US" dirty="0"/>
-          </a:p>
-        </p:txBody>
-      </p:sp>
-      <p:graphicFrame>
-        <p:nvGraphicFramePr>
-          <p:cNvPr id="6" name="Content Placeholder 5"/>
-          <p:cNvGraphicFramePr>
-            <a:graphicFrameLocks noGrp="1"/>
-          </p:cNvGraphicFramePr>
-          <p:nvPr>
-            <p:ph idx="1"/>
-            <p:extLst>
-              <p:ext uri="{D42A27DB-BD31-4B8C-83A1-F6EECF244321}">
-                <p14:modId xmlns:p14="http://schemas.microsoft.com/office/powerpoint/2010/main" val="590444298"/>
-              </p:ext>
-            </p:extLst>
-          </p:nvPr>
-        </p:nvGraphicFramePr>
-        <p:xfrm>
-          <a:off x="549275" y="1600200"/>
-          <a:ext cx="8042275" cy="4343400"/>
-        </p:xfrm>
-        <a:graphic>
-          <a:graphicData uri="http://schemas.openxmlformats.org/drawingml/2006/diagram">
-            <dgm:relIds xmlns:dgm="http://schemas.openxmlformats.org/drawingml/2006/diagram" xmlns:r="http://schemas.openxmlformats.org/officeDocument/2006/relationships" r:dm="rId2" r:lo="rId3" r:qs="rId4" r:cs="rId5"/>
-          </a:graphicData>
-        </a:graphic>
-      </p:graphicFrame>
-    </p:spTree>
-    <p:extLst>
-      <p:ext uri="{BB962C8B-B14F-4D97-AF65-F5344CB8AC3E}">
-        <p14:creationId xmlns:p14="http://schemas.microsoft.com/office/powerpoint/2010/main" val="1149019120"/>
-      </p:ext>
-    </p:extLst>
-  </p:cSld>
-  <p:clrMapOvr>
-    <a:masterClrMapping/>
-  </p:clrMapOvr>
-</p:sld>
-</file>
-
-<file path=ppt/slides/slide17.xml><?xml version="1.0" encoding="utf-8"?>
-<p:sld xmlns:a="http://schemas.openxmlformats.org/drawingml/2006/main" xmlns:r="http://schemas.openxmlformats.org/officeDocument/2006/relationships" xmlns:p="http://schemas.openxmlformats.org/presentationml/2006/main">
-  <p:cSld>
-    <p:spTree>
-      <p:nvGrpSpPr>
-        <p:cNvPr id="1" name=""/>
-        <p:cNvGrpSpPr/>
-        <p:nvPr/>
-      </p:nvGrpSpPr>
-      <p:grpSpPr>
-        <a:xfrm>
-          <a:off x="0" y="0"/>
-          <a:ext cx="0" cy="0"/>
-          <a:chOff x="0" y="0"/>
-          <a:chExt cx="0" cy="0"/>
-        </a:xfrm>
-      </p:grpSpPr>
-      <p:sp>
-        <p:nvSpPr>
-          <p:cNvPr id="2" name="Title 1"/>
-          <p:cNvSpPr>
-            <a:spLocks noGrp="1"/>
-          </p:cNvSpPr>
-          <p:nvPr>
-            <p:ph type="title"/>
-          </p:nvPr>
-        </p:nvSpPr>
-        <p:spPr/>
-        <p:txBody>
-          <a:bodyPr/>
-          <a:lstStyle/>
-          <a:p>
-            <a:r>
-              <a:rPr lang="en-US" dirty="0" err="1" smtClean="0"/>
-              <a:t>Todos</a:t>
-            </a:r>
-            <a:endParaRPr lang="en-US" dirty="0"/>
-          </a:p>
-        </p:txBody>
-      </p:sp>
-      <p:sp>
-        <p:nvSpPr>
-          <p:cNvPr id="3" name="Content Placeholder 2"/>
-          <p:cNvSpPr>
-            <a:spLocks noGrp="1"/>
-          </p:cNvSpPr>
-          <p:nvPr>
-            <p:ph idx="1"/>
-          </p:nvPr>
-        </p:nvSpPr>
-        <p:spPr/>
-        <p:txBody>
-          <a:bodyPr/>
-          <a:lstStyle/>
-          <a:p>
-            <a:r>
-              <a:rPr lang="en-US" dirty="0" smtClean="0"/>
-              <a:t>Discuss and confirm our logic. </a:t>
-            </a:r>
-          </a:p>
-          <a:p>
-            <a:r>
-              <a:rPr lang="en-US" dirty="0" smtClean="0"/>
-              <a:t>Better results using techniques such as applying a curve to each channel</a:t>
-            </a:r>
-          </a:p>
-          <a:p>
-            <a:r>
-              <a:rPr lang="en-US" dirty="0" smtClean="0"/>
-              <a:t>Turn this into classification problem – Maybe not because we do not have many data, but still worth a try because the average values look good. </a:t>
-            </a:r>
-            <a:endParaRPr lang="en-US" dirty="0"/>
-          </a:p>
-        </p:txBody>
-      </p:sp>
-    </p:spTree>
-    <p:extLst>
-      <p:ext uri="{BB962C8B-B14F-4D97-AF65-F5344CB8AC3E}">
-        <p14:creationId xmlns:p14="http://schemas.microsoft.com/office/powerpoint/2010/main" val="171454764"/>
-      </p:ext>
-    </p:extLst>
-  </p:cSld>
-  <p:clrMapOvr>
-    <a:masterClrMapping/>
-  </p:clrMapOvr>
-</p:sld>
-</file>
-
-<file path=ppt/slides/slide2.xml><?xml version="1.0" encoding="utf-8"?>
-<p:sld xmlns:a="http://schemas.openxmlformats.org/drawingml/2006/main" xmlns:r="http://schemas.openxmlformats.org/officeDocument/2006/relationships" xmlns:p="http://schemas.openxmlformats.org/presentationml/2006/main">
-  <p:cSld>
-    <p:spTree>
-      <p:nvGrpSpPr>
-        <p:cNvPr id="1" name=""/>
-        <p:cNvGrpSpPr/>
-        <p:nvPr/>
-      </p:nvGrpSpPr>
-      <p:grpSpPr>
-        <a:xfrm>
-          <a:off x="0" y="0"/>
-          <a:ext cx="0" cy="0"/>
-          <a:chOff x="0" y="0"/>
-          <a:chExt cx="0" cy="0"/>
-        </a:xfrm>
-      </p:grpSpPr>
-      <p:sp>
-        <p:nvSpPr>
-          <p:cNvPr id="2" name="Title 1"/>
-          <p:cNvSpPr>
-            <a:spLocks noGrp="1"/>
-          </p:cNvSpPr>
-          <p:nvPr>
-            <p:ph type="title"/>
-          </p:nvPr>
-        </p:nvSpPr>
-        <p:spPr/>
-        <p:txBody>
-          <a:bodyPr/>
-          <a:lstStyle/>
-          <a:p>
-            <a:r>
-              <a:rPr lang="en-US" dirty="0" smtClean="0"/>
-              <a:t>Agenda</a:t>
-            </a:r>
-            <a:endParaRPr lang="en-US" dirty="0"/>
-          </a:p>
-        </p:txBody>
-      </p:sp>
-      <p:sp>
-        <p:nvSpPr>
-          <p:cNvPr id="3" name="Content Placeholder 2"/>
-          <p:cNvSpPr>
-            <a:spLocks noGrp="1"/>
-          </p:cNvSpPr>
-          <p:nvPr>
-            <p:ph idx="1"/>
-          </p:nvPr>
-        </p:nvSpPr>
-        <p:spPr/>
-        <p:txBody>
-          <a:bodyPr/>
-          <a:lstStyle/>
-          <a:p>
-            <a:pPr marL="457200" indent="-457200">
-              <a:buFont typeface="+mj-lt"/>
-              <a:buAutoNum type="arabicPeriod"/>
-            </a:pPr>
-            <a:r>
-              <a:rPr lang="en-US" dirty="0" err="1" smtClean="0"/>
-              <a:t>Heatmaps</a:t>
-            </a:r>
-            <a:r>
-              <a:rPr lang="en-US" dirty="0" smtClean="0"/>
-              <a:t> </a:t>
-            </a:r>
-            <a:r>
-              <a:rPr lang="en-US" dirty="0"/>
-              <a:t>for 2 channels being in the same cluster</a:t>
-            </a:r>
-            <a:r>
-              <a:rPr lang="en-US" dirty="0" smtClean="0"/>
-              <a:t>.</a:t>
-            </a:r>
-          </a:p>
-          <a:p>
-            <a:pPr marL="457200" indent="-457200">
-              <a:buFont typeface="+mj-lt"/>
-              <a:buAutoNum type="arabicPeriod"/>
-            </a:pPr>
-            <a:r>
-              <a:rPr lang="en-US" dirty="0" smtClean="0"/>
-              <a:t>Most significant 3-channel in the same cluster</a:t>
-            </a:r>
-          </a:p>
-          <a:p>
-            <a:pPr marL="457200" indent="-457200">
-              <a:buFont typeface="+mj-lt"/>
-              <a:buAutoNum type="arabicPeriod"/>
-            </a:pPr>
-            <a:r>
-              <a:rPr lang="en-US" dirty="0" err="1"/>
-              <a:t>Heatmap</a:t>
-            </a:r>
-            <a:r>
-              <a:rPr lang="en-US" dirty="0"/>
-              <a:t> for different time windows. (to show similarities</a:t>
-            </a:r>
-            <a:r>
-              <a:rPr lang="en-US" dirty="0" smtClean="0"/>
-              <a:t>)</a:t>
-            </a:r>
-          </a:p>
-          <a:p>
-            <a:pPr marL="457200" indent="-457200">
-              <a:buFont typeface="+mj-lt"/>
-              <a:buAutoNum type="arabicPeriod"/>
-            </a:pPr>
-            <a:r>
-              <a:rPr lang="en-US" dirty="0" smtClean="0"/>
-              <a:t>Select </a:t>
-            </a:r>
-            <a:r>
-              <a:rPr lang="en-US" dirty="0" err="1" smtClean="0"/>
-              <a:t>Dendrogram</a:t>
-            </a:r>
-            <a:r>
-              <a:rPr lang="en-US" dirty="0" smtClean="0"/>
-              <a:t> with categorical label from 10.</a:t>
-            </a:r>
-          </a:p>
-          <a:p>
-            <a:pPr marL="457200" indent="-457200">
-              <a:buFont typeface="+mj-lt"/>
-              <a:buAutoNum type="arabicPeriod"/>
-            </a:pPr>
-            <a:r>
-              <a:rPr lang="en-US" dirty="0" smtClean="0"/>
-              <a:t>4 </a:t>
-            </a:r>
-            <a:r>
-              <a:rPr lang="en-US" dirty="0"/>
-              <a:t>Chord diagrams</a:t>
-            </a:r>
-          </a:p>
-          <a:p>
-            <a:pPr marL="457200" indent="-457200">
-              <a:buFont typeface="+mj-lt"/>
-              <a:buAutoNum type="arabicPeriod"/>
-            </a:pPr>
-            <a:endParaRPr lang="en-US" dirty="0"/>
-          </a:p>
-        </p:txBody>
-      </p:sp>
-    </p:spTree>
-    <p:extLst>
-      <p:ext uri="{BB962C8B-B14F-4D97-AF65-F5344CB8AC3E}">
-        <p14:creationId xmlns:p14="http://schemas.microsoft.com/office/powerpoint/2010/main" val="2777160"/>
-      </p:ext>
-    </p:extLst>
-  </p:cSld>
-  <p:clrMapOvr>
-    <a:masterClrMapping/>
-  </p:clrMapOvr>
-  <p:timing>
-    <p:tnLst>
-      <p:par>
-        <p:cTn id="1" dur="indefinite" restart="never" nodeType="tmRoot"/>
-      </p:par>
-    </p:tnLst>
-  </p:timing>
-</p:sld>
-</file>
-
-<file path=ppt/slides/slide3.xml><?xml version="1.0" encoding="utf-8"?>
-<p:sld xmlns:a="http://schemas.openxmlformats.org/drawingml/2006/main" xmlns:r="http://schemas.openxmlformats.org/officeDocument/2006/relationships" xmlns:p="http://schemas.openxmlformats.org/presentationml/2006/main">
-  <p:cSld>
-    <p:spTree>
-      <p:nvGrpSpPr>
-        <p:cNvPr id="1" name=""/>
-        <p:cNvGrpSpPr/>
-        <p:nvPr/>
-      </p:nvGrpSpPr>
-      <p:grpSpPr>
-        <a:xfrm>
-          <a:off x="0" y="0"/>
-          <a:ext cx="0" cy="0"/>
-          <a:chOff x="0" y="0"/>
-          <a:chExt cx="0" cy="0"/>
-        </a:xfrm>
-      </p:grpSpPr>
-      <p:sp>
-        <p:nvSpPr>
-          <p:cNvPr id="2" name="Title 1"/>
-          <p:cNvSpPr>
-            <a:spLocks noGrp="1"/>
-          </p:cNvSpPr>
-          <p:nvPr>
-            <p:ph type="title"/>
-          </p:nvPr>
-        </p:nvSpPr>
-        <p:spPr/>
-        <p:txBody>
-          <a:bodyPr/>
-          <a:lstStyle/>
-          <a:p>
-            <a:r>
-              <a:rPr lang="en-US" dirty="0" smtClean="0"/>
-              <a:t>2-channel </a:t>
-            </a:r>
-            <a:r>
-              <a:rPr lang="en-US" dirty="0" err="1" smtClean="0"/>
-              <a:t>Heatm</a:t>
-            </a:r>
-            <a:r>
-              <a:rPr lang="en-US" altLang="zh-CN" dirty="0" err="1" smtClean="0"/>
-              <a:t>a</a:t>
-            </a:r>
-            <a:r>
-              <a:rPr lang="en-US" dirty="0" err="1" smtClean="0"/>
-              <a:t>p</a:t>
-            </a:r>
-            <a:endParaRPr lang="en-US" dirty="0"/>
-          </a:p>
-        </p:txBody>
-      </p:sp>
-      <p:pic>
-        <p:nvPicPr>
-          <p:cNvPr id="4" name="Content Placeholder 3" descr="heatmap_channelsCrossAthelets_compensate19.png"/>
-          <p:cNvPicPr>
-            <a:picLocks noGrp="1" noChangeAspect="1"/>
-          </p:cNvPicPr>
-          <p:nvPr>
-            <p:ph idx="1"/>
-          </p:nvPr>
-        </p:nvPicPr>
-        <p:blipFill>
-          <a:blip r:embed="rId2" cstate="email">
-            <a:extLst>
-              <a:ext uri="{28A0092B-C50C-407E-A947-70E740481C1C}">
-                <a14:useLocalDpi xmlns:a14="http://schemas.microsoft.com/office/drawing/2010/main" val="0"/>
-              </a:ext>
-            </a:extLst>
-          </a:blip>
-          <a:srcRect l="-19435" r="-19435"/>
-          <a:stretch>
-            <a:fillRect/>
-          </a:stretch>
-        </p:blipFill>
-        <p:spPr>
-          <a:xfrm>
-            <a:off x="-1198541" y="1444532"/>
-            <a:ext cx="7270385" cy="3926524"/>
-          </a:xfrm>
-        </p:spPr>
-      </p:pic>
-      <p:pic>
-        <p:nvPicPr>
-          <p:cNvPr id="5" name="Picture 4" descr="channelsCrossAthelets60_15_allData.dat.png"/>
-          <p:cNvPicPr>
-            <a:picLocks noChangeAspect="1"/>
-          </p:cNvPicPr>
-          <p:nvPr/>
-        </p:nvPicPr>
-        <p:blipFill>
-          <a:blip r:embed="rId3" cstate="email">
-            <a:extLst>
-              <a:ext uri="{28A0092B-C50C-407E-A947-70E740481C1C}">
-                <a14:useLocalDpi xmlns:a14="http://schemas.microsoft.com/office/drawing/2010/main" val="0"/>
-              </a:ext>
-            </a:extLst>
-          </a:blip>
-          <a:stretch>
-            <a:fillRect/>
-          </a:stretch>
-        </p:blipFill>
-        <p:spPr>
-          <a:xfrm>
-            <a:off x="4269616" y="1625073"/>
-            <a:ext cx="5126388" cy="3844791"/>
-          </a:xfrm>
-          <a:prstGeom prst="rect">
-            <a:avLst/>
-          </a:prstGeom>
-        </p:spPr>
-      </p:pic>
-      <p:sp>
-        <p:nvSpPr>
-          <p:cNvPr id="6" name="TextBox 5"/>
-          <p:cNvSpPr txBox="1"/>
-          <p:nvPr/>
-        </p:nvSpPr>
-        <p:spPr>
-          <a:xfrm>
-            <a:off x="1549732" y="5642523"/>
-            <a:ext cx="6956315" cy="369332"/>
-          </a:xfrm>
-          <a:prstGeom prst="rect">
-            <a:avLst/>
-          </a:prstGeom>
-          <a:noFill/>
-        </p:spPr>
-        <p:txBody>
-          <a:bodyPr wrap="square" rtlCol="0">
-            <a:spAutoFit/>
-          </a:bodyPr>
-          <a:lstStyle/>
-          <a:p>
-            <a:r>
-              <a:rPr lang="en-US" dirty="0" smtClean="0"/>
-              <a:t>Data </a:t>
-            </a:r>
-            <a:r>
-              <a:rPr lang="en-US" dirty="0" smtClean="0">
-                <a:hlinkClick r:id="rId4" action="ppaction://hlinkfile"/>
-              </a:rPr>
-              <a:t>source</a:t>
-            </a:r>
-            <a:r>
-              <a:rPr lang="en-US" dirty="0" smtClean="0"/>
-              <a:t>. Note: lighter color = closer on </a:t>
-            </a:r>
-            <a:r>
-              <a:rPr lang="en-US" dirty="0" err="1" smtClean="0"/>
-              <a:t>heatmap</a:t>
-            </a:r>
-            <a:endParaRPr lang="en-US" dirty="0"/>
-          </a:p>
-        </p:txBody>
-      </p:sp>
-    </p:spTree>
-    <p:extLst>
-      <p:ext uri="{BB962C8B-B14F-4D97-AF65-F5344CB8AC3E}">
-        <p14:creationId xmlns:p14="http://schemas.microsoft.com/office/powerpoint/2010/main" val="151657476"/>
-      </p:ext>
-    </p:extLst>
-  </p:cSld>
-  <p:clrMapOvr>
-    <a:masterClrMapping/>
-  </p:clrMapOvr>
-  <p:timing>
-    <p:tnLst>
-      <p:par>
-        <p:cTn id="1" dur="indefinite" restart="never" nodeType="tmRoot"/>
-      </p:par>
-    </p:tnLst>
-  </p:timing>
-</p:sld>
-</file>
-
-<file path=ppt/slides/slide4.xml><?xml version="1.0" encoding="utf-8"?>
-<p:sld xmlns:a="http://schemas.openxmlformats.org/drawingml/2006/main" xmlns:r="http://schemas.openxmlformats.org/officeDocument/2006/relationships" xmlns:p="http://schemas.openxmlformats.org/presentationml/2006/main">
-  <p:cSld>
-    <p:spTree>
-      <p:nvGrpSpPr>
-        <p:cNvPr id="1" name=""/>
-        <p:cNvGrpSpPr/>
-        <p:nvPr/>
-      </p:nvGrpSpPr>
-      <p:grpSpPr>
-        <a:xfrm>
-          <a:off x="0" y="0"/>
-          <a:ext cx="0" cy="0"/>
-          <a:chOff x="0" y="0"/>
-          <a:chExt cx="0" cy="0"/>
-        </a:xfrm>
-      </p:grpSpPr>
-      <p:sp>
-        <p:nvSpPr>
-          <p:cNvPr id="2" name="Title 1"/>
-          <p:cNvSpPr>
-            <a:spLocks noGrp="1"/>
-          </p:cNvSpPr>
-          <p:nvPr>
-            <p:ph type="title"/>
-          </p:nvPr>
-        </p:nvSpPr>
-        <p:spPr/>
-        <p:txBody>
-          <a:bodyPr/>
-          <a:lstStyle/>
-          <a:p>
-            <a:r>
-              <a:rPr lang="en-US" dirty="0" smtClean="0"/>
-              <a:t>Most significant 3 channels in the same cluster</a:t>
-            </a:r>
-            <a:endParaRPr lang="en-US" dirty="0"/>
-          </a:p>
-        </p:txBody>
-      </p:sp>
-      <p:graphicFrame>
-        <p:nvGraphicFramePr>
-          <p:cNvPr id="4" name="Object 3"/>
-          <p:cNvGraphicFramePr>
-            <a:graphicFrameLocks noChangeAspect="1"/>
-          </p:cNvGraphicFramePr>
-          <p:nvPr>
-            <p:extLst>
-              <p:ext uri="{D42A27DB-BD31-4B8C-83A1-F6EECF244321}">
-                <p14:modId xmlns:p14="http://schemas.microsoft.com/office/powerpoint/2010/main" val="3364989653"/>
-              </p:ext>
-            </p:extLst>
-          </p:nvPr>
-        </p:nvGraphicFramePr>
-        <p:xfrm>
-          <a:off x="227155" y="2402610"/>
-          <a:ext cx="4161669" cy="1929356"/>
-        </p:xfrm>
-        <a:graphic>
-          <a:graphicData uri="http://schemas.openxmlformats.org/presentationml/2006/ole">
-            <mc:AlternateContent xmlns:mc="http://schemas.openxmlformats.org/markup-compatibility/2006">
-              <mc:Choice xmlns:v="urn:schemas-microsoft-com:vml" Requires="v">
-                <p:oleObj spid="_x0000_s1156" name="Worksheet" r:id="rId4" imgW="3314700" imgH="1536700" progId="Excel.Sheet.12">
-                  <p:embed/>
-                </p:oleObj>
-              </mc:Choice>
-              <mc:Fallback>
-                <p:oleObj name="Worksheet" r:id="rId4" imgW="3314700" imgH="1536700" progId="Excel.Sheet.12">
-                  <p:embed/>
-                  <p:pic>
-                    <p:nvPicPr>
-                      <p:cNvPr id="0" name=""/>
-                      <p:cNvPicPr/>
-                      <p:nvPr/>
-                    </p:nvPicPr>
-                    <p:blipFill>
-                      <a:blip r:embed="rId5"/>
-                      <a:stretch>
-                        <a:fillRect/>
-                      </a:stretch>
-                    </p:blipFill>
-                    <p:spPr>
-                      <a:xfrm>
-                        <a:off x="227155" y="2402610"/>
-                        <a:ext cx="4161669" cy="1929356"/>
-                      </a:xfrm>
-                      <a:prstGeom prst="rect">
-                        <a:avLst/>
-                      </a:prstGeom>
-                    </p:spPr>
-                  </p:pic>
-                </p:oleObj>
-              </mc:Fallback>
-            </mc:AlternateContent>
-          </a:graphicData>
-        </a:graphic>
-      </p:graphicFrame>
-      <p:pic>
-        <p:nvPicPr>
-          <p:cNvPr id="7" name="Picture 6" descr="electrodes.png"/>
-          <p:cNvPicPr>
-            <a:picLocks noChangeAspect="1"/>
-          </p:cNvPicPr>
-          <p:nvPr/>
-        </p:nvPicPr>
-        <p:blipFill>
-          <a:blip r:embed="rId6" cstate="email">
-            <a:extLst>
-              <a:ext uri="{28A0092B-C50C-407E-A947-70E740481C1C}">
-                <a14:useLocalDpi xmlns:a14="http://schemas.microsoft.com/office/drawing/2010/main" val="0"/>
-              </a:ext>
-            </a:extLst>
-          </a:blip>
-          <a:stretch>
-            <a:fillRect/>
-          </a:stretch>
-        </p:blipFill>
-        <p:spPr>
-          <a:xfrm>
-            <a:off x="4539795" y="1780699"/>
-            <a:ext cx="4259764" cy="3194823"/>
-          </a:xfrm>
-          <a:prstGeom prst="rect">
-            <a:avLst/>
-          </a:prstGeom>
-        </p:spPr>
-      </p:pic>
-      <p:sp>
-        <p:nvSpPr>
-          <p:cNvPr id="8" name="TextBox 7"/>
-          <p:cNvSpPr txBox="1"/>
-          <p:nvPr/>
-        </p:nvSpPr>
-        <p:spPr>
-          <a:xfrm>
-            <a:off x="1549732" y="5642523"/>
-            <a:ext cx="7041819" cy="369332"/>
-          </a:xfrm>
-          <a:prstGeom prst="rect">
-            <a:avLst/>
-          </a:prstGeom>
-          <a:noFill/>
-        </p:spPr>
-        <p:txBody>
-          <a:bodyPr wrap="square" rtlCol="0">
-            <a:spAutoFit/>
-          </a:bodyPr>
-          <a:lstStyle/>
-          <a:p>
-            <a:r>
-              <a:rPr lang="en-US" dirty="0" smtClean="0"/>
-              <a:t>Data </a:t>
-            </a:r>
-            <a:r>
-              <a:rPr lang="en-US" dirty="0" smtClean="0">
-                <a:hlinkClick r:id="rId7" action="ppaction://hlinkfile"/>
-              </a:rPr>
-              <a:t>source</a:t>
-            </a:r>
-            <a:r>
-              <a:rPr lang="en-US" dirty="0" smtClean="0"/>
-              <a:t>. Note: smaller value = closer</a:t>
-            </a:r>
-            <a:endParaRPr lang="en-US" dirty="0"/>
-          </a:p>
-        </p:txBody>
-      </p:sp>
-    </p:spTree>
-    <p:extLst>
-      <p:ext uri="{BB962C8B-B14F-4D97-AF65-F5344CB8AC3E}">
-        <p14:creationId xmlns:p14="http://schemas.microsoft.com/office/powerpoint/2010/main" val="874711212"/>
-      </p:ext>
-    </p:extLst>
-  </p:cSld>
-  <p:clrMapOvr>
-    <a:masterClrMapping/>
-  </p:clrMapOvr>
-  <p:timing>
-    <p:tnLst>
-      <p:par>
-        <p:cTn id="1" dur="indefinite" restart="never" nodeType="tmRoot"/>
-      </p:par>
-    </p:tnLst>
-  </p:timing>
-</p:sld>
-</file>
-
-<file path=ppt/slides/slide5.xml><?xml version="1.0" encoding="utf-8"?>
 <p:sld xmlns:a="http://schemas.openxmlformats.org/drawingml/2006/main" xmlns:r="http://schemas.openxmlformats.org/officeDocument/2006/relationships" xmlns:p="http://schemas.openxmlformats.org/presentationml/2006/main">
   <p:cSld>
     <p:spTree>
@@ -25145,7 +24692,7 @@
           <a:graphicData uri="http://schemas.openxmlformats.org/presentationml/2006/ole">
             <mc:AlternateContent xmlns:mc="http://schemas.openxmlformats.org/markup-compatibility/2006">
               <mc:Choice xmlns:v="urn:schemas-microsoft-com:vml" Requires="v">
-                <p:oleObj spid="_x0000_s2152" name="Worksheet" r:id="rId4" imgW="7442200" imgH="393700" progId="Excel.Sheet.12">
+                <p:oleObj spid="_x0000_s2228" name="Worksheet" r:id="rId4" imgW="7442200" imgH="393700" progId="Excel.Sheet.12">
                   <p:embed/>
                 </p:oleObj>
               </mc:Choice>
@@ -30998,7 +30545,7 @@
 </p:sld>
 </file>
 
-<file path=ppt/slides/slide6.xml><?xml version="1.0" encoding="utf-8"?>
+<file path=ppt/slides/slide11.xml><?xml version="1.0" encoding="utf-8"?>
 <p:sld xmlns:a="http://schemas.openxmlformats.org/drawingml/2006/main" xmlns:r="http://schemas.openxmlformats.org/officeDocument/2006/relationships" xmlns:p="http://schemas.openxmlformats.org/presentationml/2006/main">
   <p:cSld>
     <p:spTree>
@@ -32357,7 +31904,7 @@
 </p:sld>
 </file>
 
-<file path=ppt/slides/slide7.xml><?xml version="1.0" encoding="utf-8"?>
+<file path=ppt/slides/slide12.xml><?xml version="1.0" encoding="utf-8"?>
 <p:sld xmlns:a="http://schemas.openxmlformats.org/drawingml/2006/main" xmlns:r="http://schemas.openxmlformats.org/officeDocument/2006/relationships" xmlns:p="http://schemas.openxmlformats.org/presentationml/2006/main">
   <p:cSld>
     <p:spTree>
@@ -32643,7 +32190,7 @@
 </p:sld>
 </file>
 
-<file path=ppt/slides/slide8.xml><?xml version="1.0" encoding="utf-8"?>
+<file path=ppt/slides/slide13.xml><?xml version="1.0" encoding="utf-8"?>
 <p:sld xmlns:a="http://schemas.openxmlformats.org/drawingml/2006/main" xmlns:r="http://schemas.openxmlformats.org/officeDocument/2006/relationships" xmlns:p="http://schemas.openxmlformats.org/presentationml/2006/main">
   <p:cSld>
     <p:spTree>
@@ -32791,7 +32338,7 @@
 </p:sld>
 </file>
 
-<file path=ppt/slides/slide9.xml><?xml version="1.0" encoding="utf-8"?>
+<file path=ppt/slides/slide14.xml><?xml version="1.0" encoding="utf-8"?>
 <p:sld xmlns:a="http://schemas.openxmlformats.org/drawingml/2006/main" xmlns:r="http://schemas.openxmlformats.org/officeDocument/2006/relationships" xmlns:p="http://schemas.openxmlformats.org/presentationml/2006/main">
   <p:cSld>
     <p:spTree>
@@ -32866,6 +32413,4931 @@
   <p:clrMapOvr>
     <a:masterClrMapping/>
   </p:clrMapOvr>
+  <p:timing>
+    <p:tnLst>
+      <p:par>
+        <p:cTn id="1" dur="indefinite" restart="never" nodeType="tmRoot"/>
+      </p:par>
+    </p:tnLst>
+  </p:timing>
+</p:sld>
+</file>
+
+<file path=ppt/slides/slide15.xml><?xml version="1.0" encoding="utf-8"?>
+<p:sld xmlns:a="http://schemas.openxmlformats.org/drawingml/2006/main" xmlns:r="http://schemas.openxmlformats.org/officeDocument/2006/relationships" xmlns:p="http://schemas.openxmlformats.org/presentationml/2006/main">
+  <p:cSld>
+    <p:spTree>
+      <p:nvGrpSpPr>
+        <p:cNvPr id="1" name=""/>
+        <p:cNvGrpSpPr/>
+        <p:nvPr/>
+      </p:nvGrpSpPr>
+      <p:grpSpPr>
+        <a:xfrm>
+          <a:off x="0" y="0"/>
+          <a:ext cx="0" cy="0"/>
+          <a:chOff x="0" y="0"/>
+          <a:chExt cx="0" cy="0"/>
+        </a:xfrm>
+      </p:grpSpPr>
+      <p:sp>
+        <p:nvSpPr>
+          <p:cNvPr id="2" name="Title 1"/>
+          <p:cNvSpPr>
+            <a:spLocks noGrp="1"/>
+          </p:cNvSpPr>
+          <p:nvPr>
+            <p:ph type="title"/>
+          </p:nvPr>
+        </p:nvSpPr>
+        <p:spPr/>
+        <p:txBody>
+          <a:bodyPr/>
+          <a:lstStyle/>
+          <a:p>
+            <a:r>
+              <a:rPr lang="en-US" dirty="0" smtClean="0"/>
+              <a:t>Channel clustering formula</a:t>
+            </a:r>
+            <a:endParaRPr lang="en-US" dirty="0"/>
+          </a:p>
+        </p:txBody>
+      </p:sp>
+      <p:graphicFrame>
+        <p:nvGraphicFramePr>
+          <p:cNvPr id="6" name="Content Placeholder 5"/>
+          <p:cNvGraphicFramePr>
+            <a:graphicFrameLocks noGrp="1"/>
+          </p:cNvGraphicFramePr>
+          <p:nvPr>
+            <p:ph idx="1"/>
+            <p:extLst>
+              <p:ext uri="{D42A27DB-BD31-4B8C-83A1-F6EECF244321}">
+                <p14:modId xmlns:p14="http://schemas.microsoft.com/office/powerpoint/2010/main" val="836620714"/>
+              </p:ext>
+            </p:extLst>
+          </p:nvPr>
+        </p:nvGraphicFramePr>
+        <p:xfrm>
+          <a:off x="549275" y="1600200"/>
+          <a:ext cx="8042275" cy="4343400"/>
+        </p:xfrm>
+        <a:graphic>
+          <a:graphicData uri="http://schemas.openxmlformats.org/drawingml/2006/diagram">
+            <dgm:relIds xmlns:dgm="http://schemas.openxmlformats.org/drawingml/2006/diagram" xmlns:r="http://schemas.openxmlformats.org/officeDocument/2006/relationships" r:dm="rId2" r:lo="rId3" r:qs="rId4" r:cs="rId5"/>
+          </a:graphicData>
+        </a:graphic>
+      </p:graphicFrame>
+    </p:spTree>
+    <p:extLst>
+      <p:ext uri="{BB962C8B-B14F-4D97-AF65-F5344CB8AC3E}">
+        <p14:creationId xmlns:p14="http://schemas.microsoft.com/office/powerpoint/2010/main" val="341642862"/>
+      </p:ext>
+    </p:extLst>
+  </p:cSld>
+  <p:clrMapOvr>
+    <a:masterClrMapping/>
+  </p:clrMapOvr>
+  <p:timing>
+    <p:tnLst>
+      <p:par>
+        <p:cTn id="1" dur="indefinite" restart="never" nodeType="tmRoot"/>
+      </p:par>
+    </p:tnLst>
+  </p:timing>
+</p:sld>
+</file>
+
+<file path=ppt/slides/slide16.xml><?xml version="1.0" encoding="utf-8"?>
+<p:sld xmlns:a="http://schemas.openxmlformats.org/drawingml/2006/main" xmlns:r="http://schemas.openxmlformats.org/officeDocument/2006/relationships" xmlns:p="http://schemas.openxmlformats.org/presentationml/2006/main">
+  <p:cSld>
+    <p:spTree>
+      <p:nvGrpSpPr>
+        <p:cNvPr id="1" name=""/>
+        <p:cNvGrpSpPr/>
+        <p:nvPr/>
+      </p:nvGrpSpPr>
+      <p:grpSpPr>
+        <a:xfrm>
+          <a:off x="0" y="0"/>
+          <a:ext cx="0" cy="0"/>
+          <a:chOff x="0" y="0"/>
+          <a:chExt cx="0" cy="0"/>
+        </a:xfrm>
+      </p:grpSpPr>
+      <p:sp>
+        <p:nvSpPr>
+          <p:cNvPr id="2" name="Title 1"/>
+          <p:cNvSpPr>
+            <a:spLocks noGrp="1"/>
+          </p:cNvSpPr>
+          <p:nvPr>
+            <p:ph type="title"/>
+          </p:nvPr>
+        </p:nvSpPr>
+        <p:spPr/>
+        <p:txBody>
+          <a:bodyPr/>
+          <a:lstStyle/>
+          <a:p>
+            <a:r>
+              <a:rPr lang="en-US" dirty="0" smtClean="0"/>
+              <a:t>Pro clustering formula</a:t>
+            </a:r>
+            <a:endParaRPr lang="en-US" dirty="0"/>
+          </a:p>
+        </p:txBody>
+      </p:sp>
+      <p:graphicFrame>
+        <p:nvGraphicFramePr>
+          <p:cNvPr id="6" name="Content Placeholder 5"/>
+          <p:cNvGraphicFramePr>
+            <a:graphicFrameLocks noGrp="1"/>
+          </p:cNvGraphicFramePr>
+          <p:nvPr>
+            <p:ph idx="1"/>
+            <p:extLst>
+              <p:ext uri="{D42A27DB-BD31-4B8C-83A1-F6EECF244321}">
+                <p14:modId xmlns:p14="http://schemas.microsoft.com/office/powerpoint/2010/main" val="525696294"/>
+              </p:ext>
+            </p:extLst>
+          </p:nvPr>
+        </p:nvGraphicFramePr>
+        <p:xfrm>
+          <a:off x="549275" y="1600200"/>
+          <a:ext cx="8042275" cy="4343400"/>
+        </p:xfrm>
+        <a:graphic>
+          <a:graphicData uri="http://schemas.openxmlformats.org/drawingml/2006/diagram">
+            <dgm:relIds xmlns:dgm="http://schemas.openxmlformats.org/drawingml/2006/diagram" xmlns:r="http://schemas.openxmlformats.org/officeDocument/2006/relationships" r:dm="rId2" r:lo="rId3" r:qs="rId4" r:cs="rId5"/>
+          </a:graphicData>
+        </a:graphic>
+      </p:graphicFrame>
+    </p:spTree>
+    <p:extLst>
+      <p:ext uri="{BB962C8B-B14F-4D97-AF65-F5344CB8AC3E}">
+        <p14:creationId xmlns:p14="http://schemas.microsoft.com/office/powerpoint/2010/main" val="288385771"/>
+      </p:ext>
+    </p:extLst>
+  </p:cSld>
+  <p:clrMapOvr>
+    <a:masterClrMapping/>
+  </p:clrMapOvr>
+  <p:timing>
+    <p:tnLst>
+      <p:par>
+        <p:cTn id="1" dur="indefinite" restart="never" nodeType="tmRoot"/>
+      </p:par>
+    </p:tnLst>
+  </p:timing>
+</p:sld>
+</file>
+
+<file path=ppt/slides/slide17.xml><?xml version="1.0" encoding="utf-8"?>
+<p:sld xmlns:a="http://schemas.openxmlformats.org/drawingml/2006/main" xmlns:r="http://schemas.openxmlformats.org/officeDocument/2006/relationships" xmlns:p="http://schemas.openxmlformats.org/presentationml/2006/main">
+  <p:cSld>
+    <p:spTree>
+      <p:nvGrpSpPr>
+        <p:cNvPr id="1" name=""/>
+        <p:cNvGrpSpPr/>
+        <p:nvPr/>
+      </p:nvGrpSpPr>
+      <p:grpSpPr>
+        <a:xfrm>
+          <a:off x="0" y="0"/>
+          <a:ext cx="0" cy="0"/>
+          <a:chOff x="0" y="0"/>
+          <a:chExt cx="0" cy="0"/>
+        </a:xfrm>
+      </p:grpSpPr>
+      <p:sp>
+        <p:nvSpPr>
+          <p:cNvPr id="2" name="Title 1"/>
+          <p:cNvSpPr>
+            <a:spLocks noGrp="1"/>
+          </p:cNvSpPr>
+          <p:nvPr>
+            <p:ph type="title"/>
+          </p:nvPr>
+        </p:nvSpPr>
+        <p:spPr/>
+        <p:txBody>
+          <a:bodyPr/>
+          <a:lstStyle/>
+          <a:p>
+            <a:r>
+              <a:rPr lang="en-US" dirty="0" smtClean="0"/>
+              <a:t>New result</a:t>
+            </a:r>
+            <a:endParaRPr lang="en-US" dirty="0"/>
+          </a:p>
+        </p:txBody>
+      </p:sp>
+      <p:graphicFrame>
+        <p:nvGraphicFramePr>
+          <p:cNvPr id="5" name="Content Placeholder 4"/>
+          <p:cNvGraphicFramePr>
+            <a:graphicFrameLocks noGrp="1"/>
+          </p:cNvGraphicFramePr>
+          <p:nvPr>
+            <p:ph idx="1"/>
+            <p:extLst>
+              <p:ext uri="{D42A27DB-BD31-4B8C-83A1-F6EECF244321}">
+                <p14:modId xmlns:p14="http://schemas.microsoft.com/office/powerpoint/2010/main" val="214190508"/>
+              </p:ext>
+            </p:extLst>
+          </p:nvPr>
+        </p:nvGraphicFramePr>
+        <p:xfrm>
+          <a:off x="549275" y="1600200"/>
+          <a:ext cx="8042275" cy="4343400"/>
+        </p:xfrm>
+        <a:graphic>
+          <a:graphicData uri="http://schemas.openxmlformats.org/drawingml/2006/chart">
+            <c:chart xmlns:c="http://schemas.openxmlformats.org/drawingml/2006/chart" xmlns:r="http://schemas.openxmlformats.org/officeDocument/2006/relationships" r:id="rId2"/>
+          </a:graphicData>
+        </a:graphic>
+      </p:graphicFrame>
+    </p:spTree>
+    <p:extLst>
+      <p:ext uri="{BB962C8B-B14F-4D97-AF65-F5344CB8AC3E}">
+        <p14:creationId xmlns:p14="http://schemas.microsoft.com/office/powerpoint/2010/main" val="906785037"/>
+      </p:ext>
+    </p:extLst>
+  </p:cSld>
+  <p:clrMapOvr>
+    <a:masterClrMapping/>
+  </p:clrMapOvr>
+  <p:timing>
+    <p:tnLst>
+      <p:par>
+        <p:cTn id="1" dur="indefinite" restart="never" nodeType="tmRoot"/>
+      </p:par>
+    </p:tnLst>
+  </p:timing>
+</p:sld>
+</file>
+
+<file path=ppt/slides/slide18.xml><?xml version="1.0" encoding="utf-8"?>
+<p:sld xmlns:a="http://schemas.openxmlformats.org/drawingml/2006/main" xmlns:r="http://schemas.openxmlformats.org/officeDocument/2006/relationships" xmlns:p="http://schemas.openxmlformats.org/presentationml/2006/main">
+  <p:cSld>
+    <p:spTree>
+      <p:nvGrpSpPr>
+        <p:cNvPr id="1" name=""/>
+        <p:cNvGrpSpPr/>
+        <p:nvPr/>
+      </p:nvGrpSpPr>
+      <p:grpSpPr>
+        <a:xfrm>
+          <a:off x="0" y="0"/>
+          <a:ext cx="0" cy="0"/>
+          <a:chOff x="0" y="0"/>
+          <a:chExt cx="0" cy="0"/>
+        </a:xfrm>
+      </p:grpSpPr>
+      <p:sp>
+        <p:nvSpPr>
+          <p:cNvPr id="2" name="Title 1"/>
+          <p:cNvSpPr>
+            <a:spLocks noGrp="1"/>
+          </p:cNvSpPr>
+          <p:nvPr>
+            <p:ph type="title"/>
+          </p:nvPr>
+        </p:nvSpPr>
+        <p:spPr/>
+        <p:txBody>
+          <a:bodyPr/>
+          <a:lstStyle/>
+          <a:p>
+            <a:r>
+              <a:rPr lang="en-US" dirty="0" smtClean="0"/>
+              <a:t>Other available metrics</a:t>
+            </a:r>
+            <a:endParaRPr lang="en-US" dirty="0"/>
+          </a:p>
+        </p:txBody>
+      </p:sp>
+      <p:sp>
+        <p:nvSpPr>
+          <p:cNvPr id="3" name="Content Placeholder 2"/>
+          <p:cNvSpPr>
+            <a:spLocks noGrp="1"/>
+          </p:cNvSpPr>
+          <p:nvPr>
+            <p:ph idx="1"/>
+          </p:nvPr>
+        </p:nvSpPr>
+        <p:spPr/>
+        <p:txBody>
+          <a:bodyPr/>
+          <a:lstStyle/>
+          <a:p>
+            <a:r>
+              <a:rPr lang="en-US" dirty="0" smtClean="0"/>
+              <a:t>1:2 1:4 15 23 25 34 45 1-2:4-5</a:t>
+            </a:r>
+          </a:p>
+          <a:p>
+            <a:endParaRPr lang="en-US" dirty="0"/>
+          </a:p>
+          <a:p>
+            <a:r>
+              <a:rPr lang="en-US" dirty="0" smtClean="0"/>
+              <a:t>1: easy1 2: easy2 3: hard1 4</a:t>
+            </a:r>
+          </a:p>
+          <a:p>
+            <a:endParaRPr lang="en-US" dirty="0"/>
+          </a:p>
+          <a:p>
+            <a:r>
+              <a:rPr lang="en-US" dirty="0" smtClean="0"/>
+              <a:t>For these combinations the results are identical to 1:5</a:t>
+            </a:r>
+          </a:p>
+        </p:txBody>
+      </p:sp>
+    </p:spTree>
+    <p:extLst>
+      <p:ext uri="{BB962C8B-B14F-4D97-AF65-F5344CB8AC3E}">
+        <p14:creationId xmlns:p14="http://schemas.microsoft.com/office/powerpoint/2010/main" val="1042585390"/>
+      </p:ext>
+    </p:extLst>
+  </p:cSld>
+  <p:clrMapOvr>
+    <a:masterClrMapping/>
+  </p:clrMapOvr>
+  <p:timing>
+    <p:tnLst>
+      <p:par>
+        <p:cTn id="1" dur="indefinite" restart="never" nodeType="tmRoot"/>
+      </p:par>
+    </p:tnLst>
+  </p:timing>
+</p:sld>
+</file>
+
+<file path=ppt/slides/slide19.xml><?xml version="1.0" encoding="utf-8"?>
+<p:sld xmlns:a="http://schemas.openxmlformats.org/drawingml/2006/main" xmlns:r="http://schemas.openxmlformats.org/officeDocument/2006/relationships" xmlns:p="http://schemas.openxmlformats.org/presentationml/2006/main">
+  <p:cSld>
+    <p:spTree>
+      <p:nvGrpSpPr>
+        <p:cNvPr id="1" name=""/>
+        <p:cNvGrpSpPr/>
+        <p:nvPr/>
+      </p:nvGrpSpPr>
+      <p:grpSpPr>
+        <a:xfrm>
+          <a:off x="0" y="0"/>
+          <a:ext cx="0" cy="0"/>
+          <a:chOff x="0" y="0"/>
+          <a:chExt cx="0" cy="0"/>
+        </a:xfrm>
+      </p:grpSpPr>
+      <p:sp>
+        <p:nvSpPr>
+          <p:cNvPr id="2" name="Title 1"/>
+          <p:cNvSpPr>
+            <a:spLocks noGrp="1"/>
+          </p:cNvSpPr>
+          <p:nvPr>
+            <p:ph type="title"/>
+          </p:nvPr>
+        </p:nvSpPr>
+        <p:spPr/>
+        <p:txBody>
+          <a:bodyPr/>
+          <a:lstStyle/>
+          <a:p>
+            <a:r>
+              <a:rPr lang="en-US" dirty="0" smtClean="0"/>
+              <a:t>New clustering result</a:t>
+            </a:r>
+            <a:endParaRPr lang="en-US" dirty="0"/>
+          </a:p>
+        </p:txBody>
+      </p:sp>
+      <p:graphicFrame>
+        <p:nvGraphicFramePr>
+          <p:cNvPr id="4" name="Content Placeholder 3"/>
+          <p:cNvGraphicFramePr>
+            <a:graphicFrameLocks noGrp="1"/>
+          </p:cNvGraphicFramePr>
+          <p:nvPr>
+            <p:ph idx="1"/>
+            <p:extLst>
+              <p:ext uri="{D42A27DB-BD31-4B8C-83A1-F6EECF244321}">
+                <p14:modId xmlns:p14="http://schemas.microsoft.com/office/powerpoint/2010/main" val="1555664664"/>
+              </p:ext>
+            </p:extLst>
+          </p:nvPr>
+        </p:nvGraphicFramePr>
+        <p:xfrm>
+          <a:off x="549275" y="1600201"/>
+          <a:ext cx="8042276" cy="4343400"/>
+        </p:xfrm>
+        <a:graphic>
+          <a:graphicData uri="http://schemas.openxmlformats.org/drawingml/2006/diagram">
+            <dgm:relIds xmlns:dgm="http://schemas.openxmlformats.org/drawingml/2006/diagram" xmlns:r="http://schemas.openxmlformats.org/officeDocument/2006/relationships" r:dm="rId3" r:lo="rId4" r:qs="rId5" r:cs="rId6"/>
+          </a:graphicData>
+        </a:graphic>
+      </p:graphicFrame>
+    </p:spTree>
+    <p:extLst>
+      <p:ext uri="{BB962C8B-B14F-4D97-AF65-F5344CB8AC3E}">
+        <p14:creationId xmlns:p14="http://schemas.microsoft.com/office/powerpoint/2010/main" val="352285987"/>
+      </p:ext>
+    </p:extLst>
+  </p:cSld>
+  <p:clrMapOvr>
+    <a:masterClrMapping/>
+  </p:clrMapOvr>
+  <p:timing>
+    <p:tnLst>
+      <p:par>
+        <p:cTn id="1" dur="indefinite" restart="never" nodeType="tmRoot"/>
+      </p:par>
+    </p:tnLst>
+  </p:timing>
+</p:sld>
+</file>
+
+<file path=ppt/slides/slide2.xml><?xml version="1.0" encoding="utf-8"?>
+<p:sld xmlns:a="http://schemas.openxmlformats.org/drawingml/2006/main" xmlns:r="http://schemas.openxmlformats.org/officeDocument/2006/relationships" xmlns:p="http://schemas.openxmlformats.org/presentationml/2006/main">
+  <p:cSld>
+    <p:spTree>
+      <p:nvGrpSpPr>
+        <p:cNvPr id="1" name=""/>
+        <p:cNvGrpSpPr/>
+        <p:nvPr/>
+      </p:nvGrpSpPr>
+      <p:grpSpPr>
+        <a:xfrm>
+          <a:off x="0" y="0"/>
+          <a:ext cx="0" cy="0"/>
+          <a:chOff x="0" y="0"/>
+          <a:chExt cx="0" cy="0"/>
+        </a:xfrm>
+      </p:grpSpPr>
+      <p:sp>
+        <p:nvSpPr>
+          <p:cNvPr id="2" name="Title 1"/>
+          <p:cNvSpPr>
+            <a:spLocks noGrp="1"/>
+          </p:cNvSpPr>
+          <p:nvPr>
+            <p:ph type="title"/>
+          </p:nvPr>
+        </p:nvSpPr>
+        <p:spPr/>
+        <p:txBody>
+          <a:bodyPr/>
+          <a:lstStyle/>
+          <a:p>
+            <a:r>
+              <a:rPr lang="en-US" dirty="0" smtClean="0"/>
+              <a:t>Review Agenda</a:t>
+            </a:r>
+            <a:endParaRPr lang="en-US" dirty="0"/>
+          </a:p>
+        </p:txBody>
+      </p:sp>
+      <p:sp>
+        <p:nvSpPr>
+          <p:cNvPr id="3" name="Content Placeholder 2"/>
+          <p:cNvSpPr>
+            <a:spLocks noGrp="1"/>
+          </p:cNvSpPr>
+          <p:nvPr>
+            <p:ph idx="1"/>
+          </p:nvPr>
+        </p:nvSpPr>
+        <p:spPr/>
+        <p:txBody>
+          <a:bodyPr/>
+          <a:lstStyle/>
+          <a:p>
+            <a:pPr marL="457200" indent="-457200">
+              <a:buFont typeface="+mj-lt"/>
+              <a:buAutoNum type="arabicPeriod"/>
+            </a:pPr>
+            <a:r>
+              <a:rPr lang="en-US" dirty="0" err="1" smtClean="0"/>
+              <a:t>Heatmaps</a:t>
+            </a:r>
+            <a:r>
+              <a:rPr lang="en-US" dirty="0" smtClean="0"/>
+              <a:t> </a:t>
+            </a:r>
+            <a:r>
+              <a:rPr lang="en-US" dirty="0"/>
+              <a:t>for 2 channels being in the same cluster</a:t>
+            </a:r>
+            <a:r>
+              <a:rPr lang="en-US" dirty="0" smtClean="0"/>
+              <a:t>.</a:t>
+            </a:r>
+          </a:p>
+          <a:p>
+            <a:pPr marL="457200" indent="-457200">
+              <a:buFont typeface="+mj-lt"/>
+              <a:buAutoNum type="arabicPeriod"/>
+            </a:pPr>
+            <a:r>
+              <a:rPr lang="en-US" dirty="0" smtClean="0"/>
+              <a:t>Most significant 3-channel in the same cluster</a:t>
+            </a:r>
+          </a:p>
+          <a:p>
+            <a:pPr marL="457200" indent="-457200">
+              <a:buFont typeface="+mj-lt"/>
+              <a:buAutoNum type="arabicPeriod"/>
+            </a:pPr>
+            <a:r>
+              <a:rPr lang="en-US" dirty="0" err="1"/>
+              <a:t>Heatmap</a:t>
+            </a:r>
+            <a:r>
+              <a:rPr lang="en-US" dirty="0"/>
+              <a:t> for different time windows. (to show similarities</a:t>
+            </a:r>
+            <a:r>
+              <a:rPr lang="en-US" dirty="0" smtClean="0"/>
+              <a:t>)</a:t>
+            </a:r>
+          </a:p>
+          <a:p>
+            <a:pPr marL="457200" indent="-457200">
+              <a:buFont typeface="+mj-lt"/>
+              <a:buAutoNum type="arabicPeriod"/>
+            </a:pPr>
+            <a:r>
+              <a:rPr lang="en-US" dirty="0" smtClean="0"/>
+              <a:t>Select </a:t>
+            </a:r>
+            <a:r>
+              <a:rPr lang="en-US" dirty="0" err="1" smtClean="0"/>
+              <a:t>Dendrogram</a:t>
+            </a:r>
+            <a:r>
+              <a:rPr lang="en-US" dirty="0" smtClean="0"/>
+              <a:t> with categorical label from 10.</a:t>
+            </a:r>
+          </a:p>
+          <a:p>
+            <a:pPr marL="457200" indent="-457200">
+              <a:buFont typeface="+mj-lt"/>
+              <a:buAutoNum type="arabicPeriod"/>
+            </a:pPr>
+            <a:r>
+              <a:rPr lang="en-US" dirty="0" smtClean="0"/>
+              <a:t>4 </a:t>
+            </a:r>
+            <a:r>
+              <a:rPr lang="en-US" dirty="0"/>
+              <a:t>Chord diagrams</a:t>
+            </a:r>
+          </a:p>
+          <a:p>
+            <a:pPr marL="457200" indent="-457200">
+              <a:buFont typeface="+mj-lt"/>
+              <a:buAutoNum type="arabicPeriod"/>
+            </a:pPr>
+            <a:endParaRPr lang="en-US" dirty="0"/>
+          </a:p>
+        </p:txBody>
+      </p:sp>
+    </p:spTree>
+    <p:extLst>
+      <p:ext uri="{BB962C8B-B14F-4D97-AF65-F5344CB8AC3E}">
+        <p14:creationId xmlns:p14="http://schemas.microsoft.com/office/powerpoint/2010/main" val="2777160"/>
+      </p:ext>
+    </p:extLst>
+  </p:cSld>
+  <p:clrMapOvr>
+    <a:masterClrMapping/>
+  </p:clrMapOvr>
+  <p:timing>
+    <p:tnLst>
+      <p:par>
+        <p:cTn id="1" dur="indefinite" restart="never" nodeType="tmRoot"/>
+      </p:par>
+    </p:tnLst>
+  </p:timing>
+</p:sld>
+</file>
+
+<file path=ppt/slides/slide20.xml><?xml version="1.0" encoding="utf-8"?>
+<p:sld xmlns:a="http://schemas.openxmlformats.org/drawingml/2006/main" xmlns:r="http://schemas.openxmlformats.org/officeDocument/2006/relationships" xmlns:p="http://schemas.openxmlformats.org/presentationml/2006/main">
+  <p:cSld>
+    <p:spTree>
+      <p:nvGrpSpPr>
+        <p:cNvPr id="1" name=""/>
+        <p:cNvGrpSpPr/>
+        <p:nvPr/>
+      </p:nvGrpSpPr>
+      <p:grpSpPr>
+        <a:xfrm>
+          <a:off x="0" y="0"/>
+          <a:ext cx="0" cy="0"/>
+          <a:chOff x="0" y="0"/>
+          <a:chExt cx="0" cy="0"/>
+        </a:xfrm>
+      </p:grpSpPr>
+      <p:sp>
+        <p:nvSpPr>
+          <p:cNvPr id="2" name="Title 1"/>
+          <p:cNvSpPr>
+            <a:spLocks noGrp="1"/>
+          </p:cNvSpPr>
+          <p:nvPr>
+            <p:ph type="title"/>
+          </p:nvPr>
+        </p:nvSpPr>
+        <p:spPr/>
+        <p:txBody>
+          <a:bodyPr/>
+          <a:lstStyle/>
+          <a:p>
+            <a:r>
+              <a:rPr lang="en-US" dirty="0" smtClean="0"/>
+              <a:t>New segments formula</a:t>
+            </a:r>
+            <a:endParaRPr lang="en-US" dirty="0"/>
+          </a:p>
+        </p:txBody>
+      </p:sp>
+      <p:graphicFrame>
+        <p:nvGraphicFramePr>
+          <p:cNvPr id="6" name="Content Placeholder 5"/>
+          <p:cNvGraphicFramePr>
+            <a:graphicFrameLocks noGrp="1"/>
+          </p:cNvGraphicFramePr>
+          <p:nvPr>
+            <p:ph idx="1"/>
+            <p:extLst>
+              <p:ext uri="{D42A27DB-BD31-4B8C-83A1-F6EECF244321}">
+                <p14:modId xmlns:p14="http://schemas.microsoft.com/office/powerpoint/2010/main" val="726582440"/>
+              </p:ext>
+            </p:extLst>
+          </p:nvPr>
+        </p:nvGraphicFramePr>
+        <p:xfrm>
+          <a:off x="549275" y="1600200"/>
+          <a:ext cx="8042275" cy="4343400"/>
+        </p:xfrm>
+        <a:graphic>
+          <a:graphicData uri="http://schemas.openxmlformats.org/drawingml/2006/diagram">
+            <dgm:relIds xmlns:dgm="http://schemas.openxmlformats.org/drawingml/2006/diagram" xmlns:r="http://schemas.openxmlformats.org/officeDocument/2006/relationships" r:dm="rId2" r:lo="rId3" r:qs="rId4" r:cs="rId5"/>
+          </a:graphicData>
+        </a:graphic>
+      </p:graphicFrame>
+    </p:spTree>
+    <p:extLst>
+      <p:ext uri="{BB962C8B-B14F-4D97-AF65-F5344CB8AC3E}">
+        <p14:creationId xmlns:p14="http://schemas.microsoft.com/office/powerpoint/2010/main" val="373405389"/>
+      </p:ext>
+    </p:extLst>
+  </p:cSld>
+  <p:clrMapOvr>
+    <a:masterClrMapping/>
+  </p:clrMapOvr>
+  <p:timing>
+    <p:tnLst>
+      <p:par>
+        <p:cTn id="1" dur="indefinite" restart="never" nodeType="tmRoot"/>
+      </p:par>
+    </p:tnLst>
+  </p:timing>
+</p:sld>
+</file>
+
+<file path=ppt/slides/slide21.xml><?xml version="1.0" encoding="utf-8"?>
+<p:sld xmlns:a="http://schemas.openxmlformats.org/drawingml/2006/main" xmlns:r="http://schemas.openxmlformats.org/officeDocument/2006/relationships" xmlns:p="http://schemas.openxmlformats.org/presentationml/2006/main">
+  <p:cSld>
+    <p:spTree>
+      <p:nvGrpSpPr>
+        <p:cNvPr id="1" name=""/>
+        <p:cNvGrpSpPr/>
+        <p:nvPr/>
+      </p:nvGrpSpPr>
+      <p:grpSpPr>
+        <a:xfrm>
+          <a:off x="0" y="0"/>
+          <a:ext cx="0" cy="0"/>
+          <a:chOff x="0" y="0"/>
+          <a:chExt cx="0" cy="0"/>
+        </a:xfrm>
+      </p:grpSpPr>
+      <p:sp>
+        <p:nvSpPr>
+          <p:cNvPr id="2" name="Title 1"/>
+          <p:cNvSpPr>
+            <a:spLocks noGrp="1"/>
+          </p:cNvSpPr>
+          <p:nvPr>
+            <p:ph type="title"/>
+          </p:nvPr>
+        </p:nvSpPr>
+        <p:spPr/>
+        <p:txBody>
+          <a:bodyPr/>
+          <a:lstStyle/>
+          <a:p>
+            <a:r>
+              <a:rPr lang="en-US" dirty="0" smtClean="0"/>
+              <a:t>New feature formula</a:t>
+            </a:r>
+            <a:endParaRPr lang="en-US" dirty="0"/>
+          </a:p>
+        </p:txBody>
+      </p:sp>
+      <p:graphicFrame>
+        <p:nvGraphicFramePr>
+          <p:cNvPr id="6" name="Content Placeholder 5"/>
+          <p:cNvGraphicFramePr>
+            <a:graphicFrameLocks noGrp="1"/>
+          </p:cNvGraphicFramePr>
+          <p:nvPr>
+            <p:ph idx="1"/>
+            <p:extLst>
+              <p:ext uri="{D42A27DB-BD31-4B8C-83A1-F6EECF244321}">
+                <p14:modId xmlns:p14="http://schemas.microsoft.com/office/powerpoint/2010/main" val="1690038469"/>
+              </p:ext>
+            </p:extLst>
+          </p:nvPr>
+        </p:nvGraphicFramePr>
+        <p:xfrm>
+          <a:off x="549275" y="1600200"/>
+          <a:ext cx="8042275" cy="4343400"/>
+        </p:xfrm>
+        <a:graphic>
+          <a:graphicData uri="http://schemas.openxmlformats.org/drawingml/2006/diagram">
+            <dgm:relIds xmlns:dgm="http://schemas.openxmlformats.org/drawingml/2006/diagram" xmlns:r="http://schemas.openxmlformats.org/officeDocument/2006/relationships" r:dm="rId2" r:lo="rId3" r:qs="rId4" r:cs="rId5"/>
+          </a:graphicData>
+        </a:graphic>
+      </p:graphicFrame>
+    </p:spTree>
+    <p:extLst>
+      <p:ext uri="{BB962C8B-B14F-4D97-AF65-F5344CB8AC3E}">
+        <p14:creationId xmlns:p14="http://schemas.microsoft.com/office/powerpoint/2010/main" val="1986511862"/>
+      </p:ext>
+    </p:extLst>
+  </p:cSld>
+  <p:clrMapOvr>
+    <a:masterClrMapping/>
+  </p:clrMapOvr>
+  <p:timing>
+    <p:tnLst>
+      <p:par>
+        <p:cTn id="1" dur="indefinite" restart="never" nodeType="tmRoot"/>
+      </p:par>
+    </p:tnLst>
+  </p:timing>
+</p:sld>
+</file>
+
+<file path=ppt/slides/slide22.xml><?xml version="1.0" encoding="utf-8"?>
+<p:sld xmlns:a="http://schemas.openxmlformats.org/drawingml/2006/main" xmlns:r="http://schemas.openxmlformats.org/officeDocument/2006/relationships" xmlns:p="http://schemas.openxmlformats.org/presentationml/2006/main">
+  <p:cSld>
+    <p:spTree>
+      <p:nvGrpSpPr>
+        <p:cNvPr id="1" name=""/>
+        <p:cNvGrpSpPr/>
+        <p:nvPr/>
+      </p:nvGrpSpPr>
+      <p:grpSpPr>
+        <a:xfrm>
+          <a:off x="0" y="0"/>
+          <a:ext cx="0" cy="0"/>
+          <a:chOff x="0" y="0"/>
+          <a:chExt cx="0" cy="0"/>
+        </a:xfrm>
+      </p:grpSpPr>
+      <p:sp>
+        <p:nvSpPr>
+          <p:cNvPr id="2" name="Title 1"/>
+          <p:cNvSpPr>
+            <a:spLocks noGrp="1"/>
+          </p:cNvSpPr>
+          <p:nvPr>
+            <p:ph type="title"/>
+          </p:nvPr>
+        </p:nvSpPr>
+        <p:spPr/>
+        <p:txBody>
+          <a:bodyPr/>
+          <a:lstStyle/>
+          <a:p>
+            <a:r>
+              <a:rPr lang="en-US" dirty="0" smtClean="0"/>
+              <a:t>New distance formula</a:t>
+            </a:r>
+            <a:endParaRPr lang="en-US" dirty="0"/>
+          </a:p>
+        </p:txBody>
+      </p:sp>
+      <p:graphicFrame>
+        <p:nvGraphicFramePr>
+          <p:cNvPr id="6" name="Content Placeholder 5"/>
+          <p:cNvGraphicFramePr>
+            <a:graphicFrameLocks noGrp="1"/>
+          </p:cNvGraphicFramePr>
+          <p:nvPr>
+            <p:ph idx="1"/>
+            <p:extLst>
+              <p:ext uri="{D42A27DB-BD31-4B8C-83A1-F6EECF244321}">
+                <p14:modId xmlns:p14="http://schemas.microsoft.com/office/powerpoint/2010/main" val="590444298"/>
+              </p:ext>
+            </p:extLst>
+          </p:nvPr>
+        </p:nvGraphicFramePr>
+        <p:xfrm>
+          <a:off x="549275" y="1600200"/>
+          <a:ext cx="8042275" cy="4343400"/>
+        </p:xfrm>
+        <a:graphic>
+          <a:graphicData uri="http://schemas.openxmlformats.org/drawingml/2006/diagram">
+            <dgm:relIds xmlns:dgm="http://schemas.openxmlformats.org/drawingml/2006/diagram" xmlns:r="http://schemas.openxmlformats.org/officeDocument/2006/relationships" r:dm="rId2" r:lo="rId3" r:qs="rId4" r:cs="rId5"/>
+          </a:graphicData>
+        </a:graphic>
+      </p:graphicFrame>
+    </p:spTree>
+    <p:extLst>
+      <p:ext uri="{BB962C8B-B14F-4D97-AF65-F5344CB8AC3E}">
+        <p14:creationId xmlns:p14="http://schemas.microsoft.com/office/powerpoint/2010/main" val="1149019120"/>
+      </p:ext>
+    </p:extLst>
+  </p:cSld>
+  <p:clrMapOvr>
+    <a:masterClrMapping/>
+  </p:clrMapOvr>
+  <p:timing>
+    <p:tnLst>
+      <p:par>
+        <p:cTn id="1" dur="indefinite" restart="never" nodeType="tmRoot"/>
+      </p:par>
+    </p:tnLst>
+  </p:timing>
+</p:sld>
+</file>
+
+<file path=ppt/slides/slide23.xml><?xml version="1.0" encoding="utf-8"?>
+<p:sld xmlns:a="http://schemas.openxmlformats.org/drawingml/2006/main" xmlns:r="http://schemas.openxmlformats.org/officeDocument/2006/relationships" xmlns:p="http://schemas.openxmlformats.org/presentationml/2006/main">
+  <p:cSld>
+    <p:spTree>
+      <p:nvGrpSpPr>
+        <p:cNvPr id="1" name=""/>
+        <p:cNvGrpSpPr/>
+        <p:nvPr/>
+      </p:nvGrpSpPr>
+      <p:grpSpPr>
+        <a:xfrm>
+          <a:off x="0" y="0"/>
+          <a:ext cx="0" cy="0"/>
+          <a:chOff x="0" y="0"/>
+          <a:chExt cx="0" cy="0"/>
+        </a:xfrm>
+      </p:grpSpPr>
+      <p:sp>
+        <p:nvSpPr>
+          <p:cNvPr id="2" name="Title 1"/>
+          <p:cNvSpPr>
+            <a:spLocks noGrp="1"/>
+          </p:cNvSpPr>
+          <p:nvPr>
+            <p:ph type="title"/>
+          </p:nvPr>
+        </p:nvSpPr>
+        <p:spPr/>
+        <p:txBody>
+          <a:bodyPr/>
+          <a:lstStyle/>
+          <a:p>
+            <a:r>
+              <a:rPr lang="en-US" dirty="0" err="1" smtClean="0"/>
+              <a:t>Ttest</a:t>
+            </a:r>
+            <a:r>
+              <a:rPr lang="en-US" dirty="0" smtClean="0"/>
+              <a:t> description</a:t>
+            </a:r>
+            <a:endParaRPr lang="en-US" dirty="0"/>
+          </a:p>
+        </p:txBody>
+      </p:sp>
+      <p:sp>
+        <p:nvSpPr>
+          <p:cNvPr id="3" name="Content Placeholder 2"/>
+          <p:cNvSpPr>
+            <a:spLocks noGrp="1"/>
+          </p:cNvSpPr>
+          <p:nvPr>
+            <p:ph idx="1"/>
+          </p:nvPr>
+        </p:nvSpPr>
+        <p:spPr/>
+        <p:txBody>
+          <a:bodyPr/>
+          <a:lstStyle/>
+          <a:p>
+            <a:r>
+              <a:rPr lang="en-US" dirty="0" smtClean="0"/>
+              <a:t>Hypothesis</a:t>
+            </a:r>
+          </a:p>
+          <a:p>
+            <a:r>
+              <a:rPr lang="en-US" dirty="0" smtClean="0"/>
+              <a:t>Reject</a:t>
+            </a:r>
+            <a:endParaRPr lang="en-US" dirty="0"/>
+          </a:p>
+        </p:txBody>
+      </p:sp>
+    </p:spTree>
+    <p:extLst>
+      <p:ext uri="{BB962C8B-B14F-4D97-AF65-F5344CB8AC3E}">
+        <p14:creationId xmlns:p14="http://schemas.microsoft.com/office/powerpoint/2010/main" val="1074367062"/>
+      </p:ext>
+    </p:extLst>
+  </p:cSld>
+  <p:clrMapOvr>
+    <a:masterClrMapping/>
+  </p:clrMapOvr>
+</p:sld>
+</file>
+
+<file path=ppt/slides/slide24.xml><?xml version="1.0" encoding="utf-8"?>
+<p:sld xmlns:a="http://schemas.openxmlformats.org/drawingml/2006/main" xmlns:r="http://schemas.openxmlformats.org/officeDocument/2006/relationships" xmlns:p="http://schemas.openxmlformats.org/presentationml/2006/main">
+  <p:cSld>
+    <p:spTree>
+      <p:nvGrpSpPr>
+        <p:cNvPr id="1" name=""/>
+        <p:cNvGrpSpPr/>
+        <p:nvPr/>
+      </p:nvGrpSpPr>
+      <p:grpSpPr>
+        <a:xfrm>
+          <a:off x="0" y="0"/>
+          <a:ext cx="0" cy="0"/>
+          <a:chOff x="0" y="0"/>
+          <a:chExt cx="0" cy="0"/>
+        </a:xfrm>
+      </p:grpSpPr>
+      <p:sp>
+        <p:nvSpPr>
+          <p:cNvPr id="2" name="Title 1"/>
+          <p:cNvSpPr>
+            <a:spLocks noGrp="1"/>
+          </p:cNvSpPr>
+          <p:nvPr>
+            <p:ph type="title"/>
+          </p:nvPr>
+        </p:nvSpPr>
+        <p:spPr/>
+        <p:txBody>
+          <a:bodyPr/>
+          <a:lstStyle/>
+          <a:p>
+            <a:r>
+              <a:rPr lang="en-US" dirty="0" err="1" smtClean="0"/>
+              <a:t>Anova</a:t>
+            </a:r>
+            <a:r>
+              <a:rPr lang="en-US" dirty="0" smtClean="0"/>
+              <a:t> test description</a:t>
+            </a:r>
+            <a:endParaRPr lang="en-US" dirty="0"/>
+          </a:p>
+        </p:txBody>
+      </p:sp>
+      <p:sp>
+        <p:nvSpPr>
+          <p:cNvPr id="3" name="Content Placeholder 2"/>
+          <p:cNvSpPr>
+            <a:spLocks noGrp="1"/>
+          </p:cNvSpPr>
+          <p:nvPr>
+            <p:ph idx="1"/>
+          </p:nvPr>
+        </p:nvSpPr>
+        <p:spPr/>
+        <p:txBody>
+          <a:bodyPr/>
+          <a:lstStyle/>
+          <a:p>
+            <a:r>
+              <a:rPr lang="en-US" dirty="0" smtClean="0"/>
+              <a:t>1 test. </a:t>
+            </a:r>
+            <a:endParaRPr lang="en-US" dirty="0"/>
+          </a:p>
+        </p:txBody>
+      </p:sp>
+    </p:spTree>
+    <p:extLst>
+      <p:ext uri="{BB962C8B-B14F-4D97-AF65-F5344CB8AC3E}">
+        <p14:creationId xmlns:p14="http://schemas.microsoft.com/office/powerpoint/2010/main" val="649563304"/>
+      </p:ext>
+    </p:extLst>
+  </p:cSld>
+  <p:clrMapOvr>
+    <a:masterClrMapping/>
+  </p:clrMapOvr>
+</p:sld>
+</file>
+
+<file path=ppt/slides/slide25.xml><?xml version="1.0" encoding="utf-8"?>
+<p:sld xmlns:a="http://schemas.openxmlformats.org/drawingml/2006/main" xmlns:r="http://schemas.openxmlformats.org/officeDocument/2006/relationships" xmlns:p="http://schemas.openxmlformats.org/presentationml/2006/main">
+  <p:cSld>
+    <p:spTree>
+      <p:nvGrpSpPr>
+        <p:cNvPr id="1" name=""/>
+        <p:cNvGrpSpPr/>
+        <p:nvPr/>
+      </p:nvGrpSpPr>
+      <p:grpSpPr>
+        <a:xfrm>
+          <a:off x="0" y="0"/>
+          <a:ext cx="0" cy="0"/>
+          <a:chOff x="0" y="0"/>
+          <a:chExt cx="0" cy="0"/>
+        </a:xfrm>
+      </p:grpSpPr>
+      <p:sp>
+        <p:nvSpPr>
+          <p:cNvPr id="2" name="Title 1"/>
+          <p:cNvSpPr>
+            <a:spLocks noGrp="1"/>
+          </p:cNvSpPr>
+          <p:nvPr>
+            <p:ph type="title"/>
+          </p:nvPr>
+        </p:nvSpPr>
+        <p:spPr/>
+        <p:txBody>
+          <a:bodyPr/>
+          <a:lstStyle/>
+          <a:p>
+            <a:r>
+              <a:rPr lang="en-US" dirty="0" smtClean="0"/>
+              <a:t>Results for two tests</a:t>
+            </a:r>
+            <a:endParaRPr lang="en-US" dirty="0"/>
+          </a:p>
+        </p:txBody>
+      </p:sp>
+      <p:sp>
+        <p:nvSpPr>
+          <p:cNvPr id="3" name="Content Placeholder 2"/>
+          <p:cNvSpPr>
+            <a:spLocks noGrp="1"/>
+          </p:cNvSpPr>
+          <p:nvPr>
+            <p:ph idx="1"/>
+          </p:nvPr>
+        </p:nvSpPr>
+        <p:spPr/>
+        <p:txBody>
+          <a:bodyPr/>
+          <a:lstStyle/>
+          <a:p>
+            <a:endParaRPr lang="en-US" dirty="0"/>
+          </a:p>
+        </p:txBody>
+      </p:sp>
+    </p:spTree>
+    <p:extLst>
+      <p:ext uri="{BB962C8B-B14F-4D97-AF65-F5344CB8AC3E}">
+        <p14:creationId xmlns:p14="http://schemas.microsoft.com/office/powerpoint/2010/main" val="296192632"/>
+      </p:ext>
+    </p:extLst>
+  </p:cSld>
+  <p:clrMapOvr>
+    <a:masterClrMapping/>
+  </p:clrMapOvr>
+</p:sld>
+</file>
+
+<file path=ppt/slides/slide3.xml><?xml version="1.0" encoding="utf-8"?>
+<p:sld xmlns:a="http://schemas.openxmlformats.org/drawingml/2006/main" xmlns:r="http://schemas.openxmlformats.org/officeDocument/2006/relationships" xmlns:p="http://schemas.openxmlformats.org/presentationml/2006/main">
+  <p:cSld>
+    <p:spTree>
+      <p:nvGrpSpPr>
+        <p:cNvPr id="1" name=""/>
+        <p:cNvGrpSpPr/>
+        <p:nvPr/>
+      </p:nvGrpSpPr>
+      <p:grpSpPr>
+        <a:xfrm>
+          <a:off x="0" y="0"/>
+          <a:ext cx="0" cy="0"/>
+          <a:chOff x="0" y="0"/>
+          <a:chExt cx="0" cy="0"/>
+        </a:xfrm>
+      </p:grpSpPr>
+      <p:sp>
+        <p:nvSpPr>
+          <p:cNvPr id="2" name="Title 1"/>
+          <p:cNvSpPr>
+            <a:spLocks noGrp="1"/>
+          </p:cNvSpPr>
+          <p:nvPr>
+            <p:ph type="title"/>
+          </p:nvPr>
+        </p:nvSpPr>
+        <p:spPr/>
+        <p:txBody>
+          <a:bodyPr/>
+          <a:lstStyle/>
+          <a:p>
+            <a:r>
+              <a:rPr lang="en-US" dirty="0" smtClean="0"/>
+              <a:t>New agenda</a:t>
+            </a:r>
+            <a:endParaRPr lang="en-US" dirty="0"/>
+          </a:p>
+        </p:txBody>
+      </p:sp>
+      <p:sp>
+        <p:nvSpPr>
+          <p:cNvPr id="3" name="Content Placeholder 2"/>
+          <p:cNvSpPr>
+            <a:spLocks noGrp="1"/>
+          </p:cNvSpPr>
+          <p:nvPr>
+            <p:ph idx="1"/>
+          </p:nvPr>
+        </p:nvSpPr>
+        <p:spPr/>
+        <p:txBody>
+          <a:bodyPr/>
+          <a:lstStyle/>
+          <a:p>
+            <a:r>
+              <a:rPr lang="en-US" dirty="0"/>
+              <a:t>New Brain map and functional grouping </a:t>
+            </a:r>
+            <a:r>
+              <a:rPr lang="en-US" dirty="0" smtClean="0"/>
+              <a:t>explained</a:t>
+            </a:r>
+          </a:p>
+          <a:p>
+            <a:r>
+              <a:rPr lang="en-US" dirty="0" smtClean="0"/>
+              <a:t>Pro/Control </a:t>
+            </a:r>
+            <a:r>
+              <a:rPr lang="en-US" dirty="0" err="1" smtClean="0"/>
+              <a:t>seperation</a:t>
+            </a:r>
+            <a:r>
+              <a:rPr lang="en-US" dirty="0" smtClean="0"/>
+              <a:t> using even channels</a:t>
+            </a:r>
+          </a:p>
+          <a:p>
+            <a:r>
+              <a:rPr lang="en-US" dirty="0" smtClean="0"/>
+              <a:t>Stats tests for channels came out positive when comparing pro vs control</a:t>
+            </a:r>
+          </a:p>
+          <a:p>
+            <a:r>
+              <a:rPr lang="en-US" dirty="0" smtClean="0"/>
+              <a:t>Pro/Channel clustering results</a:t>
+            </a:r>
+          </a:p>
+          <a:p>
+            <a:r>
+              <a:rPr lang="en-US" dirty="0" smtClean="0"/>
+              <a:t>Channel </a:t>
+            </a:r>
+            <a:r>
+              <a:rPr lang="en-US" dirty="0"/>
+              <a:t>clustering for control group</a:t>
+            </a:r>
+          </a:p>
+          <a:p>
+            <a:endParaRPr lang="en-US" dirty="0"/>
+          </a:p>
+        </p:txBody>
+      </p:sp>
+    </p:spTree>
+    <p:extLst>
+      <p:ext uri="{BB962C8B-B14F-4D97-AF65-F5344CB8AC3E}">
+        <p14:creationId xmlns:p14="http://schemas.microsoft.com/office/powerpoint/2010/main" val="2076500290"/>
+      </p:ext>
+    </p:extLst>
+  </p:cSld>
+  <p:clrMapOvr>
+    <a:masterClrMapping/>
+  </p:clrMapOvr>
+  <p:timing>
+    <p:tnLst>
+      <p:par>
+        <p:cTn id="1" dur="indefinite" restart="never" nodeType="tmRoot"/>
+      </p:par>
+    </p:tnLst>
+  </p:timing>
+</p:sld>
+</file>
+
+<file path=ppt/slides/slide4.xml><?xml version="1.0" encoding="utf-8"?>
+<p:sld xmlns:a="http://schemas.openxmlformats.org/drawingml/2006/main" xmlns:r="http://schemas.openxmlformats.org/officeDocument/2006/relationships" xmlns:p="http://schemas.openxmlformats.org/presentationml/2006/main">
+  <p:cSld>
+    <p:spTree>
+      <p:nvGrpSpPr>
+        <p:cNvPr id="1" name=""/>
+        <p:cNvGrpSpPr/>
+        <p:nvPr/>
+      </p:nvGrpSpPr>
+      <p:grpSpPr>
+        <a:xfrm>
+          <a:off x="0" y="0"/>
+          <a:ext cx="0" cy="0"/>
+          <a:chOff x="0" y="0"/>
+          <a:chExt cx="0" cy="0"/>
+        </a:xfrm>
+      </p:grpSpPr>
+      <p:sp>
+        <p:nvSpPr>
+          <p:cNvPr id="2" name="Title 1"/>
+          <p:cNvSpPr>
+            <a:spLocks noGrp="1"/>
+          </p:cNvSpPr>
+          <p:nvPr>
+            <p:ph type="title"/>
+          </p:nvPr>
+        </p:nvSpPr>
+        <p:spPr/>
+        <p:txBody>
+          <a:bodyPr/>
+          <a:lstStyle/>
+          <a:p>
+            <a:r>
+              <a:rPr lang="en-US" dirty="0" smtClean="0"/>
+              <a:t>In words</a:t>
+            </a:r>
+            <a:endParaRPr lang="en-US" dirty="0"/>
+          </a:p>
+        </p:txBody>
+      </p:sp>
+      <p:sp>
+        <p:nvSpPr>
+          <p:cNvPr id="5" name="TextBox 4"/>
+          <p:cNvSpPr txBox="1"/>
+          <p:nvPr/>
+        </p:nvSpPr>
+        <p:spPr>
+          <a:xfrm>
+            <a:off x="549275" y="1225689"/>
+            <a:ext cx="8193505" cy="5632311"/>
+          </a:xfrm>
+          <a:prstGeom prst="rect">
+            <a:avLst/>
+          </a:prstGeom>
+          <a:noFill/>
+        </p:spPr>
+        <p:txBody>
+          <a:bodyPr wrap="square" rtlCol="0">
+            <a:spAutoFit/>
+          </a:bodyPr>
+          <a:lstStyle/>
+          <a:p>
+            <a:r>
+              <a:rPr lang="en-US" b="1" i="1" dirty="0"/>
+              <a:t>Ch0=Fp1,attention</a:t>
+            </a:r>
+          </a:p>
+          <a:p>
+            <a:r>
+              <a:rPr lang="en-US" b="1" i="1" dirty="0"/>
+              <a:t>Ch1=Fp2, </a:t>
+            </a:r>
+            <a:r>
+              <a:rPr lang="en-US" b="1" i="1" dirty="0" err="1"/>
+              <a:t>judgement</a:t>
+            </a:r>
+            <a:endParaRPr lang="en-US" b="1" i="1" dirty="0"/>
+          </a:p>
+          <a:p>
+            <a:r>
+              <a:rPr lang="en-US" b="1" i="1" dirty="0"/>
+              <a:t>Ch2=</a:t>
+            </a:r>
+            <a:r>
+              <a:rPr lang="en-US" b="1" i="1" dirty="0" err="1"/>
+              <a:t>Fz</a:t>
+            </a:r>
+            <a:r>
+              <a:rPr lang="en-US" b="1" i="1" dirty="0"/>
+              <a:t>, working memory/absent </a:t>
+            </a:r>
+            <a:r>
+              <a:rPr lang="en-US" b="1" i="1" dirty="0" err="1"/>
+              <a:t>mindness</a:t>
+            </a:r>
+            <a:endParaRPr lang="en-US" b="1" i="1" dirty="0"/>
+          </a:p>
+          <a:p>
+            <a:r>
+              <a:rPr lang="en-US" b="1" i="1" dirty="0"/>
+              <a:t>Ch3=Fc5,</a:t>
+            </a:r>
+          </a:p>
+          <a:p>
+            <a:r>
+              <a:rPr lang="cs-CZ" b="1" i="1" dirty="0"/>
+              <a:t>Ch4=Fc6,</a:t>
+            </a:r>
+          </a:p>
+          <a:p>
+            <a:r>
+              <a:rPr lang="cs-CZ" b="1" i="1" dirty="0"/>
+              <a:t>Ch5=C3,sensorimotor </a:t>
+            </a:r>
+            <a:r>
+              <a:rPr lang="cs-CZ" b="1" i="1" dirty="0" err="1"/>
+              <a:t>integration</a:t>
+            </a:r>
+            <a:r>
+              <a:rPr lang="cs-CZ" b="1" i="1" dirty="0"/>
+              <a:t>(</a:t>
+            </a:r>
+            <a:r>
+              <a:rPr lang="cs-CZ" b="1" i="1" dirty="0" err="1"/>
+              <a:t>right</a:t>
+            </a:r>
+            <a:r>
+              <a:rPr lang="cs-CZ" b="1" i="1" dirty="0"/>
+              <a:t>)</a:t>
+            </a:r>
+          </a:p>
+          <a:p>
+            <a:r>
+              <a:rPr lang="cs-CZ" b="1" i="1" dirty="0"/>
+              <a:t>Ch6=</a:t>
+            </a:r>
+            <a:r>
+              <a:rPr lang="cs-CZ" b="1" i="1" dirty="0" err="1"/>
+              <a:t>CZ,sensorimotor</a:t>
+            </a:r>
+            <a:r>
+              <a:rPr lang="cs-CZ" b="1" i="1" dirty="0"/>
+              <a:t> </a:t>
+            </a:r>
+            <a:r>
+              <a:rPr lang="cs-CZ" b="1" i="1" dirty="0" err="1"/>
+              <a:t>integration</a:t>
+            </a:r>
+            <a:r>
+              <a:rPr lang="cs-CZ" b="1" i="1" dirty="0"/>
+              <a:t>(</a:t>
+            </a:r>
+            <a:r>
+              <a:rPr lang="cs-CZ" b="1" i="1" dirty="0" err="1"/>
+              <a:t>mid</a:t>
+            </a:r>
+            <a:r>
+              <a:rPr lang="cs-CZ" b="1" i="1" dirty="0"/>
+              <a:t>)</a:t>
+            </a:r>
+          </a:p>
+          <a:p>
+            <a:r>
+              <a:rPr lang="cs-CZ" b="1" i="1" dirty="0"/>
+              <a:t>Ch7=C4,sensorimotor </a:t>
+            </a:r>
+            <a:r>
+              <a:rPr lang="cs-CZ" b="1" i="1" dirty="0" err="1"/>
+              <a:t>integration</a:t>
+            </a:r>
+            <a:r>
+              <a:rPr lang="cs-CZ" b="1" i="1" dirty="0"/>
+              <a:t>(</a:t>
+            </a:r>
+            <a:r>
+              <a:rPr lang="cs-CZ" b="1" i="1" dirty="0" err="1"/>
+              <a:t>left</a:t>
+            </a:r>
+            <a:r>
+              <a:rPr lang="cs-CZ" b="1" i="1" dirty="0"/>
+              <a:t>) </a:t>
+            </a:r>
+            <a:r>
+              <a:rPr lang="cs-CZ" b="1" i="1" dirty="0" err="1"/>
+              <a:t>upper</a:t>
+            </a:r>
+            <a:r>
+              <a:rPr lang="cs-CZ" b="1" i="1" dirty="0"/>
+              <a:t> </a:t>
+            </a:r>
+            <a:r>
+              <a:rPr lang="cs-CZ" b="1" i="1" dirty="0" err="1"/>
+              <a:t>arms</a:t>
+            </a:r>
+            <a:r>
+              <a:rPr lang="cs-CZ" b="1" i="1" dirty="0"/>
+              <a:t> </a:t>
+            </a:r>
+            <a:r>
+              <a:rPr lang="cs-CZ" b="1" i="1" dirty="0" err="1"/>
+              <a:t>hands</a:t>
+            </a:r>
+            <a:endParaRPr lang="cs-CZ" b="1" i="1" dirty="0"/>
+          </a:p>
+          <a:p>
+            <a:r>
+              <a:rPr lang="cs-CZ" b="1" i="1" dirty="0"/>
+              <a:t>Ch8=P3, </a:t>
+            </a:r>
+            <a:r>
+              <a:rPr lang="cs-CZ" b="1" i="1" dirty="0" err="1"/>
+              <a:t>cognitive</a:t>
+            </a:r>
+            <a:r>
+              <a:rPr lang="cs-CZ" b="1" i="1" dirty="0"/>
+              <a:t> </a:t>
+            </a:r>
+            <a:r>
+              <a:rPr lang="cs-CZ" b="1" i="1" dirty="0" err="1"/>
+              <a:t>processing</a:t>
+            </a:r>
+            <a:r>
+              <a:rPr lang="cs-CZ" b="1" i="1" dirty="0"/>
+              <a:t> </a:t>
+            </a:r>
+            <a:r>
+              <a:rPr lang="cs-CZ" b="1" i="1" dirty="0" err="1"/>
+              <a:t>spacial</a:t>
+            </a:r>
+            <a:r>
+              <a:rPr lang="cs-CZ" b="1" i="1" dirty="0"/>
+              <a:t> </a:t>
+            </a:r>
+            <a:r>
+              <a:rPr lang="cs-CZ" b="1" i="1" dirty="0" err="1"/>
+              <a:t>temporal</a:t>
+            </a:r>
+            <a:r>
+              <a:rPr lang="cs-CZ" b="1" i="1" dirty="0"/>
+              <a:t> </a:t>
+            </a:r>
+            <a:r>
+              <a:rPr lang="cs-CZ" b="1" i="1" dirty="0" err="1"/>
+              <a:t>info</a:t>
+            </a:r>
+            <a:r>
+              <a:rPr lang="cs-CZ" b="1" i="1" dirty="0"/>
+              <a:t> "</a:t>
+            </a:r>
+            <a:r>
+              <a:rPr lang="cs-CZ" b="1" i="1" dirty="0" err="1"/>
+              <a:t>verbal</a:t>
+            </a:r>
+            <a:r>
+              <a:rPr lang="cs-CZ" b="1" i="1" dirty="0"/>
+              <a:t> </a:t>
+            </a:r>
+            <a:r>
+              <a:rPr lang="cs-CZ" b="1" i="1" dirty="0" err="1"/>
+              <a:t>reasoning</a:t>
+            </a:r>
+            <a:r>
+              <a:rPr lang="cs-CZ" b="1" i="1" dirty="0"/>
+              <a:t>"</a:t>
+            </a:r>
+          </a:p>
+          <a:p>
+            <a:r>
+              <a:rPr lang="cs-CZ" b="1" i="1" dirty="0"/>
+              <a:t>Ch9=</a:t>
+            </a:r>
+            <a:r>
+              <a:rPr lang="cs-CZ" b="1" i="1" dirty="0" err="1"/>
+              <a:t>Pz</a:t>
+            </a:r>
+            <a:r>
+              <a:rPr lang="cs-CZ" b="1" i="1" dirty="0"/>
+              <a:t>, </a:t>
+            </a:r>
+            <a:r>
+              <a:rPr lang="cs-CZ" b="1" i="1" dirty="0" err="1"/>
+              <a:t>cognitive</a:t>
+            </a:r>
+            <a:r>
+              <a:rPr lang="cs-CZ" b="1" i="1" dirty="0"/>
+              <a:t> </a:t>
+            </a:r>
+            <a:r>
+              <a:rPr lang="cs-CZ" b="1" i="1" dirty="0" err="1"/>
+              <a:t>processing</a:t>
+            </a:r>
+            <a:endParaRPr lang="cs-CZ" b="1" i="1" dirty="0"/>
+          </a:p>
+          <a:p>
+            <a:r>
+              <a:rPr lang="cs-CZ" b="1" i="1" dirty="0"/>
+              <a:t>Ch10=P4,cognitive </a:t>
+            </a:r>
+            <a:r>
+              <a:rPr lang="cs-CZ" b="1" i="1" dirty="0" err="1"/>
+              <a:t>processing</a:t>
+            </a:r>
+            <a:r>
+              <a:rPr lang="cs-CZ" b="1" i="1" dirty="0"/>
+              <a:t> </a:t>
+            </a:r>
+            <a:r>
+              <a:rPr lang="cs-CZ" b="1" i="1" dirty="0" err="1"/>
+              <a:t>spatial</a:t>
+            </a:r>
+            <a:r>
+              <a:rPr lang="cs-CZ" b="1" i="1" dirty="0"/>
+              <a:t> </a:t>
+            </a:r>
+            <a:r>
+              <a:rPr lang="cs-CZ" b="1" i="1" dirty="0" err="1"/>
+              <a:t>temporal</a:t>
+            </a:r>
+            <a:r>
+              <a:rPr lang="cs-CZ" b="1" i="1" dirty="0"/>
+              <a:t> </a:t>
+            </a:r>
+            <a:r>
+              <a:rPr lang="cs-CZ" b="1" i="1" dirty="0" err="1"/>
+              <a:t>info</a:t>
+            </a:r>
+            <a:r>
+              <a:rPr lang="cs-CZ" b="1" i="1" dirty="0"/>
+              <a:t> "</a:t>
+            </a:r>
+            <a:r>
+              <a:rPr lang="cs-CZ" b="1" i="1" dirty="0" err="1"/>
+              <a:t>math</a:t>
+            </a:r>
+            <a:r>
+              <a:rPr lang="cs-CZ" b="1" i="1" dirty="0"/>
+              <a:t> </a:t>
+            </a:r>
+            <a:r>
+              <a:rPr lang="cs-CZ" b="1" i="1" dirty="0" err="1"/>
+              <a:t>word</a:t>
+            </a:r>
+            <a:r>
+              <a:rPr lang="cs-CZ" b="1" i="1" dirty="0"/>
+              <a:t> </a:t>
+            </a:r>
+            <a:r>
+              <a:rPr lang="cs-CZ" b="1" i="1" dirty="0" err="1"/>
+              <a:t>problem</a:t>
+            </a:r>
+            <a:r>
+              <a:rPr lang="cs-CZ" b="1" i="1" dirty="0"/>
+              <a:t>", "non-</a:t>
+            </a:r>
+            <a:r>
+              <a:rPr lang="cs-CZ" b="1" i="1" dirty="0" err="1"/>
+              <a:t>verbal</a:t>
+            </a:r>
+            <a:r>
+              <a:rPr lang="cs-CZ" b="1" i="1" dirty="0"/>
+              <a:t> </a:t>
+            </a:r>
+            <a:r>
+              <a:rPr lang="cs-CZ" b="1" i="1" dirty="0" err="1"/>
+              <a:t>reasoning</a:t>
+            </a:r>
+            <a:r>
+              <a:rPr lang="cs-CZ" b="1" i="1" dirty="0"/>
+              <a:t>" </a:t>
+            </a:r>
+          </a:p>
+          <a:p>
+            <a:r>
+              <a:rPr lang="cs-CZ" b="1" i="1" dirty="0"/>
+              <a:t>Ch11=O1, </a:t>
+            </a:r>
+            <a:r>
+              <a:rPr lang="cs-CZ" b="1" i="1" dirty="0" err="1"/>
+              <a:t>visual</a:t>
+            </a:r>
+            <a:r>
+              <a:rPr lang="cs-CZ" b="1" i="1" dirty="0"/>
+              <a:t> </a:t>
+            </a:r>
+            <a:r>
+              <a:rPr lang="cs-CZ" b="1" i="1" dirty="0" err="1"/>
+              <a:t>processing</a:t>
+            </a:r>
+            <a:r>
+              <a:rPr lang="cs-CZ" b="1" i="1" dirty="0"/>
+              <a:t> "</a:t>
+            </a:r>
+            <a:r>
+              <a:rPr lang="cs-CZ" b="1" i="1" dirty="0" err="1"/>
+              <a:t>if</a:t>
+            </a:r>
+            <a:r>
+              <a:rPr lang="cs-CZ" b="1" i="1" dirty="0"/>
+              <a:t> </a:t>
+            </a:r>
+            <a:r>
+              <a:rPr lang="cs-CZ" b="1" i="1" dirty="0" err="1"/>
+              <a:t>you</a:t>
+            </a:r>
+            <a:r>
+              <a:rPr lang="cs-CZ" b="1" i="1" dirty="0"/>
+              <a:t> </a:t>
+            </a:r>
+            <a:r>
+              <a:rPr lang="cs-CZ" b="1" i="1" dirty="0" err="1"/>
+              <a:t>want</a:t>
+            </a:r>
+            <a:r>
+              <a:rPr lang="cs-CZ" b="1" i="1" dirty="0"/>
+              <a:t> to </a:t>
+            </a:r>
+            <a:r>
+              <a:rPr lang="cs-CZ" b="1" i="1" dirty="0" err="1"/>
+              <a:t>remember</a:t>
+            </a:r>
+            <a:r>
+              <a:rPr lang="cs-CZ" b="1" i="1" dirty="0"/>
+              <a:t> </a:t>
+            </a:r>
+            <a:r>
+              <a:rPr lang="cs-CZ" b="1" i="1" dirty="0" err="1"/>
+              <a:t>first</a:t>
+            </a:r>
+            <a:r>
+              <a:rPr lang="cs-CZ" b="1" i="1" dirty="0"/>
+              <a:t> </a:t>
+            </a:r>
+            <a:r>
+              <a:rPr lang="cs-CZ" b="1" i="1" dirty="0" err="1"/>
+              <a:t>you</a:t>
+            </a:r>
+            <a:r>
+              <a:rPr lang="cs-CZ" b="1" i="1" dirty="0"/>
+              <a:t> </a:t>
+            </a:r>
+            <a:r>
+              <a:rPr lang="cs-CZ" b="1" i="1" dirty="0" err="1"/>
+              <a:t>have</a:t>
+            </a:r>
+            <a:r>
+              <a:rPr lang="cs-CZ" b="1" i="1" dirty="0"/>
+              <a:t> to </a:t>
+            </a:r>
+            <a:r>
+              <a:rPr lang="cs-CZ" b="1" i="1" dirty="0" err="1"/>
+              <a:t>see</a:t>
+            </a:r>
+            <a:r>
+              <a:rPr lang="cs-CZ" b="1" i="1" dirty="0"/>
+              <a:t> </a:t>
+            </a:r>
+            <a:r>
+              <a:rPr lang="cs-CZ" b="1" i="1" dirty="0" err="1"/>
+              <a:t>it</a:t>
+            </a:r>
+            <a:r>
+              <a:rPr lang="cs-CZ" b="1" i="1" dirty="0"/>
+              <a:t>" </a:t>
+            </a:r>
+          </a:p>
+          <a:p>
+            <a:r>
+              <a:rPr lang="cs-CZ" b="1" i="1" dirty="0"/>
+              <a:t>Ch12=O2, </a:t>
+            </a:r>
+            <a:r>
+              <a:rPr lang="cs-CZ" b="1" i="1" dirty="0" err="1"/>
+              <a:t>visual</a:t>
+            </a:r>
+            <a:r>
+              <a:rPr lang="cs-CZ" b="1" i="1" dirty="0"/>
+              <a:t> </a:t>
+            </a:r>
+            <a:r>
+              <a:rPr lang="cs-CZ" b="1" i="1" dirty="0" err="1"/>
+              <a:t>processing</a:t>
+            </a:r>
+            <a:endParaRPr lang="cs-CZ" b="1" i="1" dirty="0"/>
+          </a:p>
+          <a:p>
+            <a:r>
+              <a:rPr lang="cs-CZ" b="1" i="1" dirty="0"/>
+              <a:t>Ch13=IZ,  Oz </a:t>
+            </a:r>
+            <a:r>
+              <a:rPr lang="cs-CZ" b="1" i="1" dirty="0" err="1"/>
+              <a:t>is</a:t>
+            </a:r>
+            <a:r>
+              <a:rPr lang="cs-CZ" b="1" i="1" dirty="0"/>
+              <a:t> </a:t>
+            </a:r>
+            <a:r>
+              <a:rPr lang="cs-CZ" b="1" i="1" dirty="0" err="1"/>
+              <a:t>Incontinence</a:t>
+            </a:r>
+            <a:r>
+              <a:rPr lang="cs-CZ" b="1" i="1" dirty="0"/>
+              <a:t>. IZ </a:t>
+            </a:r>
+            <a:r>
+              <a:rPr lang="cs-CZ" b="1" i="1" dirty="0" err="1"/>
+              <a:t>is</a:t>
+            </a:r>
+            <a:r>
+              <a:rPr lang="cs-CZ" b="1" i="1" dirty="0"/>
+              <a:t> </a:t>
+            </a:r>
+            <a:r>
+              <a:rPr lang="cs-CZ" b="1" i="1" dirty="0" err="1"/>
+              <a:t>near</a:t>
+            </a:r>
+            <a:r>
+              <a:rPr lang="cs-CZ" b="1" i="1" dirty="0"/>
+              <a:t>. </a:t>
+            </a:r>
+          </a:p>
+          <a:p>
+            <a:endParaRPr lang="cs-CZ" b="1" i="1" dirty="0"/>
+          </a:p>
+          <a:p>
+            <a:r>
+              <a:rPr lang="cs-CZ" b="1" i="1" dirty="0" err="1"/>
+              <a:t>Eyes</a:t>
+            </a:r>
+            <a:r>
+              <a:rPr lang="cs-CZ" b="1" i="1" dirty="0"/>
+              <a:t>: </a:t>
+            </a:r>
+          </a:p>
+          <a:p>
+            <a:r>
+              <a:rPr lang="fi-FI" b="1" i="1" dirty="0"/>
+              <a:t>Ch14=E1,</a:t>
+            </a:r>
+          </a:p>
+          <a:p>
+            <a:r>
+              <a:rPr lang="fi-FI" b="1" i="1" dirty="0"/>
+              <a:t>Ch15=E2,</a:t>
+            </a:r>
+            <a:endParaRPr lang="en-US" dirty="0"/>
+          </a:p>
+        </p:txBody>
+      </p:sp>
+      <p:sp>
+        <p:nvSpPr>
+          <p:cNvPr id="6" name="TextBox 5"/>
+          <p:cNvSpPr txBox="1"/>
+          <p:nvPr/>
+        </p:nvSpPr>
+        <p:spPr>
+          <a:xfrm>
+            <a:off x="5029199" y="5257800"/>
+            <a:ext cx="3245544" cy="369332"/>
+          </a:xfrm>
+          <a:prstGeom prst="rect">
+            <a:avLst/>
+          </a:prstGeom>
+          <a:noFill/>
+        </p:spPr>
+        <p:txBody>
+          <a:bodyPr wrap="square" rtlCol="0">
+            <a:spAutoFit/>
+          </a:bodyPr>
+          <a:lstStyle/>
+          <a:p>
+            <a:r>
+              <a:rPr lang="en-US" dirty="0" smtClean="0"/>
+              <a:t>Groupings: 567, 8910,1112</a:t>
+            </a:r>
+            <a:endParaRPr lang="en-US" dirty="0"/>
+          </a:p>
+        </p:txBody>
+      </p:sp>
+      <p:sp>
+        <p:nvSpPr>
+          <p:cNvPr id="7" name="TextBox 6"/>
+          <p:cNvSpPr txBox="1"/>
+          <p:nvPr/>
+        </p:nvSpPr>
+        <p:spPr>
+          <a:xfrm>
+            <a:off x="5029199" y="5627132"/>
+            <a:ext cx="6593305" cy="923330"/>
+          </a:xfrm>
+          <a:prstGeom prst="rect">
+            <a:avLst/>
+          </a:prstGeom>
+          <a:noFill/>
+        </p:spPr>
+        <p:txBody>
+          <a:bodyPr wrap="square" rtlCol="0">
+            <a:spAutoFit/>
+          </a:bodyPr>
+          <a:lstStyle/>
+          <a:p>
+            <a:r>
+              <a:rPr lang="en-US" dirty="0" smtClean="0"/>
+              <a:t>Functions: Sensorimotor integration</a:t>
+            </a:r>
+          </a:p>
+          <a:p>
+            <a:r>
+              <a:rPr lang="en-US" dirty="0"/>
+              <a:t>	 </a:t>
+            </a:r>
+            <a:r>
+              <a:rPr lang="en-US" dirty="0" smtClean="0"/>
+              <a:t>   Cognitive processing</a:t>
+            </a:r>
+          </a:p>
+          <a:p>
+            <a:r>
+              <a:rPr lang="en-US" dirty="0"/>
+              <a:t>	 </a:t>
+            </a:r>
+            <a:r>
+              <a:rPr lang="en-US" dirty="0" smtClean="0"/>
+              <a:t>   Visual processing</a:t>
+            </a:r>
+            <a:endParaRPr lang="en-US" dirty="0"/>
+          </a:p>
+        </p:txBody>
+      </p:sp>
+    </p:spTree>
+    <p:extLst>
+      <p:ext uri="{BB962C8B-B14F-4D97-AF65-F5344CB8AC3E}">
+        <p14:creationId xmlns:p14="http://schemas.microsoft.com/office/powerpoint/2010/main" val="1062462495"/>
+      </p:ext>
+    </p:extLst>
+  </p:cSld>
+  <p:clrMapOvr>
+    <a:masterClrMapping/>
+  </p:clrMapOvr>
+  <mc:AlternateContent xmlns:mc="http://schemas.openxmlformats.org/markup-compatibility/2006">
+    <mc:Choice xmlns:p14="http://schemas.microsoft.com/office/powerpoint/2010/main" Requires="p14">
+      <p:transition spd="slow" p14:dur="2000"/>
+    </mc:Choice>
+    <mc:Fallback>
+      <p:transition spd="slow"/>
+    </mc:Fallback>
+  </mc:AlternateContent>
+  <p:timing>
+    <p:tnLst>
+      <p:par>
+        <p:cTn id="1" dur="indefinite" restart="never" nodeType="tmRoot"/>
+      </p:par>
+    </p:tnLst>
+  </p:timing>
+</p:sld>
+</file>
+
+<file path=ppt/slides/slide5.xml><?xml version="1.0" encoding="utf-8"?>
+<p:sld xmlns:a="http://schemas.openxmlformats.org/drawingml/2006/main" xmlns:r="http://schemas.openxmlformats.org/officeDocument/2006/relationships" xmlns:p="http://schemas.openxmlformats.org/presentationml/2006/main">
+  <p:cSld>
+    <p:spTree>
+      <p:nvGrpSpPr>
+        <p:cNvPr id="1" name=""/>
+        <p:cNvGrpSpPr/>
+        <p:nvPr/>
+      </p:nvGrpSpPr>
+      <p:grpSpPr>
+        <a:xfrm>
+          <a:off x="0" y="0"/>
+          <a:ext cx="0" cy="0"/>
+          <a:chOff x="0" y="0"/>
+          <a:chExt cx="0" cy="0"/>
+        </a:xfrm>
+      </p:grpSpPr>
+      <p:sp>
+        <p:nvSpPr>
+          <p:cNvPr id="2" name="Title 1"/>
+          <p:cNvSpPr>
+            <a:spLocks noGrp="1"/>
+          </p:cNvSpPr>
+          <p:nvPr>
+            <p:ph type="title"/>
+          </p:nvPr>
+        </p:nvSpPr>
+        <p:spPr/>
+        <p:txBody>
+          <a:bodyPr/>
+          <a:lstStyle/>
+          <a:p>
+            <a:r>
+              <a:rPr lang="en-US" dirty="0" smtClean="0">
+                <a:hlinkClick r:id="rId2" action="ppaction://hlinksldjump"/>
+              </a:rPr>
+              <a:t>New brain map </a:t>
+            </a:r>
+            <a:r>
+              <a:rPr lang="en-US" dirty="0" smtClean="0"/>
+              <a:t>&amp; grouping</a:t>
+            </a:r>
+            <a:endParaRPr lang="en-US" dirty="0"/>
+          </a:p>
+        </p:txBody>
+      </p:sp>
+      <p:pic>
+        <p:nvPicPr>
+          <p:cNvPr id="4" name="Content Placeholder 3"/>
+          <p:cNvPicPr>
+            <a:picLocks noGrp="1" noChangeAspect="1"/>
+          </p:cNvPicPr>
+          <p:nvPr>
+            <p:ph idx="1"/>
+          </p:nvPr>
+        </p:nvPicPr>
+        <p:blipFill>
+          <a:blip r:embed="rId3">
+            <a:extLst>
+              <a:ext uri="{28A0092B-C50C-407E-A947-70E740481C1C}">
+                <a14:useLocalDpi xmlns:a14="http://schemas.microsoft.com/office/drawing/2010/main" val="0"/>
+              </a:ext>
+            </a:extLst>
+          </a:blip>
+          <a:stretch>
+            <a:fillRect/>
+          </a:stretch>
+        </p:blipFill>
+        <p:spPr>
+          <a:xfrm>
+            <a:off x="549275" y="1732548"/>
+            <a:ext cx="4549132" cy="3152273"/>
+          </a:xfrm>
+        </p:spPr>
+      </p:pic>
+      <p:pic>
+        <p:nvPicPr>
+          <p:cNvPr id="5" name="Content Placeholder 3"/>
+          <p:cNvPicPr>
+            <a:picLocks noChangeAspect="1"/>
+          </p:cNvPicPr>
+          <p:nvPr/>
+        </p:nvPicPr>
+        <p:blipFill>
+          <a:blip r:embed="rId4">
+            <a:extLst>
+              <a:ext uri="{28A0092B-C50C-407E-A947-70E740481C1C}">
+                <a14:useLocalDpi xmlns:a14="http://schemas.microsoft.com/office/drawing/2010/main" val="0"/>
+              </a:ext>
+            </a:extLst>
+          </a:blip>
+          <a:stretch>
+            <a:fillRect/>
+          </a:stretch>
+        </p:blipFill>
+        <p:spPr>
+          <a:xfrm>
+            <a:off x="5098407" y="1732547"/>
+            <a:ext cx="4203032" cy="3152274"/>
+          </a:xfrm>
+          <a:prstGeom prst="rect">
+            <a:avLst/>
+          </a:prstGeom>
+        </p:spPr>
+      </p:pic>
+      <p:sp>
+        <p:nvSpPr>
+          <p:cNvPr id="7" name="TextBox 6"/>
+          <p:cNvSpPr txBox="1"/>
+          <p:nvPr/>
+        </p:nvSpPr>
+        <p:spPr>
+          <a:xfrm>
+            <a:off x="1852863" y="5137484"/>
+            <a:ext cx="3245544" cy="369332"/>
+          </a:xfrm>
+          <a:prstGeom prst="rect">
+            <a:avLst/>
+          </a:prstGeom>
+          <a:noFill/>
+        </p:spPr>
+        <p:txBody>
+          <a:bodyPr wrap="square" rtlCol="0">
+            <a:spAutoFit/>
+          </a:bodyPr>
+          <a:lstStyle/>
+          <a:p>
+            <a:r>
+              <a:rPr lang="en-US" dirty="0" smtClean="0"/>
+              <a:t>Groupings: 567, 8910,1112</a:t>
+            </a:r>
+            <a:endParaRPr lang="en-US" dirty="0"/>
+          </a:p>
+        </p:txBody>
+      </p:sp>
+      <p:sp>
+        <p:nvSpPr>
+          <p:cNvPr id="8" name="TextBox 7"/>
+          <p:cNvSpPr txBox="1"/>
+          <p:nvPr/>
+        </p:nvSpPr>
+        <p:spPr>
+          <a:xfrm>
+            <a:off x="1852863" y="5506816"/>
+            <a:ext cx="6593305" cy="923330"/>
+          </a:xfrm>
+          <a:prstGeom prst="rect">
+            <a:avLst/>
+          </a:prstGeom>
+          <a:noFill/>
+        </p:spPr>
+        <p:txBody>
+          <a:bodyPr wrap="square" rtlCol="0">
+            <a:spAutoFit/>
+          </a:bodyPr>
+          <a:lstStyle/>
+          <a:p>
+            <a:r>
+              <a:rPr lang="en-US" dirty="0" smtClean="0"/>
+              <a:t>Functions: Sensorimotor integration</a:t>
+            </a:r>
+          </a:p>
+          <a:p>
+            <a:r>
+              <a:rPr lang="en-US" dirty="0"/>
+              <a:t>	 </a:t>
+            </a:r>
+            <a:r>
+              <a:rPr lang="en-US" dirty="0" smtClean="0"/>
+              <a:t>   Cognitive processing</a:t>
+            </a:r>
+          </a:p>
+          <a:p>
+            <a:r>
+              <a:rPr lang="en-US" dirty="0"/>
+              <a:t>	 </a:t>
+            </a:r>
+            <a:r>
+              <a:rPr lang="en-US" dirty="0" smtClean="0"/>
+              <a:t>   Visual processing</a:t>
+            </a:r>
+            <a:endParaRPr lang="en-US" dirty="0"/>
+          </a:p>
+        </p:txBody>
+      </p:sp>
+    </p:spTree>
+    <p:extLst>
+      <p:ext uri="{BB962C8B-B14F-4D97-AF65-F5344CB8AC3E}">
+        <p14:creationId xmlns:p14="http://schemas.microsoft.com/office/powerpoint/2010/main" val="776597696"/>
+      </p:ext>
+    </p:extLst>
+  </p:cSld>
+  <p:clrMapOvr>
+    <a:masterClrMapping/>
+  </p:clrMapOvr>
+  <p:timing>
+    <p:tnLst>
+      <p:par>
+        <p:cTn id="1" dur="indefinite" restart="never" nodeType="tmRoot"/>
+      </p:par>
+    </p:tnLst>
+  </p:timing>
+</p:sld>
+</file>
+
+<file path=ppt/slides/slide6.xml><?xml version="1.0" encoding="utf-8"?>
+<p:sld xmlns:a="http://schemas.openxmlformats.org/drawingml/2006/main" xmlns:r="http://schemas.openxmlformats.org/officeDocument/2006/relationships" xmlns:p="http://schemas.openxmlformats.org/presentationml/2006/main">
+  <p:cSld>
+    <p:spTree>
+      <p:nvGrpSpPr>
+        <p:cNvPr id="1" name=""/>
+        <p:cNvGrpSpPr/>
+        <p:nvPr/>
+      </p:nvGrpSpPr>
+      <p:grpSpPr>
+        <a:xfrm>
+          <a:off x="0" y="0"/>
+          <a:ext cx="0" cy="0"/>
+          <a:chOff x="0" y="0"/>
+          <a:chExt cx="0" cy="0"/>
+        </a:xfrm>
+      </p:grpSpPr>
+      <p:sp>
+        <p:nvSpPr>
+          <p:cNvPr id="2" name="Title 1"/>
+          <p:cNvSpPr>
+            <a:spLocks noGrp="1"/>
+          </p:cNvSpPr>
+          <p:nvPr>
+            <p:ph type="title"/>
+          </p:nvPr>
+        </p:nvSpPr>
+        <p:spPr/>
+        <p:txBody>
+          <a:bodyPr/>
+          <a:lstStyle/>
+          <a:p>
+            <a:r>
+              <a:rPr lang="en-US" dirty="0" smtClean="0"/>
+              <a:t>2-channel </a:t>
+            </a:r>
+            <a:r>
+              <a:rPr lang="en-US" dirty="0" err="1" smtClean="0"/>
+              <a:t>Heatm</a:t>
+            </a:r>
+            <a:r>
+              <a:rPr lang="en-US" altLang="zh-CN" dirty="0" err="1" smtClean="0"/>
+              <a:t>a</a:t>
+            </a:r>
+            <a:r>
+              <a:rPr lang="en-US" dirty="0" err="1" smtClean="0"/>
+              <a:t>p</a:t>
+            </a:r>
+            <a:endParaRPr lang="en-US" dirty="0"/>
+          </a:p>
+        </p:txBody>
+      </p:sp>
+      <p:pic>
+        <p:nvPicPr>
+          <p:cNvPr id="4" name="Content Placeholder 3" descr="heatmap_channelsCrossAthelets_compensate19.png"/>
+          <p:cNvPicPr>
+            <a:picLocks noGrp="1" noChangeAspect="1"/>
+          </p:cNvPicPr>
+          <p:nvPr>
+            <p:ph idx="1"/>
+          </p:nvPr>
+        </p:nvPicPr>
+        <p:blipFill>
+          <a:blip r:embed="rId2" cstate="email">
+            <a:extLst>
+              <a:ext uri="{28A0092B-C50C-407E-A947-70E740481C1C}">
+                <a14:useLocalDpi xmlns:a14="http://schemas.microsoft.com/office/drawing/2010/main" val="0"/>
+              </a:ext>
+            </a:extLst>
+          </a:blip>
+          <a:srcRect l="-19435" r="-19435"/>
+          <a:stretch>
+            <a:fillRect/>
+          </a:stretch>
+        </p:blipFill>
+        <p:spPr>
+          <a:xfrm>
+            <a:off x="-1102196" y="1444532"/>
+            <a:ext cx="7270385" cy="3926524"/>
+          </a:xfrm>
+        </p:spPr>
+      </p:pic>
+      <p:pic>
+        <p:nvPicPr>
+          <p:cNvPr id="5" name="Picture 4" descr="channelsCrossAthelets60_15_allData.dat.png"/>
+          <p:cNvPicPr>
+            <a:picLocks noChangeAspect="1"/>
+          </p:cNvPicPr>
+          <p:nvPr/>
+        </p:nvPicPr>
+        <p:blipFill>
+          <a:blip r:embed="rId3" cstate="email">
+            <a:extLst>
+              <a:ext uri="{28A0092B-C50C-407E-A947-70E740481C1C}">
+                <a14:useLocalDpi xmlns:a14="http://schemas.microsoft.com/office/drawing/2010/main" val="0"/>
+              </a:ext>
+            </a:extLst>
+          </a:blip>
+          <a:stretch>
+            <a:fillRect/>
+          </a:stretch>
+        </p:blipFill>
+        <p:spPr>
+          <a:xfrm>
+            <a:off x="4293679" y="1661998"/>
+            <a:ext cx="5126388" cy="3844791"/>
+          </a:xfrm>
+          <a:prstGeom prst="rect">
+            <a:avLst/>
+          </a:prstGeom>
+        </p:spPr>
+      </p:pic>
+      <p:sp>
+        <p:nvSpPr>
+          <p:cNvPr id="6" name="TextBox 5"/>
+          <p:cNvSpPr txBox="1"/>
+          <p:nvPr/>
+        </p:nvSpPr>
+        <p:spPr>
+          <a:xfrm>
+            <a:off x="1549732" y="5642523"/>
+            <a:ext cx="6956315" cy="369332"/>
+          </a:xfrm>
+          <a:prstGeom prst="rect">
+            <a:avLst/>
+          </a:prstGeom>
+          <a:noFill/>
+        </p:spPr>
+        <p:txBody>
+          <a:bodyPr wrap="square" rtlCol="0">
+            <a:spAutoFit/>
+          </a:bodyPr>
+          <a:lstStyle/>
+          <a:p>
+            <a:r>
+              <a:rPr lang="en-US" dirty="0" smtClean="0"/>
+              <a:t>Data </a:t>
+            </a:r>
+            <a:r>
+              <a:rPr lang="en-US" dirty="0" smtClean="0">
+                <a:hlinkClick r:id="rId4" action="ppaction://hlinkfile"/>
+              </a:rPr>
+              <a:t>source</a:t>
+            </a:r>
+            <a:r>
+              <a:rPr lang="en-US" dirty="0" smtClean="0"/>
+              <a:t>. Note: lighter color = closer on </a:t>
+            </a:r>
+            <a:r>
+              <a:rPr lang="en-US" dirty="0" err="1" smtClean="0"/>
+              <a:t>heatmap</a:t>
+            </a:r>
+            <a:endParaRPr lang="en-US" dirty="0"/>
+          </a:p>
+        </p:txBody>
+      </p:sp>
+      <p:pic>
+        <p:nvPicPr>
+          <p:cNvPr id="7" name="Content Placeholder 3"/>
+          <p:cNvPicPr>
+            <a:picLocks noChangeAspect="1"/>
+          </p:cNvPicPr>
+          <p:nvPr/>
+        </p:nvPicPr>
+        <p:blipFill>
+          <a:blip r:embed="rId5">
+            <a:extLst>
+              <a:ext uri="{28A0092B-C50C-407E-A947-70E740481C1C}">
+                <a14:useLocalDpi xmlns:a14="http://schemas.microsoft.com/office/drawing/2010/main" val="0"/>
+              </a:ext>
+            </a:extLst>
+          </a:blip>
+          <a:stretch>
+            <a:fillRect/>
+          </a:stretch>
+        </p:blipFill>
+        <p:spPr>
+          <a:xfrm>
+            <a:off x="5482389" y="-272123"/>
+            <a:ext cx="3372652" cy="2529489"/>
+          </a:xfrm>
+          <a:prstGeom prst="rect">
+            <a:avLst/>
+          </a:prstGeom>
+        </p:spPr>
+      </p:pic>
+    </p:spTree>
+    <p:extLst>
+      <p:ext uri="{BB962C8B-B14F-4D97-AF65-F5344CB8AC3E}">
+        <p14:creationId xmlns:p14="http://schemas.microsoft.com/office/powerpoint/2010/main" val="151657476"/>
+      </p:ext>
+    </p:extLst>
+  </p:cSld>
+  <p:clrMapOvr>
+    <a:masterClrMapping/>
+  </p:clrMapOvr>
+  <p:timing>
+    <p:tnLst>
+      <p:par>
+        <p:cTn id="1" dur="indefinite" restart="never" nodeType="tmRoot"/>
+      </p:par>
+    </p:tnLst>
+  </p:timing>
+</p:sld>
+</file>
+
+<file path=ppt/slides/slide7.xml><?xml version="1.0" encoding="utf-8"?>
+<p:sld xmlns:a="http://schemas.openxmlformats.org/drawingml/2006/main" xmlns:r="http://schemas.openxmlformats.org/officeDocument/2006/relationships" xmlns:p="http://schemas.openxmlformats.org/presentationml/2006/main">
+  <p:cSld>
+    <p:spTree>
+      <p:nvGrpSpPr>
+        <p:cNvPr id="1" name=""/>
+        <p:cNvGrpSpPr/>
+        <p:nvPr/>
+      </p:nvGrpSpPr>
+      <p:grpSpPr>
+        <a:xfrm>
+          <a:off x="0" y="0"/>
+          <a:ext cx="0" cy="0"/>
+          <a:chOff x="0" y="0"/>
+          <a:chExt cx="0" cy="0"/>
+        </a:xfrm>
+      </p:grpSpPr>
+      <p:sp>
+        <p:nvSpPr>
+          <p:cNvPr id="2" name="Title 1"/>
+          <p:cNvSpPr>
+            <a:spLocks noGrp="1"/>
+          </p:cNvSpPr>
+          <p:nvPr>
+            <p:ph type="title"/>
+          </p:nvPr>
+        </p:nvSpPr>
+        <p:spPr/>
+        <p:txBody>
+          <a:bodyPr/>
+          <a:lstStyle/>
+          <a:p>
+            <a:r>
+              <a:rPr lang="en-US" dirty="0" smtClean="0"/>
+              <a:t>2 Channel clustering for control group</a:t>
+            </a:r>
+            <a:endParaRPr lang="en-US" dirty="0"/>
+          </a:p>
+        </p:txBody>
+      </p:sp>
+      <p:pic>
+        <p:nvPicPr>
+          <p:cNvPr id="6" name="Content Placeholder 5"/>
+          <p:cNvPicPr>
+            <a:picLocks noGrp="1" noChangeAspect="1"/>
+          </p:cNvPicPr>
+          <p:nvPr>
+            <p:ph idx="1"/>
+          </p:nvPr>
+        </p:nvPicPr>
+        <p:blipFill>
+          <a:blip r:embed="rId2">
+            <a:extLst>
+              <a:ext uri="{28A0092B-C50C-407E-A947-70E740481C1C}">
+                <a14:useLocalDpi xmlns:a14="http://schemas.microsoft.com/office/drawing/2010/main" val="0"/>
+              </a:ext>
+            </a:extLst>
+          </a:blip>
+          <a:stretch>
+            <a:fillRect/>
+          </a:stretch>
+        </p:blipFill>
+        <p:spPr>
+          <a:xfrm>
+            <a:off x="4864935" y="1444532"/>
+            <a:ext cx="3064043" cy="2298032"/>
+          </a:xfrm>
+        </p:spPr>
+      </p:pic>
+      <p:pic>
+        <p:nvPicPr>
+          <p:cNvPr id="7" name="Picture 6"/>
+          <p:cNvPicPr>
+            <a:picLocks noChangeAspect="1"/>
+          </p:cNvPicPr>
+          <p:nvPr/>
+        </p:nvPicPr>
+        <p:blipFill>
+          <a:blip r:embed="rId3">
+            <a:extLst>
+              <a:ext uri="{28A0092B-C50C-407E-A947-70E740481C1C}">
+                <a14:useLocalDpi xmlns:a14="http://schemas.microsoft.com/office/drawing/2010/main" val="0"/>
+              </a:ext>
+            </a:extLst>
+          </a:blip>
+          <a:stretch>
+            <a:fillRect/>
+          </a:stretch>
+        </p:blipFill>
+        <p:spPr>
+          <a:xfrm>
+            <a:off x="288758" y="1444532"/>
+            <a:ext cx="2983831" cy="2237873"/>
+          </a:xfrm>
+          <a:prstGeom prst="rect">
+            <a:avLst/>
+          </a:prstGeom>
+        </p:spPr>
+      </p:pic>
+      <p:pic>
+        <p:nvPicPr>
+          <p:cNvPr id="8" name="Content Placeholder 3" descr="heatmap_channelsCrossAthelets_compensate19.png"/>
+          <p:cNvPicPr>
+            <a:picLocks noChangeAspect="1"/>
+          </p:cNvPicPr>
+          <p:nvPr/>
+        </p:nvPicPr>
+        <p:blipFill>
+          <a:blip r:embed="rId4" cstate="email">
+            <a:extLst>
+              <a:ext uri="{28A0092B-C50C-407E-A947-70E740481C1C}">
+                <a14:useLocalDpi xmlns:a14="http://schemas.microsoft.com/office/drawing/2010/main" val="0"/>
+              </a:ext>
+            </a:extLst>
+          </a:blip>
+          <a:srcRect l="-19435" r="-19435"/>
+          <a:stretch>
+            <a:fillRect/>
+          </a:stretch>
+        </p:blipFill>
+        <p:spPr>
+          <a:xfrm>
+            <a:off x="-306902" y="3891922"/>
+            <a:ext cx="4175149" cy="2254877"/>
+          </a:xfrm>
+          <a:prstGeom prst="rect">
+            <a:avLst/>
+          </a:prstGeom>
+        </p:spPr>
+      </p:pic>
+      <p:pic>
+        <p:nvPicPr>
+          <p:cNvPr id="9" name="Picture 8" descr="channelsCrossAthelets60_15_allData.dat.png"/>
+          <p:cNvPicPr>
+            <a:picLocks noChangeAspect="1"/>
+          </p:cNvPicPr>
+          <p:nvPr/>
+        </p:nvPicPr>
+        <p:blipFill>
+          <a:blip r:embed="rId5" cstate="email">
+            <a:extLst>
+              <a:ext uri="{28A0092B-C50C-407E-A947-70E740481C1C}">
+                <a14:useLocalDpi xmlns:a14="http://schemas.microsoft.com/office/drawing/2010/main" val="0"/>
+              </a:ext>
+            </a:extLst>
+          </a:blip>
+          <a:stretch>
+            <a:fillRect/>
+          </a:stretch>
+        </p:blipFill>
+        <p:spPr>
+          <a:xfrm>
+            <a:off x="4864934" y="3891922"/>
+            <a:ext cx="3064043" cy="2298032"/>
+          </a:xfrm>
+          <a:prstGeom prst="rect">
+            <a:avLst/>
+          </a:prstGeom>
+        </p:spPr>
+      </p:pic>
+      <p:sp>
+        <p:nvSpPr>
+          <p:cNvPr id="10" name="TextBox 9"/>
+          <p:cNvSpPr txBox="1"/>
+          <p:nvPr/>
+        </p:nvSpPr>
+        <p:spPr>
+          <a:xfrm>
+            <a:off x="3569451" y="1576961"/>
+            <a:ext cx="998621" cy="646331"/>
+          </a:xfrm>
+          <a:prstGeom prst="rect">
+            <a:avLst/>
+          </a:prstGeom>
+          <a:noFill/>
+        </p:spPr>
+        <p:txBody>
+          <a:bodyPr wrap="square" rtlCol="0">
+            <a:spAutoFit/>
+          </a:bodyPr>
+          <a:lstStyle/>
+          <a:p>
+            <a:r>
+              <a:rPr lang="en-US" dirty="0" smtClean="0"/>
+              <a:t>Control group</a:t>
+            </a:r>
+            <a:endParaRPr lang="en-US" dirty="0"/>
+          </a:p>
+        </p:txBody>
+      </p:sp>
+      <p:sp>
+        <p:nvSpPr>
+          <p:cNvPr id="11" name="TextBox 10"/>
+          <p:cNvSpPr txBox="1"/>
+          <p:nvPr/>
+        </p:nvSpPr>
+        <p:spPr>
+          <a:xfrm>
+            <a:off x="3660412" y="5149516"/>
+            <a:ext cx="816698" cy="646331"/>
+          </a:xfrm>
+          <a:prstGeom prst="rect">
+            <a:avLst/>
+          </a:prstGeom>
+          <a:noFill/>
+        </p:spPr>
+        <p:txBody>
+          <a:bodyPr wrap="none" rtlCol="0">
+            <a:spAutoFit/>
+          </a:bodyPr>
+          <a:lstStyle/>
+          <a:p>
+            <a:r>
+              <a:rPr lang="en-US" dirty="0" smtClean="0"/>
+              <a:t>Pro </a:t>
+            </a:r>
+          </a:p>
+          <a:p>
+            <a:r>
+              <a:rPr lang="en-US" dirty="0" smtClean="0"/>
+              <a:t>group</a:t>
+            </a:r>
+            <a:endParaRPr lang="en-US" dirty="0"/>
+          </a:p>
+        </p:txBody>
+      </p:sp>
+      <p:pic>
+        <p:nvPicPr>
+          <p:cNvPr id="12" name="Content Placeholder 3"/>
+          <p:cNvPicPr>
+            <a:picLocks noChangeAspect="1"/>
+          </p:cNvPicPr>
+          <p:nvPr/>
+        </p:nvPicPr>
+        <p:blipFill>
+          <a:blip r:embed="rId6">
+            <a:extLst>
+              <a:ext uri="{28A0092B-C50C-407E-A947-70E740481C1C}">
+                <a14:useLocalDpi xmlns:a14="http://schemas.microsoft.com/office/drawing/2010/main" val="0"/>
+              </a:ext>
+            </a:extLst>
+          </a:blip>
+          <a:stretch>
+            <a:fillRect/>
+          </a:stretch>
+        </p:blipFill>
+        <p:spPr>
+          <a:xfrm>
+            <a:off x="2786101" y="3017753"/>
+            <a:ext cx="2078833" cy="1559125"/>
+          </a:xfrm>
+          <a:prstGeom prst="rect">
+            <a:avLst/>
+          </a:prstGeom>
+        </p:spPr>
+      </p:pic>
+    </p:spTree>
+    <p:extLst>
+      <p:ext uri="{BB962C8B-B14F-4D97-AF65-F5344CB8AC3E}">
+        <p14:creationId xmlns:p14="http://schemas.microsoft.com/office/powerpoint/2010/main" val="1239892253"/>
+      </p:ext>
+    </p:extLst>
+  </p:cSld>
+  <p:clrMapOvr>
+    <a:masterClrMapping/>
+  </p:clrMapOvr>
+  <p:timing>
+    <p:tnLst>
+      <p:par>
+        <p:cTn id="1" dur="indefinite" restart="never" nodeType="tmRoot"/>
+      </p:par>
+    </p:tnLst>
+  </p:timing>
+</p:sld>
+</file>
+
+<file path=ppt/slides/slide8.xml><?xml version="1.0" encoding="utf-8"?>
+<p:sld xmlns:a="http://schemas.openxmlformats.org/drawingml/2006/main" xmlns:r="http://schemas.openxmlformats.org/officeDocument/2006/relationships" xmlns:p="http://schemas.openxmlformats.org/presentationml/2006/main">
+  <p:cSld>
+    <p:spTree>
+      <p:nvGrpSpPr>
+        <p:cNvPr id="1" name=""/>
+        <p:cNvGrpSpPr/>
+        <p:nvPr/>
+      </p:nvGrpSpPr>
+      <p:grpSpPr>
+        <a:xfrm>
+          <a:off x="0" y="0"/>
+          <a:ext cx="0" cy="0"/>
+          <a:chOff x="0" y="0"/>
+          <a:chExt cx="0" cy="0"/>
+        </a:xfrm>
+      </p:grpSpPr>
+      <p:sp>
+        <p:nvSpPr>
+          <p:cNvPr id="2" name="Title 1"/>
+          <p:cNvSpPr>
+            <a:spLocks noGrp="1"/>
+          </p:cNvSpPr>
+          <p:nvPr>
+            <p:ph type="title"/>
+          </p:nvPr>
+        </p:nvSpPr>
+        <p:spPr/>
+        <p:txBody>
+          <a:bodyPr/>
+          <a:lstStyle/>
+          <a:p>
+            <a:r>
+              <a:rPr lang="en-US" dirty="0" smtClean="0"/>
+              <a:t>3Channel clustering</a:t>
+            </a:r>
+            <a:endParaRPr lang="en-US" dirty="0"/>
+          </a:p>
+        </p:txBody>
+      </p:sp>
+      <p:graphicFrame>
+        <p:nvGraphicFramePr>
+          <p:cNvPr id="4" name="Content Placeholder 3"/>
+          <p:cNvGraphicFramePr>
+            <a:graphicFrameLocks noGrp="1"/>
+          </p:cNvGraphicFramePr>
+          <p:nvPr>
+            <p:ph idx="1"/>
+            <p:extLst>
+              <p:ext uri="{D42A27DB-BD31-4B8C-83A1-F6EECF244321}">
+                <p14:modId xmlns:p14="http://schemas.microsoft.com/office/powerpoint/2010/main" val="2122068855"/>
+              </p:ext>
+            </p:extLst>
+          </p:nvPr>
+        </p:nvGraphicFramePr>
+        <p:xfrm>
+          <a:off x="1358114" y="1600200"/>
+          <a:ext cx="2526364" cy="4343400"/>
+        </p:xfrm>
+        <a:graphic>
+          <a:graphicData uri="http://schemas.openxmlformats.org/drawingml/2006/table">
+            <a:tbl>
+              <a:tblPr/>
+              <a:tblGrid>
+                <a:gridCol w="631591"/>
+                <a:gridCol w="631591"/>
+                <a:gridCol w="631591"/>
+                <a:gridCol w="631591"/>
+              </a:tblGrid>
+              <a:tr h="289560">
+                <a:tc>
+                  <a:txBody>
+                    <a:bodyPr/>
+                    <a:lstStyle/>
+                    <a:p>
+                      <a:pPr algn="r" fontAlgn="b"/>
+                      <a:r>
+                        <a:rPr lang="en-US" sz="900" b="0" i="0" u="none" strike="noStrike">
+                          <a:solidFill>
+                            <a:srgbClr val="000000"/>
+                          </a:solidFill>
+                          <a:effectLst/>
+                          <a:latin typeface="Calibri" charset="0"/>
+                        </a:rPr>
+                        <a:t>9</a:t>
+                      </a:r>
+                    </a:p>
+                  </a:txBody>
+                  <a:tcPr marL="9717" marR="9717" marT="9717" marB="0" anchor="b">
+                    <a:lnL>
+                      <a:noFill/>
+                    </a:lnL>
+                    <a:lnR>
+                      <a:noFill/>
+                    </a:lnR>
+                    <a:lnT>
+                      <a:noFill/>
+                    </a:lnT>
+                    <a:lnB>
+                      <a:noFill/>
+                    </a:lnB>
+                  </a:tcPr>
+                </a:tc>
+                <a:tc>
+                  <a:txBody>
+                    <a:bodyPr/>
+                    <a:lstStyle/>
+                    <a:p>
+                      <a:pPr algn="r" fontAlgn="b"/>
+                      <a:r>
+                        <a:rPr lang="cs-CZ" sz="900" b="0" i="0" u="none" strike="noStrike">
+                          <a:solidFill>
+                            <a:srgbClr val="000000"/>
+                          </a:solidFill>
+                          <a:effectLst/>
+                          <a:latin typeface="Calibri" charset="0"/>
+                        </a:rPr>
+                        <a:t>11</a:t>
+                      </a:r>
+                    </a:p>
+                  </a:txBody>
+                  <a:tcPr marL="9717" marR="9717" marT="9717" marB="0" anchor="b">
+                    <a:lnL>
+                      <a:noFill/>
+                    </a:lnL>
+                    <a:lnR>
+                      <a:noFill/>
+                    </a:lnR>
+                    <a:lnT>
+                      <a:noFill/>
+                    </a:lnT>
+                    <a:lnB>
+                      <a:noFill/>
+                    </a:lnB>
+                  </a:tcPr>
+                </a:tc>
+                <a:tc>
+                  <a:txBody>
+                    <a:bodyPr/>
+                    <a:lstStyle/>
+                    <a:p>
+                      <a:pPr algn="r" fontAlgn="b"/>
+                      <a:r>
+                        <a:rPr lang="is-IS" sz="900" b="0" i="0" u="none" strike="noStrike">
+                          <a:solidFill>
+                            <a:srgbClr val="000000"/>
+                          </a:solidFill>
+                          <a:effectLst/>
+                          <a:latin typeface="Calibri" charset="0"/>
+                        </a:rPr>
+                        <a:t>13</a:t>
+                      </a:r>
+                    </a:p>
+                  </a:txBody>
+                  <a:tcPr marL="9717" marR="9717" marT="9717" marB="0" anchor="b">
+                    <a:lnL>
+                      <a:noFill/>
+                    </a:lnL>
+                    <a:lnR>
+                      <a:noFill/>
+                    </a:lnR>
+                    <a:lnT>
+                      <a:noFill/>
+                    </a:lnT>
+                    <a:lnB>
+                      <a:noFill/>
+                    </a:lnB>
+                  </a:tcPr>
+                </a:tc>
+                <a:tc>
+                  <a:txBody>
+                    <a:bodyPr/>
+                    <a:lstStyle/>
+                    <a:p>
+                      <a:pPr algn="r" fontAlgn="b"/>
+                      <a:r>
+                        <a:rPr lang="nb-NO" sz="900" b="0" i="0" u="none" strike="noStrike">
+                          <a:solidFill>
+                            <a:srgbClr val="000000"/>
+                          </a:solidFill>
+                          <a:effectLst/>
+                          <a:latin typeface="Calibri" charset="0"/>
+                        </a:rPr>
+                        <a:t>0.333333333</a:t>
+                      </a:r>
+                    </a:p>
+                  </a:txBody>
+                  <a:tcPr marL="9717" marR="9717" marT="9717" marB="0" anchor="b">
+                    <a:lnL>
+                      <a:noFill/>
+                    </a:lnL>
+                    <a:lnR>
+                      <a:noFill/>
+                    </a:lnR>
+                    <a:lnT>
+                      <a:noFill/>
+                    </a:lnT>
+                    <a:lnB>
+                      <a:noFill/>
+                    </a:lnB>
+                  </a:tcPr>
+                </a:tc>
+              </a:tr>
+              <a:tr h="289560">
+                <a:tc>
+                  <a:txBody>
+                    <a:bodyPr/>
+                    <a:lstStyle/>
+                    <a:p>
+                      <a:pPr algn="r" fontAlgn="b"/>
+                      <a:r>
+                        <a:rPr lang="en-US" sz="900" b="0" i="0" u="none" strike="noStrike">
+                          <a:solidFill>
+                            <a:srgbClr val="000000"/>
+                          </a:solidFill>
+                          <a:effectLst/>
+                          <a:latin typeface="Calibri" charset="0"/>
+                        </a:rPr>
+                        <a:t>9</a:t>
+                      </a:r>
+                    </a:p>
+                  </a:txBody>
+                  <a:tcPr marL="9717" marR="9717" marT="9717" marB="0" anchor="b">
+                    <a:lnL>
+                      <a:noFill/>
+                    </a:lnL>
+                    <a:lnR>
+                      <a:noFill/>
+                    </a:lnR>
+                    <a:lnT>
+                      <a:noFill/>
+                    </a:lnT>
+                    <a:lnB>
+                      <a:noFill/>
+                    </a:lnB>
+                  </a:tcPr>
+                </a:tc>
+                <a:tc>
+                  <a:txBody>
+                    <a:bodyPr/>
+                    <a:lstStyle/>
+                    <a:p>
+                      <a:pPr algn="r" fontAlgn="b"/>
+                      <a:r>
+                        <a:rPr lang="cs-CZ" sz="900" b="0" i="0" u="none" strike="noStrike">
+                          <a:solidFill>
+                            <a:srgbClr val="000000"/>
+                          </a:solidFill>
+                          <a:effectLst/>
+                          <a:latin typeface="Calibri" charset="0"/>
+                        </a:rPr>
+                        <a:t>11</a:t>
+                      </a:r>
+                    </a:p>
+                  </a:txBody>
+                  <a:tcPr marL="9717" marR="9717" marT="9717" marB="0" anchor="b">
+                    <a:lnL>
+                      <a:noFill/>
+                    </a:lnL>
+                    <a:lnR>
+                      <a:noFill/>
+                    </a:lnR>
+                    <a:lnT>
+                      <a:noFill/>
+                    </a:lnT>
+                    <a:lnB>
+                      <a:noFill/>
+                    </a:lnB>
+                  </a:tcPr>
+                </a:tc>
+                <a:tc>
+                  <a:txBody>
+                    <a:bodyPr/>
+                    <a:lstStyle/>
+                    <a:p>
+                      <a:pPr algn="r" fontAlgn="b"/>
+                      <a:r>
+                        <a:rPr lang="en-US" sz="900" b="0" i="0" u="none" strike="noStrike">
+                          <a:solidFill>
+                            <a:srgbClr val="000000"/>
+                          </a:solidFill>
+                          <a:effectLst/>
+                          <a:latin typeface="Calibri" charset="0"/>
+                        </a:rPr>
+                        <a:t>15</a:t>
+                      </a:r>
+                    </a:p>
+                  </a:txBody>
+                  <a:tcPr marL="9717" marR="9717" marT="9717" marB="0" anchor="b">
+                    <a:lnL>
+                      <a:noFill/>
+                    </a:lnL>
+                    <a:lnR>
+                      <a:noFill/>
+                    </a:lnR>
+                    <a:lnT>
+                      <a:noFill/>
+                    </a:lnT>
+                    <a:lnB>
+                      <a:noFill/>
+                    </a:lnB>
+                  </a:tcPr>
+                </a:tc>
+                <a:tc>
+                  <a:txBody>
+                    <a:bodyPr/>
+                    <a:lstStyle/>
+                    <a:p>
+                      <a:pPr algn="r" fontAlgn="b"/>
+                      <a:r>
+                        <a:rPr lang="nb-NO" sz="900" b="0" i="0" u="none" strike="noStrike">
+                          <a:solidFill>
+                            <a:srgbClr val="000000"/>
+                          </a:solidFill>
+                          <a:effectLst/>
+                          <a:latin typeface="Calibri" charset="0"/>
+                        </a:rPr>
+                        <a:t>0.333333333</a:t>
+                      </a:r>
+                    </a:p>
+                  </a:txBody>
+                  <a:tcPr marL="9717" marR="9717" marT="9717" marB="0" anchor="b">
+                    <a:lnL>
+                      <a:noFill/>
+                    </a:lnL>
+                    <a:lnR>
+                      <a:noFill/>
+                    </a:lnR>
+                    <a:lnT>
+                      <a:noFill/>
+                    </a:lnT>
+                    <a:lnB>
+                      <a:noFill/>
+                    </a:lnB>
+                  </a:tcPr>
+                </a:tc>
+              </a:tr>
+              <a:tr h="289560">
+                <a:tc>
+                  <a:txBody>
+                    <a:bodyPr/>
+                    <a:lstStyle/>
+                    <a:p>
+                      <a:pPr algn="r" fontAlgn="b"/>
+                      <a:r>
+                        <a:rPr lang="en-US" sz="900" b="0" i="0" u="none" strike="noStrike">
+                          <a:solidFill>
+                            <a:srgbClr val="000000"/>
+                          </a:solidFill>
+                          <a:effectLst/>
+                          <a:latin typeface="Calibri" charset="0"/>
+                        </a:rPr>
+                        <a:t>9</a:t>
+                      </a:r>
+                    </a:p>
+                  </a:txBody>
+                  <a:tcPr marL="9717" marR="9717" marT="9717" marB="0" anchor="b">
+                    <a:lnL>
+                      <a:noFill/>
+                    </a:lnL>
+                    <a:lnR>
+                      <a:noFill/>
+                    </a:lnR>
+                    <a:lnT>
+                      <a:noFill/>
+                    </a:lnT>
+                    <a:lnB>
+                      <a:noFill/>
+                    </a:lnB>
+                  </a:tcPr>
+                </a:tc>
+                <a:tc>
+                  <a:txBody>
+                    <a:bodyPr/>
+                    <a:lstStyle/>
+                    <a:p>
+                      <a:pPr algn="r" fontAlgn="b"/>
+                      <a:r>
+                        <a:rPr lang="is-IS" sz="900" b="0" i="0" u="none" strike="noStrike">
+                          <a:solidFill>
+                            <a:srgbClr val="000000"/>
+                          </a:solidFill>
+                          <a:effectLst/>
+                          <a:latin typeface="Calibri" charset="0"/>
+                        </a:rPr>
+                        <a:t>13</a:t>
+                      </a:r>
+                    </a:p>
+                  </a:txBody>
+                  <a:tcPr marL="9717" marR="9717" marT="9717" marB="0" anchor="b">
+                    <a:lnL>
+                      <a:noFill/>
+                    </a:lnL>
+                    <a:lnR>
+                      <a:noFill/>
+                    </a:lnR>
+                    <a:lnT>
+                      <a:noFill/>
+                    </a:lnT>
+                    <a:lnB>
+                      <a:noFill/>
+                    </a:lnB>
+                  </a:tcPr>
+                </a:tc>
+                <a:tc>
+                  <a:txBody>
+                    <a:bodyPr/>
+                    <a:lstStyle/>
+                    <a:p>
+                      <a:pPr algn="r" fontAlgn="b"/>
+                      <a:r>
+                        <a:rPr lang="en-US" sz="900" b="0" i="0" u="none" strike="noStrike">
+                          <a:solidFill>
+                            <a:srgbClr val="000000"/>
+                          </a:solidFill>
+                          <a:effectLst/>
+                          <a:latin typeface="Calibri" charset="0"/>
+                        </a:rPr>
+                        <a:t>9</a:t>
+                      </a:r>
+                    </a:p>
+                  </a:txBody>
+                  <a:tcPr marL="9717" marR="9717" marT="9717" marB="0" anchor="b">
+                    <a:lnL>
+                      <a:noFill/>
+                    </a:lnL>
+                    <a:lnR>
+                      <a:noFill/>
+                    </a:lnR>
+                    <a:lnT>
+                      <a:noFill/>
+                    </a:lnT>
+                    <a:lnB>
+                      <a:noFill/>
+                    </a:lnB>
+                  </a:tcPr>
+                </a:tc>
+                <a:tc>
+                  <a:txBody>
+                    <a:bodyPr/>
+                    <a:lstStyle/>
+                    <a:p>
+                      <a:pPr algn="r" fontAlgn="b"/>
+                      <a:r>
+                        <a:rPr lang="nb-NO" sz="900" b="0" i="0" u="none" strike="noStrike">
+                          <a:solidFill>
+                            <a:srgbClr val="000000"/>
+                          </a:solidFill>
+                          <a:effectLst/>
+                          <a:latin typeface="Calibri" charset="0"/>
+                        </a:rPr>
+                        <a:t>0.333333333</a:t>
+                      </a:r>
+                    </a:p>
+                  </a:txBody>
+                  <a:tcPr marL="9717" marR="9717" marT="9717" marB="0" anchor="b">
+                    <a:lnL>
+                      <a:noFill/>
+                    </a:lnL>
+                    <a:lnR>
+                      <a:noFill/>
+                    </a:lnR>
+                    <a:lnT>
+                      <a:noFill/>
+                    </a:lnT>
+                    <a:lnB>
+                      <a:noFill/>
+                    </a:lnB>
+                  </a:tcPr>
+                </a:tc>
+              </a:tr>
+              <a:tr h="289560">
+                <a:tc>
+                  <a:txBody>
+                    <a:bodyPr/>
+                    <a:lstStyle/>
+                    <a:p>
+                      <a:pPr algn="r" fontAlgn="b"/>
+                      <a:r>
+                        <a:rPr lang="en-US" sz="900" b="0" i="0" u="none" strike="noStrike">
+                          <a:solidFill>
+                            <a:srgbClr val="000000"/>
+                          </a:solidFill>
+                          <a:effectLst/>
+                          <a:latin typeface="Calibri" charset="0"/>
+                        </a:rPr>
+                        <a:t>9</a:t>
+                      </a:r>
+                    </a:p>
+                  </a:txBody>
+                  <a:tcPr marL="9717" marR="9717" marT="9717" marB="0" anchor="b">
+                    <a:lnL>
+                      <a:noFill/>
+                    </a:lnL>
+                    <a:lnR>
+                      <a:noFill/>
+                    </a:lnR>
+                    <a:lnT>
+                      <a:noFill/>
+                    </a:lnT>
+                    <a:lnB>
+                      <a:noFill/>
+                    </a:lnB>
+                  </a:tcPr>
+                </a:tc>
+                <a:tc>
+                  <a:txBody>
+                    <a:bodyPr/>
+                    <a:lstStyle/>
+                    <a:p>
+                      <a:pPr algn="r" fontAlgn="b"/>
+                      <a:r>
+                        <a:rPr lang="is-IS" sz="900" b="0" i="0" u="none" strike="noStrike">
+                          <a:solidFill>
+                            <a:srgbClr val="000000"/>
+                          </a:solidFill>
+                          <a:effectLst/>
+                          <a:latin typeface="Calibri" charset="0"/>
+                        </a:rPr>
+                        <a:t>13</a:t>
+                      </a:r>
+                    </a:p>
+                  </a:txBody>
+                  <a:tcPr marL="9717" marR="9717" marT="9717" marB="0" anchor="b">
+                    <a:lnL>
+                      <a:noFill/>
+                    </a:lnL>
+                    <a:lnR>
+                      <a:noFill/>
+                    </a:lnR>
+                    <a:lnT>
+                      <a:noFill/>
+                    </a:lnT>
+                    <a:lnB>
+                      <a:noFill/>
+                    </a:lnB>
+                  </a:tcPr>
+                </a:tc>
+                <a:tc>
+                  <a:txBody>
+                    <a:bodyPr/>
+                    <a:lstStyle/>
+                    <a:p>
+                      <a:pPr algn="r" fontAlgn="b"/>
+                      <a:r>
+                        <a:rPr lang="cs-CZ" sz="900" b="0" i="0" u="none" strike="noStrike">
+                          <a:solidFill>
+                            <a:srgbClr val="000000"/>
+                          </a:solidFill>
+                          <a:effectLst/>
+                          <a:latin typeface="Calibri" charset="0"/>
+                        </a:rPr>
+                        <a:t>11</a:t>
+                      </a:r>
+                    </a:p>
+                  </a:txBody>
+                  <a:tcPr marL="9717" marR="9717" marT="9717" marB="0" anchor="b">
+                    <a:lnL>
+                      <a:noFill/>
+                    </a:lnL>
+                    <a:lnR>
+                      <a:noFill/>
+                    </a:lnR>
+                    <a:lnT>
+                      <a:noFill/>
+                    </a:lnT>
+                    <a:lnB>
+                      <a:noFill/>
+                    </a:lnB>
+                  </a:tcPr>
+                </a:tc>
+                <a:tc>
+                  <a:txBody>
+                    <a:bodyPr/>
+                    <a:lstStyle/>
+                    <a:p>
+                      <a:pPr algn="r" fontAlgn="b"/>
+                      <a:r>
+                        <a:rPr lang="nb-NO" sz="900" b="0" i="0" u="none" strike="noStrike">
+                          <a:solidFill>
+                            <a:srgbClr val="000000"/>
+                          </a:solidFill>
+                          <a:effectLst/>
+                          <a:latin typeface="Calibri" charset="0"/>
+                        </a:rPr>
+                        <a:t>0.333333333</a:t>
+                      </a:r>
+                    </a:p>
+                  </a:txBody>
+                  <a:tcPr marL="9717" marR="9717" marT="9717" marB="0" anchor="b">
+                    <a:lnL>
+                      <a:noFill/>
+                    </a:lnL>
+                    <a:lnR>
+                      <a:noFill/>
+                    </a:lnR>
+                    <a:lnT>
+                      <a:noFill/>
+                    </a:lnT>
+                    <a:lnB>
+                      <a:noFill/>
+                    </a:lnB>
+                  </a:tcPr>
+                </a:tc>
+              </a:tr>
+              <a:tr h="289560">
+                <a:tc>
+                  <a:txBody>
+                    <a:bodyPr/>
+                    <a:lstStyle/>
+                    <a:p>
+                      <a:pPr algn="r" fontAlgn="b"/>
+                      <a:r>
+                        <a:rPr lang="en-US" sz="900" b="0" i="0" u="none" strike="noStrike">
+                          <a:solidFill>
+                            <a:srgbClr val="000000"/>
+                          </a:solidFill>
+                          <a:effectLst/>
+                          <a:latin typeface="Calibri" charset="0"/>
+                        </a:rPr>
+                        <a:t>9</a:t>
+                      </a:r>
+                    </a:p>
+                  </a:txBody>
+                  <a:tcPr marL="9717" marR="9717" marT="9717" marB="0" anchor="b">
+                    <a:lnL>
+                      <a:noFill/>
+                    </a:lnL>
+                    <a:lnR>
+                      <a:noFill/>
+                    </a:lnR>
+                    <a:lnT>
+                      <a:noFill/>
+                    </a:lnT>
+                    <a:lnB>
+                      <a:noFill/>
+                    </a:lnB>
+                  </a:tcPr>
+                </a:tc>
+                <a:tc>
+                  <a:txBody>
+                    <a:bodyPr/>
+                    <a:lstStyle/>
+                    <a:p>
+                      <a:pPr algn="r" fontAlgn="b"/>
+                      <a:r>
+                        <a:rPr lang="is-IS" sz="900" b="0" i="0" u="none" strike="noStrike">
+                          <a:solidFill>
+                            <a:srgbClr val="000000"/>
+                          </a:solidFill>
+                          <a:effectLst/>
+                          <a:latin typeface="Calibri" charset="0"/>
+                        </a:rPr>
+                        <a:t>13</a:t>
+                      </a:r>
+                    </a:p>
+                  </a:txBody>
+                  <a:tcPr marL="9717" marR="9717" marT="9717" marB="0" anchor="b">
+                    <a:lnL>
+                      <a:noFill/>
+                    </a:lnL>
+                    <a:lnR>
+                      <a:noFill/>
+                    </a:lnR>
+                    <a:lnT>
+                      <a:noFill/>
+                    </a:lnT>
+                    <a:lnB>
+                      <a:noFill/>
+                    </a:lnB>
+                  </a:tcPr>
+                </a:tc>
+                <a:tc>
+                  <a:txBody>
+                    <a:bodyPr/>
+                    <a:lstStyle/>
+                    <a:p>
+                      <a:pPr algn="r" fontAlgn="b"/>
+                      <a:r>
+                        <a:rPr lang="is-IS" sz="900" b="0" i="0" u="none" strike="noStrike">
+                          <a:solidFill>
+                            <a:srgbClr val="000000"/>
+                          </a:solidFill>
+                          <a:effectLst/>
+                          <a:latin typeface="Calibri" charset="0"/>
+                        </a:rPr>
+                        <a:t>13</a:t>
+                      </a:r>
+                    </a:p>
+                  </a:txBody>
+                  <a:tcPr marL="9717" marR="9717" marT="9717" marB="0" anchor="b">
+                    <a:lnL>
+                      <a:noFill/>
+                    </a:lnL>
+                    <a:lnR>
+                      <a:noFill/>
+                    </a:lnR>
+                    <a:lnT>
+                      <a:noFill/>
+                    </a:lnT>
+                    <a:lnB>
+                      <a:noFill/>
+                    </a:lnB>
+                  </a:tcPr>
+                </a:tc>
+                <a:tc>
+                  <a:txBody>
+                    <a:bodyPr/>
+                    <a:lstStyle/>
+                    <a:p>
+                      <a:pPr algn="r" fontAlgn="b"/>
+                      <a:r>
+                        <a:rPr lang="nb-NO" sz="900" b="0" i="0" u="none" strike="noStrike">
+                          <a:solidFill>
+                            <a:srgbClr val="000000"/>
+                          </a:solidFill>
+                          <a:effectLst/>
+                          <a:latin typeface="Calibri" charset="0"/>
+                        </a:rPr>
+                        <a:t>0.333333333</a:t>
+                      </a:r>
+                    </a:p>
+                  </a:txBody>
+                  <a:tcPr marL="9717" marR="9717" marT="9717" marB="0" anchor="b">
+                    <a:lnL>
+                      <a:noFill/>
+                    </a:lnL>
+                    <a:lnR>
+                      <a:noFill/>
+                    </a:lnR>
+                    <a:lnT>
+                      <a:noFill/>
+                    </a:lnT>
+                    <a:lnB>
+                      <a:noFill/>
+                    </a:lnB>
+                  </a:tcPr>
+                </a:tc>
+              </a:tr>
+              <a:tr h="289560">
+                <a:tc>
+                  <a:txBody>
+                    <a:bodyPr/>
+                    <a:lstStyle/>
+                    <a:p>
+                      <a:pPr algn="r" fontAlgn="b"/>
+                      <a:r>
+                        <a:rPr lang="en-US" sz="900" b="0" i="0" u="none" strike="noStrike">
+                          <a:solidFill>
+                            <a:srgbClr val="000000"/>
+                          </a:solidFill>
+                          <a:effectLst/>
+                          <a:latin typeface="Calibri" charset="0"/>
+                        </a:rPr>
+                        <a:t>9</a:t>
+                      </a:r>
+                    </a:p>
+                  </a:txBody>
+                  <a:tcPr marL="9717" marR="9717" marT="9717" marB="0" anchor="b">
+                    <a:lnL>
+                      <a:noFill/>
+                    </a:lnL>
+                    <a:lnR>
+                      <a:noFill/>
+                    </a:lnR>
+                    <a:lnT>
+                      <a:noFill/>
+                    </a:lnT>
+                    <a:lnB>
+                      <a:noFill/>
+                    </a:lnB>
+                  </a:tcPr>
+                </a:tc>
+                <a:tc>
+                  <a:txBody>
+                    <a:bodyPr/>
+                    <a:lstStyle/>
+                    <a:p>
+                      <a:pPr algn="r" fontAlgn="b"/>
+                      <a:r>
+                        <a:rPr lang="is-IS" sz="900" b="0" i="0" u="none" strike="noStrike">
+                          <a:solidFill>
+                            <a:srgbClr val="000000"/>
+                          </a:solidFill>
+                          <a:effectLst/>
+                          <a:latin typeface="Calibri" charset="0"/>
+                        </a:rPr>
+                        <a:t>13</a:t>
+                      </a:r>
+                    </a:p>
+                  </a:txBody>
+                  <a:tcPr marL="9717" marR="9717" marT="9717" marB="0" anchor="b">
+                    <a:lnL>
+                      <a:noFill/>
+                    </a:lnL>
+                    <a:lnR>
+                      <a:noFill/>
+                    </a:lnR>
+                    <a:lnT>
+                      <a:noFill/>
+                    </a:lnT>
+                    <a:lnB>
+                      <a:noFill/>
+                    </a:lnB>
+                  </a:tcPr>
+                </a:tc>
+                <a:tc>
+                  <a:txBody>
+                    <a:bodyPr/>
+                    <a:lstStyle/>
+                    <a:p>
+                      <a:pPr algn="r" fontAlgn="b"/>
+                      <a:r>
+                        <a:rPr lang="en-US" sz="900" b="0" i="0" u="none" strike="noStrike">
+                          <a:solidFill>
+                            <a:srgbClr val="000000"/>
+                          </a:solidFill>
+                          <a:effectLst/>
+                          <a:latin typeface="Calibri" charset="0"/>
+                        </a:rPr>
+                        <a:t>15</a:t>
+                      </a:r>
+                    </a:p>
+                  </a:txBody>
+                  <a:tcPr marL="9717" marR="9717" marT="9717" marB="0" anchor="b">
+                    <a:lnL>
+                      <a:noFill/>
+                    </a:lnL>
+                    <a:lnR>
+                      <a:noFill/>
+                    </a:lnR>
+                    <a:lnT>
+                      <a:noFill/>
+                    </a:lnT>
+                    <a:lnB>
+                      <a:noFill/>
+                    </a:lnB>
+                  </a:tcPr>
+                </a:tc>
+                <a:tc>
+                  <a:txBody>
+                    <a:bodyPr/>
+                    <a:lstStyle/>
+                    <a:p>
+                      <a:pPr algn="r" fontAlgn="b"/>
+                      <a:r>
+                        <a:rPr lang="nb-NO" sz="900" b="0" i="0" u="none" strike="noStrike">
+                          <a:solidFill>
+                            <a:srgbClr val="000000"/>
+                          </a:solidFill>
+                          <a:effectLst/>
+                          <a:latin typeface="Calibri" charset="0"/>
+                        </a:rPr>
+                        <a:t>0.333333333</a:t>
+                      </a:r>
+                    </a:p>
+                  </a:txBody>
+                  <a:tcPr marL="9717" marR="9717" marT="9717" marB="0" anchor="b">
+                    <a:lnL>
+                      <a:noFill/>
+                    </a:lnL>
+                    <a:lnR>
+                      <a:noFill/>
+                    </a:lnR>
+                    <a:lnT>
+                      <a:noFill/>
+                    </a:lnT>
+                    <a:lnB>
+                      <a:noFill/>
+                    </a:lnB>
+                  </a:tcPr>
+                </a:tc>
+              </a:tr>
+              <a:tr h="289560">
+                <a:tc>
+                  <a:txBody>
+                    <a:bodyPr/>
+                    <a:lstStyle/>
+                    <a:p>
+                      <a:pPr algn="r" fontAlgn="b"/>
+                      <a:r>
+                        <a:rPr lang="en-US" sz="900" b="0" i="0" u="none" strike="noStrike">
+                          <a:solidFill>
+                            <a:srgbClr val="000000"/>
+                          </a:solidFill>
+                          <a:effectLst/>
+                          <a:latin typeface="Calibri" charset="0"/>
+                        </a:rPr>
+                        <a:t>9</a:t>
+                      </a:r>
+                    </a:p>
+                  </a:txBody>
+                  <a:tcPr marL="9717" marR="9717" marT="9717" marB="0" anchor="b">
+                    <a:lnL>
+                      <a:noFill/>
+                    </a:lnL>
+                    <a:lnR>
+                      <a:noFill/>
+                    </a:lnR>
+                    <a:lnT>
+                      <a:noFill/>
+                    </a:lnT>
+                    <a:lnB>
+                      <a:noFill/>
+                    </a:lnB>
+                  </a:tcPr>
+                </a:tc>
+                <a:tc>
+                  <a:txBody>
+                    <a:bodyPr/>
+                    <a:lstStyle/>
+                    <a:p>
+                      <a:pPr algn="r" fontAlgn="b"/>
+                      <a:r>
+                        <a:rPr lang="en-US" sz="900" b="0" i="0" u="none" strike="noStrike">
+                          <a:solidFill>
+                            <a:srgbClr val="000000"/>
+                          </a:solidFill>
+                          <a:effectLst/>
+                          <a:latin typeface="Calibri" charset="0"/>
+                        </a:rPr>
+                        <a:t>15</a:t>
+                      </a:r>
+                    </a:p>
+                  </a:txBody>
+                  <a:tcPr marL="9717" marR="9717" marT="9717" marB="0" anchor="b">
+                    <a:lnL>
+                      <a:noFill/>
+                    </a:lnL>
+                    <a:lnR>
+                      <a:noFill/>
+                    </a:lnR>
+                    <a:lnT>
+                      <a:noFill/>
+                    </a:lnT>
+                    <a:lnB>
+                      <a:noFill/>
+                    </a:lnB>
+                  </a:tcPr>
+                </a:tc>
+                <a:tc>
+                  <a:txBody>
+                    <a:bodyPr/>
+                    <a:lstStyle/>
+                    <a:p>
+                      <a:pPr algn="r" fontAlgn="b"/>
+                      <a:r>
+                        <a:rPr lang="en-US" sz="900" b="0" i="0" u="none" strike="noStrike">
+                          <a:solidFill>
+                            <a:srgbClr val="000000"/>
+                          </a:solidFill>
+                          <a:effectLst/>
+                          <a:latin typeface="Calibri" charset="0"/>
+                        </a:rPr>
+                        <a:t>9</a:t>
+                      </a:r>
+                    </a:p>
+                  </a:txBody>
+                  <a:tcPr marL="9717" marR="9717" marT="9717" marB="0" anchor="b">
+                    <a:lnL>
+                      <a:noFill/>
+                    </a:lnL>
+                    <a:lnR>
+                      <a:noFill/>
+                    </a:lnR>
+                    <a:lnT>
+                      <a:noFill/>
+                    </a:lnT>
+                    <a:lnB>
+                      <a:noFill/>
+                    </a:lnB>
+                  </a:tcPr>
+                </a:tc>
+                <a:tc>
+                  <a:txBody>
+                    <a:bodyPr/>
+                    <a:lstStyle/>
+                    <a:p>
+                      <a:pPr algn="r" fontAlgn="b"/>
+                      <a:r>
+                        <a:rPr lang="nb-NO" sz="900" b="0" i="0" u="none" strike="noStrike">
+                          <a:solidFill>
+                            <a:srgbClr val="000000"/>
+                          </a:solidFill>
+                          <a:effectLst/>
+                          <a:latin typeface="Calibri" charset="0"/>
+                        </a:rPr>
+                        <a:t>0.333333333</a:t>
+                      </a:r>
+                    </a:p>
+                  </a:txBody>
+                  <a:tcPr marL="9717" marR="9717" marT="9717" marB="0" anchor="b">
+                    <a:lnL>
+                      <a:noFill/>
+                    </a:lnL>
+                    <a:lnR>
+                      <a:noFill/>
+                    </a:lnR>
+                    <a:lnT>
+                      <a:noFill/>
+                    </a:lnT>
+                    <a:lnB>
+                      <a:noFill/>
+                    </a:lnB>
+                  </a:tcPr>
+                </a:tc>
+              </a:tr>
+              <a:tr h="289560">
+                <a:tc>
+                  <a:txBody>
+                    <a:bodyPr/>
+                    <a:lstStyle/>
+                    <a:p>
+                      <a:pPr algn="r" fontAlgn="b"/>
+                      <a:r>
+                        <a:rPr lang="en-US" sz="900" b="0" i="0" u="none" strike="noStrike">
+                          <a:solidFill>
+                            <a:srgbClr val="000000"/>
+                          </a:solidFill>
+                          <a:effectLst/>
+                          <a:latin typeface="Calibri" charset="0"/>
+                        </a:rPr>
+                        <a:t>9</a:t>
+                      </a:r>
+                    </a:p>
+                  </a:txBody>
+                  <a:tcPr marL="9717" marR="9717" marT="9717" marB="0" anchor="b">
+                    <a:lnL>
+                      <a:noFill/>
+                    </a:lnL>
+                    <a:lnR>
+                      <a:noFill/>
+                    </a:lnR>
+                    <a:lnT>
+                      <a:noFill/>
+                    </a:lnT>
+                    <a:lnB>
+                      <a:noFill/>
+                    </a:lnB>
+                  </a:tcPr>
+                </a:tc>
+                <a:tc>
+                  <a:txBody>
+                    <a:bodyPr/>
+                    <a:lstStyle/>
+                    <a:p>
+                      <a:pPr algn="r" fontAlgn="b"/>
+                      <a:r>
+                        <a:rPr lang="en-US" sz="900" b="0" i="0" u="none" strike="noStrike">
+                          <a:solidFill>
+                            <a:srgbClr val="000000"/>
+                          </a:solidFill>
+                          <a:effectLst/>
+                          <a:latin typeface="Calibri" charset="0"/>
+                        </a:rPr>
+                        <a:t>15</a:t>
+                      </a:r>
+                    </a:p>
+                  </a:txBody>
+                  <a:tcPr marL="9717" marR="9717" marT="9717" marB="0" anchor="b">
+                    <a:lnL>
+                      <a:noFill/>
+                    </a:lnL>
+                    <a:lnR>
+                      <a:noFill/>
+                    </a:lnR>
+                    <a:lnT>
+                      <a:noFill/>
+                    </a:lnT>
+                    <a:lnB>
+                      <a:noFill/>
+                    </a:lnB>
+                  </a:tcPr>
+                </a:tc>
+                <a:tc>
+                  <a:txBody>
+                    <a:bodyPr/>
+                    <a:lstStyle/>
+                    <a:p>
+                      <a:pPr algn="r" fontAlgn="b"/>
+                      <a:r>
+                        <a:rPr lang="cs-CZ" sz="900" b="0" i="0" u="none" strike="noStrike">
+                          <a:solidFill>
+                            <a:srgbClr val="000000"/>
+                          </a:solidFill>
+                          <a:effectLst/>
+                          <a:latin typeface="Calibri" charset="0"/>
+                        </a:rPr>
+                        <a:t>11</a:t>
+                      </a:r>
+                    </a:p>
+                  </a:txBody>
+                  <a:tcPr marL="9717" marR="9717" marT="9717" marB="0" anchor="b">
+                    <a:lnL>
+                      <a:noFill/>
+                    </a:lnL>
+                    <a:lnR>
+                      <a:noFill/>
+                    </a:lnR>
+                    <a:lnT>
+                      <a:noFill/>
+                    </a:lnT>
+                    <a:lnB>
+                      <a:noFill/>
+                    </a:lnB>
+                  </a:tcPr>
+                </a:tc>
+                <a:tc>
+                  <a:txBody>
+                    <a:bodyPr/>
+                    <a:lstStyle/>
+                    <a:p>
+                      <a:pPr algn="r" fontAlgn="b"/>
+                      <a:r>
+                        <a:rPr lang="nb-NO" sz="900" b="0" i="0" u="none" strike="noStrike">
+                          <a:solidFill>
+                            <a:srgbClr val="000000"/>
+                          </a:solidFill>
+                          <a:effectLst/>
+                          <a:latin typeface="Calibri" charset="0"/>
+                        </a:rPr>
+                        <a:t>0.333333333</a:t>
+                      </a:r>
+                    </a:p>
+                  </a:txBody>
+                  <a:tcPr marL="9717" marR="9717" marT="9717" marB="0" anchor="b">
+                    <a:lnL>
+                      <a:noFill/>
+                    </a:lnL>
+                    <a:lnR>
+                      <a:noFill/>
+                    </a:lnR>
+                    <a:lnT>
+                      <a:noFill/>
+                    </a:lnT>
+                    <a:lnB>
+                      <a:noFill/>
+                    </a:lnB>
+                  </a:tcPr>
+                </a:tc>
+              </a:tr>
+              <a:tr h="289560">
+                <a:tc>
+                  <a:txBody>
+                    <a:bodyPr/>
+                    <a:lstStyle/>
+                    <a:p>
+                      <a:pPr algn="r" fontAlgn="b"/>
+                      <a:r>
+                        <a:rPr lang="en-US" sz="900" b="0" i="0" u="none" strike="noStrike">
+                          <a:solidFill>
+                            <a:srgbClr val="000000"/>
+                          </a:solidFill>
+                          <a:effectLst/>
+                          <a:latin typeface="Calibri" charset="0"/>
+                        </a:rPr>
+                        <a:t>9</a:t>
+                      </a:r>
+                    </a:p>
+                  </a:txBody>
+                  <a:tcPr marL="9717" marR="9717" marT="9717" marB="0" anchor="b">
+                    <a:lnL>
+                      <a:noFill/>
+                    </a:lnL>
+                    <a:lnR>
+                      <a:noFill/>
+                    </a:lnR>
+                    <a:lnT>
+                      <a:noFill/>
+                    </a:lnT>
+                    <a:lnB>
+                      <a:noFill/>
+                    </a:lnB>
+                  </a:tcPr>
+                </a:tc>
+                <a:tc>
+                  <a:txBody>
+                    <a:bodyPr/>
+                    <a:lstStyle/>
+                    <a:p>
+                      <a:pPr algn="r" fontAlgn="b"/>
+                      <a:r>
+                        <a:rPr lang="en-US" sz="900" b="0" i="0" u="none" strike="noStrike">
+                          <a:solidFill>
+                            <a:srgbClr val="000000"/>
+                          </a:solidFill>
+                          <a:effectLst/>
+                          <a:latin typeface="Calibri" charset="0"/>
+                        </a:rPr>
+                        <a:t>15</a:t>
+                      </a:r>
+                    </a:p>
+                  </a:txBody>
+                  <a:tcPr marL="9717" marR="9717" marT="9717" marB="0" anchor="b">
+                    <a:lnL>
+                      <a:noFill/>
+                    </a:lnL>
+                    <a:lnR>
+                      <a:noFill/>
+                    </a:lnR>
+                    <a:lnT>
+                      <a:noFill/>
+                    </a:lnT>
+                    <a:lnB>
+                      <a:noFill/>
+                    </a:lnB>
+                  </a:tcPr>
+                </a:tc>
+                <a:tc>
+                  <a:txBody>
+                    <a:bodyPr/>
+                    <a:lstStyle/>
+                    <a:p>
+                      <a:pPr algn="r" fontAlgn="b"/>
+                      <a:r>
+                        <a:rPr lang="is-IS" sz="900" b="0" i="0" u="none" strike="noStrike">
+                          <a:solidFill>
+                            <a:srgbClr val="000000"/>
+                          </a:solidFill>
+                          <a:effectLst/>
+                          <a:latin typeface="Calibri" charset="0"/>
+                        </a:rPr>
+                        <a:t>13</a:t>
+                      </a:r>
+                    </a:p>
+                  </a:txBody>
+                  <a:tcPr marL="9717" marR="9717" marT="9717" marB="0" anchor="b">
+                    <a:lnL>
+                      <a:noFill/>
+                    </a:lnL>
+                    <a:lnR>
+                      <a:noFill/>
+                    </a:lnR>
+                    <a:lnT>
+                      <a:noFill/>
+                    </a:lnT>
+                    <a:lnB>
+                      <a:noFill/>
+                    </a:lnB>
+                  </a:tcPr>
+                </a:tc>
+                <a:tc>
+                  <a:txBody>
+                    <a:bodyPr/>
+                    <a:lstStyle/>
+                    <a:p>
+                      <a:pPr algn="r" fontAlgn="b"/>
+                      <a:r>
+                        <a:rPr lang="nb-NO" sz="900" b="0" i="0" u="none" strike="noStrike">
+                          <a:solidFill>
+                            <a:srgbClr val="000000"/>
+                          </a:solidFill>
+                          <a:effectLst/>
+                          <a:latin typeface="Calibri" charset="0"/>
+                        </a:rPr>
+                        <a:t>0.333333333</a:t>
+                      </a:r>
+                    </a:p>
+                  </a:txBody>
+                  <a:tcPr marL="9717" marR="9717" marT="9717" marB="0" anchor="b">
+                    <a:lnL>
+                      <a:noFill/>
+                    </a:lnL>
+                    <a:lnR>
+                      <a:noFill/>
+                    </a:lnR>
+                    <a:lnT>
+                      <a:noFill/>
+                    </a:lnT>
+                    <a:lnB>
+                      <a:noFill/>
+                    </a:lnB>
+                  </a:tcPr>
+                </a:tc>
+              </a:tr>
+              <a:tr h="289560">
+                <a:tc>
+                  <a:txBody>
+                    <a:bodyPr/>
+                    <a:lstStyle/>
+                    <a:p>
+                      <a:pPr algn="r" fontAlgn="b"/>
+                      <a:r>
+                        <a:rPr lang="en-US" sz="900" b="0" i="0" u="none" strike="noStrike">
+                          <a:solidFill>
+                            <a:srgbClr val="000000"/>
+                          </a:solidFill>
+                          <a:effectLst/>
+                          <a:latin typeface="Calibri" charset="0"/>
+                        </a:rPr>
+                        <a:t>9</a:t>
+                      </a:r>
+                    </a:p>
+                  </a:txBody>
+                  <a:tcPr marL="9717" marR="9717" marT="9717" marB="0" anchor="b">
+                    <a:lnL>
+                      <a:noFill/>
+                    </a:lnL>
+                    <a:lnR>
+                      <a:noFill/>
+                    </a:lnR>
+                    <a:lnT>
+                      <a:noFill/>
+                    </a:lnT>
+                    <a:lnB>
+                      <a:noFill/>
+                    </a:lnB>
+                  </a:tcPr>
+                </a:tc>
+                <a:tc>
+                  <a:txBody>
+                    <a:bodyPr/>
+                    <a:lstStyle/>
+                    <a:p>
+                      <a:pPr algn="r" fontAlgn="b"/>
+                      <a:r>
+                        <a:rPr lang="en-US" sz="900" b="0" i="0" u="none" strike="noStrike">
+                          <a:solidFill>
+                            <a:srgbClr val="000000"/>
+                          </a:solidFill>
+                          <a:effectLst/>
+                          <a:latin typeface="Calibri" charset="0"/>
+                        </a:rPr>
+                        <a:t>15</a:t>
+                      </a:r>
+                    </a:p>
+                  </a:txBody>
+                  <a:tcPr marL="9717" marR="9717" marT="9717" marB="0" anchor="b">
+                    <a:lnL>
+                      <a:noFill/>
+                    </a:lnL>
+                    <a:lnR>
+                      <a:noFill/>
+                    </a:lnR>
+                    <a:lnT>
+                      <a:noFill/>
+                    </a:lnT>
+                    <a:lnB>
+                      <a:noFill/>
+                    </a:lnB>
+                  </a:tcPr>
+                </a:tc>
+                <a:tc>
+                  <a:txBody>
+                    <a:bodyPr/>
+                    <a:lstStyle/>
+                    <a:p>
+                      <a:pPr algn="r" fontAlgn="b"/>
+                      <a:r>
+                        <a:rPr lang="en-US" sz="900" b="0" i="0" u="none" strike="noStrike">
+                          <a:solidFill>
+                            <a:srgbClr val="000000"/>
+                          </a:solidFill>
+                          <a:effectLst/>
+                          <a:latin typeface="Calibri" charset="0"/>
+                        </a:rPr>
+                        <a:t>15</a:t>
+                      </a:r>
+                    </a:p>
+                  </a:txBody>
+                  <a:tcPr marL="9717" marR="9717" marT="9717" marB="0" anchor="b">
+                    <a:lnL>
+                      <a:noFill/>
+                    </a:lnL>
+                    <a:lnR>
+                      <a:noFill/>
+                    </a:lnR>
+                    <a:lnT>
+                      <a:noFill/>
+                    </a:lnT>
+                    <a:lnB>
+                      <a:noFill/>
+                    </a:lnB>
+                  </a:tcPr>
+                </a:tc>
+                <a:tc>
+                  <a:txBody>
+                    <a:bodyPr/>
+                    <a:lstStyle/>
+                    <a:p>
+                      <a:pPr algn="r" fontAlgn="b"/>
+                      <a:r>
+                        <a:rPr lang="nb-NO" sz="900" b="0" i="0" u="none" strike="noStrike">
+                          <a:solidFill>
+                            <a:srgbClr val="000000"/>
+                          </a:solidFill>
+                          <a:effectLst/>
+                          <a:latin typeface="Calibri" charset="0"/>
+                        </a:rPr>
+                        <a:t>0.333333333</a:t>
+                      </a:r>
+                    </a:p>
+                  </a:txBody>
+                  <a:tcPr marL="9717" marR="9717" marT="9717" marB="0" anchor="b">
+                    <a:lnL>
+                      <a:noFill/>
+                    </a:lnL>
+                    <a:lnR>
+                      <a:noFill/>
+                    </a:lnR>
+                    <a:lnT>
+                      <a:noFill/>
+                    </a:lnT>
+                    <a:lnB>
+                      <a:noFill/>
+                    </a:lnB>
+                  </a:tcPr>
+                </a:tc>
+              </a:tr>
+              <a:tr h="289560">
+                <a:tc>
+                  <a:txBody>
+                    <a:bodyPr/>
+                    <a:lstStyle/>
+                    <a:p>
+                      <a:pPr algn="r" fontAlgn="b"/>
+                      <a:r>
+                        <a:rPr lang="cs-CZ" sz="900" b="0" i="0" u="none" strike="noStrike">
+                          <a:solidFill>
+                            <a:srgbClr val="000000"/>
+                          </a:solidFill>
+                          <a:effectLst/>
+                          <a:latin typeface="Calibri" charset="0"/>
+                        </a:rPr>
+                        <a:t>11</a:t>
+                      </a:r>
+                    </a:p>
+                  </a:txBody>
+                  <a:tcPr marL="9717" marR="9717" marT="9717" marB="0" anchor="b">
+                    <a:lnL>
+                      <a:noFill/>
+                    </a:lnL>
+                    <a:lnR>
+                      <a:noFill/>
+                    </a:lnR>
+                    <a:lnT>
+                      <a:noFill/>
+                    </a:lnT>
+                    <a:lnB>
+                      <a:noFill/>
+                    </a:lnB>
+                  </a:tcPr>
+                </a:tc>
+                <a:tc>
+                  <a:txBody>
+                    <a:bodyPr/>
+                    <a:lstStyle/>
+                    <a:p>
+                      <a:pPr algn="r" fontAlgn="b"/>
+                      <a:r>
+                        <a:rPr lang="en-US" sz="900" b="0" i="0" u="none" strike="noStrike">
+                          <a:solidFill>
+                            <a:srgbClr val="000000"/>
+                          </a:solidFill>
+                          <a:effectLst/>
+                          <a:latin typeface="Calibri" charset="0"/>
+                        </a:rPr>
+                        <a:t>9</a:t>
+                      </a:r>
+                    </a:p>
+                  </a:txBody>
+                  <a:tcPr marL="9717" marR="9717" marT="9717" marB="0" anchor="b">
+                    <a:lnL>
+                      <a:noFill/>
+                    </a:lnL>
+                    <a:lnR>
+                      <a:noFill/>
+                    </a:lnR>
+                    <a:lnT>
+                      <a:noFill/>
+                    </a:lnT>
+                    <a:lnB>
+                      <a:noFill/>
+                    </a:lnB>
+                  </a:tcPr>
+                </a:tc>
+                <a:tc>
+                  <a:txBody>
+                    <a:bodyPr/>
+                    <a:lstStyle/>
+                    <a:p>
+                      <a:pPr algn="r" fontAlgn="b"/>
+                      <a:r>
+                        <a:rPr lang="is-IS" sz="900" b="0" i="0" u="none" strike="noStrike">
+                          <a:solidFill>
+                            <a:srgbClr val="000000"/>
+                          </a:solidFill>
+                          <a:effectLst/>
+                          <a:latin typeface="Calibri" charset="0"/>
+                        </a:rPr>
+                        <a:t>13</a:t>
+                      </a:r>
+                    </a:p>
+                  </a:txBody>
+                  <a:tcPr marL="9717" marR="9717" marT="9717" marB="0" anchor="b">
+                    <a:lnL>
+                      <a:noFill/>
+                    </a:lnL>
+                    <a:lnR>
+                      <a:noFill/>
+                    </a:lnR>
+                    <a:lnT>
+                      <a:noFill/>
+                    </a:lnT>
+                    <a:lnB>
+                      <a:noFill/>
+                    </a:lnB>
+                  </a:tcPr>
+                </a:tc>
+                <a:tc>
+                  <a:txBody>
+                    <a:bodyPr/>
+                    <a:lstStyle/>
+                    <a:p>
+                      <a:pPr algn="r" fontAlgn="b"/>
+                      <a:r>
+                        <a:rPr lang="nb-NO" sz="900" b="0" i="0" u="none" strike="noStrike">
+                          <a:solidFill>
+                            <a:srgbClr val="000000"/>
+                          </a:solidFill>
+                          <a:effectLst/>
+                          <a:latin typeface="Calibri" charset="0"/>
+                        </a:rPr>
+                        <a:t>0.333333333</a:t>
+                      </a:r>
+                    </a:p>
+                  </a:txBody>
+                  <a:tcPr marL="9717" marR="9717" marT="9717" marB="0" anchor="b">
+                    <a:lnL>
+                      <a:noFill/>
+                    </a:lnL>
+                    <a:lnR>
+                      <a:noFill/>
+                    </a:lnR>
+                    <a:lnT>
+                      <a:noFill/>
+                    </a:lnT>
+                    <a:lnB>
+                      <a:noFill/>
+                    </a:lnB>
+                  </a:tcPr>
+                </a:tc>
+              </a:tr>
+              <a:tr h="289560">
+                <a:tc>
+                  <a:txBody>
+                    <a:bodyPr/>
+                    <a:lstStyle/>
+                    <a:p>
+                      <a:pPr algn="r" fontAlgn="b"/>
+                      <a:r>
+                        <a:rPr lang="cs-CZ" sz="900" b="0" i="0" u="none" strike="noStrike">
+                          <a:solidFill>
+                            <a:srgbClr val="000000"/>
+                          </a:solidFill>
+                          <a:effectLst/>
+                          <a:latin typeface="Calibri" charset="0"/>
+                        </a:rPr>
+                        <a:t>11</a:t>
+                      </a:r>
+                    </a:p>
+                  </a:txBody>
+                  <a:tcPr marL="9717" marR="9717" marT="9717" marB="0" anchor="b">
+                    <a:lnL>
+                      <a:noFill/>
+                    </a:lnL>
+                    <a:lnR>
+                      <a:noFill/>
+                    </a:lnR>
+                    <a:lnT>
+                      <a:noFill/>
+                    </a:lnT>
+                    <a:lnB>
+                      <a:noFill/>
+                    </a:lnB>
+                  </a:tcPr>
+                </a:tc>
+                <a:tc>
+                  <a:txBody>
+                    <a:bodyPr/>
+                    <a:lstStyle/>
+                    <a:p>
+                      <a:pPr algn="r" fontAlgn="b"/>
+                      <a:r>
+                        <a:rPr lang="en-US" sz="900" b="0" i="0" u="none" strike="noStrike">
+                          <a:solidFill>
+                            <a:srgbClr val="000000"/>
+                          </a:solidFill>
+                          <a:effectLst/>
+                          <a:latin typeface="Calibri" charset="0"/>
+                        </a:rPr>
+                        <a:t>9</a:t>
+                      </a:r>
+                    </a:p>
+                  </a:txBody>
+                  <a:tcPr marL="9717" marR="9717" marT="9717" marB="0" anchor="b">
+                    <a:lnL>
+                      <a:noFill/>
+                    </a:lnL>
+                    <a:lnR>
+                      <a:noFill/>
+                    </a:lnR>
+                    <a:lnT>
+                      <a:noFill/>
+                    </a:lnT>
+                    <a:lnB>
+                      <a:noFill/>
+                    </a:lnB>
+                  </a:tcPr>
+                </a:tc>
+                <a:tc>
+                  <a:txBody>
+                    <a:bodyPr/>
+                    <a:lstStyle/>
+                    <a:p>
+                      <a:pPr algn="r" fontAlgn="b"/>
+                      <a:r>
+                        <a:rPr lang="en-US" sz="900" b="0" i="0" u="none" strike="noStrike">
+                          <a:solidFill>
+                            <a:srgbClr val="000000"/>
+                          </a:solidFill>
+                          <a:effectLst/>
+                          <a:latin typeface="Calibri" charset="0"/>
+                        </a:rPr>
+                        <a:t>15</a:t>
+                      </a:r>
+                    </a:p>
+                  </a:txBody>
+                  <a:tcPr marL="9717" marR="9717" marT="9717" marB="0" anchor="b">
+                    <a:lnL>
+                      <a:noFill/>
+                    </a:lnL>
+                    <a:lnR>
+                      <a:noFill/>
+                    </a:lnR>
+                    <a:lnT>
+                      <a:noFill/>
+                    </a:lnT>
+                    <a:lnB>
+                      <a:noFill/>
+                    </a:lnB>
+                  </a:tcPr>
+                </a:tc>
+                <a:tc>
+                  <a:txBody>
+                    <a:bodyPr/>
+                    <a:lstStyle/>
+                    <a:p>
+                      <a:pPr algn="r" fontAlgn="b"/>
+                      <a:r>
+                        <a:rPr lang="nb-NO" sz="900" b="0" i="0" u="none" strike="noStrike">
+                          <a:solidFill>
+                            <a:srgbClr val="000000"/>
+                          </a:solidFill>
+                          <a:effectLst/>
+                          <a:latin typeface="Calibri" charset="0"/>
+                        </a:rPr>
+                        <a:t>0.333333333</a:t>
+                      </a:r>
+                    </a:p>
+                  </a:txBody>
+                  <a:tcPr marL="9717" marR="9717" marT="9717" marB="0" anchor="b">
+                    <a:lnL>
+                      <a:noFill/>
+                    </a:lnL>
+                    <a:lnR>
+                      <a:noFill/>
+                    </a:lnR>
+                    <a:lnT>
+                      <a:noFill/>
+                    </a:lnT>
+                    <a:lnB>
+                      <a:noFill/>
+                    </a:lnB>
+                  </a:tcPr>
+                </a:tc>
+              </a:tr>
+              <a:tr h="289560">
+                <a:tc>
+                  <a:txBody>
+                    <a:bodyPr/>
+                    <a:lstStyle/>
+                    <a:p>
+                      <a:pPr algn="r" fontAlgn="b"/>
+                      <a:r>
+                        <a:rPr lang="cs-CZ" sz="900" b="0" i="0" u="none" strike="noStrike">
+                          <a:solidFill>
+                            <a:srgbClr val="000000"/>
+                          </a:solidFill>
+                          <a:effectLst/>
+                          <a:latin typeface="Calibri" charset="0"/>
+                        </a:rPr>
+                        <a:t>11</a:t>
+                      </a:r>
+                    </a:p>
+                  </a:txBody>
+                  <a:tcPr marL="9717" marR="9717" marT="9717" marB="0" anchor="b">
+                    <a:lnL>
+                      <a:noFill/>
+                    </a:lnL>
+                    <a:lnR>
+                      <a:noFill/>
+                    </a:lnR>
+                    <a:lnT>
+                      <a:noFill/>
+                    </a:lnT>
+                    <a:lnB>
+                      <a:noFill/>
+                    </a:lnB>
+                  </a:tcPr>
+                </a:tc>
+                <a:tc>
+                  <a:txBody>
+                    <a:bodyPr/>
+                    <a:lstStyle/>
+                    <a:p>
+                      <a:pPr algn="r" fontAlgn="b"/>
+                      <a:r>
+                        <a:rPr lang="cs-CZ" sz="900" b="0" i="0" u="none" strike="noStrike">
+                          <a:solidFill>
+                            <a:srgbClr val="000000"/>
+                          </a:solidFill>
+                          <a:effectLst/>
+                          <a:latin typeface="Calibri" charset="0"/>
+                        </a:rPr>
+                        <a:t>11</a:t>
+                      </a:r>
+                    </a:p>
+                  </a:txBody>
+                  <a:tcPr marL="9717" marR="9717" marT="9717" marB="0" anchor="b">
+                    <a:lnL>
+                      <a:noFill/>
+                    </a:lnL>
+                    <a:lnR>
+                      <a:noFill/>
+                    </a:lnR>
+                    <a:lnT>
+                      <a:noFill/>
+                    </a:lnT>
+                    <a:lnB>
+                      <a:noFill/>
+                    </a:lnB>
+                  </a:tcPr>
+                </a:tc>
+                <a:tc>
+                  <a:txBody>
+                    <a:bodyPr/>
+                    <a:lstStyle/>
+                    <a:p>
+                      <a:pPr algn="r" fontAlgn="b"/>
+                      <a:r>
+                        <a:rPr lang="en-US" sz="900" b="0" i="0" u="none" strike="noStrike">
+                          <a:solidFill>
+                            <a:srgbClr val="000000"/>
+                          </a:solidFill>
+                          <a:effectLst/>
+                          <a:latin typeface="Calibri" charset="0"/>
+                        </a:rPr>
+                        <a:t>15</a:t>
+                      </a:r>
+                    </a:p>
+                  </a:txBody>
+                  <a:tcPr marL="9717" marR="9717" marT="9717" marB="0" anchor="b">
+                    <a:lnL>
+                      <a:noFill/>
+                    </a:lnL>
+                    <a:lnR>
+                      <a:noFill/>
+                    </a:lnR>
+                    <a:lnT>
+                      <a:noFill/>
+                    </a:lnT>
+                    <a:lnB>
+                      <a:noFill/>
+                    </a:lnB>
+                  </a:tcPr>
+                </a:tc>
+                <a:tc>
+                  <a:txBody>
+                    <a:bodyPr/>
+                    <a:lstStyle/>
+                    <a:p>
+                      <a:pPr algn="r" fontAlgn="b"/>
+                      <a:r>
+                        <a:rPr lang="nb-NO" sz="900" b="0" i="0" u="none" strike="noStrike">
+                          <a:solidFill>
+                            <a:srgbClr val="000000"/>
+                          </a:solidFill>
+                          <a:effectLst/>
+                          <a:latin typeface="Calibri" charset="0"/>
+                        </a:rPr>
+                        <a:t>0.333333333</a:t>
+                      </a:r>
+                    </a:p>
+                  </a:txBody>
+                  <a:tcPr marL="9717" marR="9717" marT="9717" marB="0" anchor="b">
+                    <a:lnL>
+                      <a:noFill/>
+                    </a:lnL>
+                    <a:lnR>
+                      <a:noFill/>
+                    </a:lnR>
+                    <a:lnT>
+                      <a:noFill/>
+                    </a:lnT>
+                    <a:lnB>
+                      <a:noFill/>
+                    </a:lnB>
+                  </a:tcPr>
+                </a:tc>
+              </a:tr>
+              <a:tr h="289560">
+                <a:tc>
+                  <a:txBody>
+                    <a:bodyPr/>
+                    <a:lstStyle/>
+                    <a:p>
+                      <a:pPr algn="r" fontAlgn="b"/>
+                      <a:r>
+                        <a:rPr lang="cs-CZ" sz="900" b="0" i="0" u="none" strike="noStrike">
+                          <a:solidFill>
+                            <a:srgbClr val="000000"/>
+                          </a:solidFill>
+                          <a:effectLst/>
+                          <a:latin typeface="Calibri" charset="0"/>
+                        </a:rPr>
+                        <a:t>11</a:t>
+                      </a:r>
+                    </a:p>
+                  </a:txBody>
+                  <a:tcPr marL="9717" marR="9717" marT="9717" marB="0" anchor="b">
+                    <a:lnL>
+                      <a:noFill/>
+                    </a:lnL>
+                    <a:lnR>
+                      <a:noFill/>
+                    </a:lnR>
+                    <a:lnT>
+                      <a:noFill/>
+                    </a:lnT>
+                    <a:lnB>
+                      <a:noFill/>
+                    </a:lnB>
+                  </a:tcPr>
+                </a:tc>
+                <a:tc>
+                  <a:txBody>
+                    <a:bodyPr/>
+                    <a:lstStyle/>
+                    <a:p>
+                      <a:pPr algn="r" fontAlgn="b"/>
+                      <a:r>
+                        <a:rPr lang="is-IS" sz="900" b="0" i="0" u="none" strike="noStrike">
+                          <a:solidFill>
+                            <a:srgbClr val="000000"/>
+                          </a:solidFill>
+                          <a:effectLst/>
+                          <a:latin typeface="Calibri" charset="0"/>
+                        </a:rPr>
+                        <a:t>13</a:t>
+                      </a:r>
+                    </a:p>
+                  </a:txBody>
+                  <a:tcPr marL="9717" marR="9717" marT="9717" marB="0" anchor="b">
+                    <a:lnL>
+                      <a:noFill/>
+                    </a:lnL>
+                    <a:lnR>
+                      <a:noFill/>
+                    </a:lnR>
+                    <a:lnT>
+                      <a:noFill/>
+                    </a:lnT>
+                    <a:lnB>
+                      <a:noFill/>
+                    </a:lnB>
+                  </a:tcPr>
+                </a:tc>
+                <a:tc>
+                  <a:txBody>
+                    <a:bodyPr/>
+                    <a:lstStyle/>
+                    <a:p>
+                      <a:pPr algn="r" fontAlgn="b"/>
+                      <a:r>
+                        <a:rPr lang="en-US" sz="900" b="0" i="0" u="none" strike="noStrike">
+                          <a:solidFill>
+                            <a:srgbClr val="000000"/>
+                          </a:solidFill>
+                          <a:effectLst/>
+                          <a:latin typeface="Calibri" charset="0"/>
+                        </a:rPr>
+                        <a:t>9</a:t>
+                      </a:r>
+                    </a:p>
+                  </a:txBody>
+                  <a:tcPr marL="9717" marR="9717" marT="9717" marB="0" anchor="b">
+                    <a:lnL>
+                      <a:noFill/>
+                    </a:lnL>
+                    <a:lnR>
+                      <a:noFill/>
+                    </a:lnR>
+                    <a:lnT>
+                      <a:noFill/>
+                    </a:lnT>
+                    <a:lnB>
+                      <a:noFill/>
+                    </a:lnB>
+                  </a:tcPr>
+                </a:tc>
+                <a:tc>
+                  <a:txBody>
+                    <a:bodyPr/>
+                    <a:lstStyle/>
+                    <a:p>
+                      <a:pPr algn="r" fontAlgn="b"/>
+                      <a:r>
+                        <a:rPr lang="nb-NO" sz="900" b="0" i="0" u="none" strike="noStrike">
+                          <a:solidFill>
+                            <a:srgbClr val="000000"/>
+                          </a:solidFill>
+                          <a:effectLst/>
+                          <a:latin typeface="Calibri" charset="0"/>
+                        </a:rPr>
+                        <a:t>0.333333333</a:t>
+                      </a:r>
+                    </a:p>
+                  </a:txBody>
+                  <a:tcPr marL="9717" marR="9717" marT="9717" marB="0" anchor="b">
+                    <a:lnL>
+                      <a:noFill/>
+                    </a:lnL>
+                    <a:lnR>
+                      <a:noFill/>
+                    </a:lnR>
+                    <a:lnT>
+                      <a:noFill/>
+                    </a:lnT>
+                    <a:lnB>
+                      <a:noFill/>
+                    </a:lnB>
+                  </a:tcPr>
+                </a:tc>
+              </a:tr>
+              <a:tr h="289560">
+                <a:tc>
+                  <a:txBody>
+                    <a:bodyPr/>
+                    <a:lstStyle/>
+                    <a:p>
+                      <a:pPr algn="r" fontAlgn="b"/>
+                      <a:r>
+                        <a:rPr lang="cs-CZ" sz="900" b="0" i="0" u="none" strike="noStrike">
+                          <a:solidFill>
+                            <a:srgbClr val="000000"/>
+                          </a:solidFill>
+                          <a:effectLst/>
+                          <a:latin typeface="Calibri" charset="0"/>
+                        </a:rPr>
+                        <a:t>11</a:t>
+                      </a:r>
+                    </a:p>
+                  </a:txBody>
+                  <a:tcPr marL="9717" marR="9717" marT="9717" marB="0" anchor="b">
+                    <a:lnL>
+                      <a:noFill/>
+                    </a:lnL>
+                    <a:lnR>
+                      <a:noFill/>
+                    </a:lnR>
+                    <a:lnT>
+                      <a:noFill/>
+                    </a:lnT>
+                    <a:lnB>
+                      <a:noFill/>
+                    </a:lnB>
+                  </a:tcPr>
+                </a:tc>
+                <a:tc>
+                  <a:txBody>
+                    <a:bodyPr/>
+                    <a:lstStyle/>
+                    <a:p>
+                      <a:pPr algn="r" fontAlgn="b"/>
+                      <a:r>
+                        <a:rPr lang="is-IS" sz="900" b="0" i="0" u="none" strike="noStrike">
+                          <a:solidFill>
+                            <a:srgbClr val="000000"/>
+                          </a:solidFill>
+                          <a:effectLst/>
+                          <a:latin typeface="Calibri" charset="0"/>
+                        </a:rPr>
+                        <a:t>13</a:t>
+                      </a:r>
+                    </a:p>
+                  </a:txBody>
+                  <a:tcPr marL="9717" marR="9717" marT="9717" marB="0" anchor="b">
+                    <a:lnL>
+                      <a:noFill/>
+                    </a:lnL>
+                    <a:lnR>
+                      <a:noFill/>
+                    </a:lnR>
+                    <a:lnT>
+                      <a:noFill/>
+                    </a:lnT>
+                    <a:lnB>
+                      <a:noFill/>
+                    </a:lnB>
+                  </a:tcPr>
+                </a:tc>
+                <a:tc>
+                  <a:txBody>
+                    <a:bodyPr/>
+                    <a:lstStyle/>
+                    <a:p>
+                      <a:pPr algn="r" fontAlgn="b"/>
+                      <a:r>
+                        <a:rPr lang="en-US" sz="900" b="0" i="0" u="none" strike="noStrike">
+                          <a:solidFill>
+                            <a:srgbClr val="000000"/>
+                          </a:solidFill>
+                          <a:effectLst/>
+                          <a:latin typeface="Calibri" charset="0"/>
+                        </a:rPr>
+                        <a:t>15</a:t>
+                      </a:r>
+                    </a:p>
+                  </a:txBody>
+                  <a:tcPr marL="9717" marR="9717" marT="9717" marB="0" anchor="b">
+                    <a:lnL>
+                      <a:noFill/>
+                    </a:lnL>
+                    <a:lnR>
+                      <a:noFill/>
+                    </a:lnR>
+                    <a:lnT>
+                      <a:noFill/>
+                    </a:lnT>
+                    <a:lnB>
+                      <a:noFill/>
+                    </a:lnB>
+                  </a:tcPr>
+                </a:tc>
+                <a:tc>
+                  <a:txBody>
+                    <a:bodyPr/>
+                    <a:lstStyle/>
+                    <a:p>
+                      <a:pPr algn="r" fontAlgn="b"/>
+                      <a:r>
+                        <a:rPr lang="nb-NO" sz="900" b="0" i="0" u="none" strike="noStrike" dirty="0">
+                          <a:solidFill>
+                            <a:srgbClr val="000000"/>
+                          </a:solidFill>
+                          <a:effectLst/>
+                          <a:latin typeface="Calibri" charset="0"/>
+                        </a:rPr>
+                        <a:t>0.333333333</a:t>
+                      </a:r>
+                    </a:p>
+                  </a:txBody>
+                  <a:tcPr marL="9717" marR="9717" marT="9717" marB="0" anchor="b">
+                    <a:lnL>
+                      <a:noFill/>
+                    </a:lnL>
+                    <a:lnR>
+                      <a:noFill/>
+                    </a:lnR>
+                    <a:lnT>
+                      <a:noFill/>
+                    </a:lnT>
+                    <a:lnB>
+                      <a:noFill/>
+                    </a:lnB>
+                  </a:tcPr>
+                </a:tc>
+              </a:tr>
+            </a:tbl>
+          </a:graphicData>
+        </a:graphic>
+      </p:graphicFrame>
+      <p:pic>
+        <p:nvPicPr>
+          <p:cNvPr id="5" name="Content Placeholder 3"/>
+          <p:cNvPicPr>
+            <a:picLocks noChangeAspect="1"/>
+          </p:cNvPicPr>
+          <p:nvPr/>
+        </p:nvPicPr>
+        <p:blipFill>
+          <a:blip r:embed="rId3">
+            <a:extLst>
+              <a:ext uri="{28A0092B-C50C-407E-A947-70E740481C1C}">
+                <a14:useLocalDpi xmlns:a14="http://schemas.microsoft.com/office/drawing/2010/main" val="0"/>
+              </a:ext>
+            </a:extLst>
+          </a:blip>
+          <a:stretch>
+            <a:fillRect/>
+          </a:stretch>
+        </p:blipFill>
+        <p:spPr>
+          <a:xfrm>
+            <a:off x="4570413" y="1600200"/>
+            <a:ext cx="4203032" cy="3152274"/>
+          </a:xfrm>
+          <a:prstGeom prst="rect">
+            <a:avLst/>
+          </a:prstGeom>
+        </p:spPr>
+      </p:pic>
+      <p:sp>
+        <p:nvSpPr>
+          <p:cNvPr id="6" name="TextBox 5"/>
+          <p:cNvSpPr txBox="1"/>
+          <p:nvPr/>
+        </p:nvSpPr>
+        <p:spPr>
+          <a:xfrm>
+            <a:off x="5450305" y="5137484"/>
+            <a:ext cx="2839453" cy="646331"/>
+          </a:xfrm>
+          <a:prstGeom prst="rect">
+            <a:avLst/>
+          </a:prstGeom>
+          <a:noFill/>
+        </p:spPr>
+        <p:txBody>
+          <a:bodyPr wrap="square" rtlCol="0">
+            <a:spAutoFit/>
+          </a:bodyPr>
+          <a:lstStyle/>
+          <a:p>
+            <a:r>
+              <a:rPr lang="en-US" dirty="0" smtClean="0"/>
+              <a:t>Does not make much sense to me</a:t>
+            </a:r>
+            <a:endParaRPr lang="en-US" dirty="0"/>
+          </a:p>
+        </p:txBody>
+      </p:sp>
+    </p:spTree>
+    <p:extLst>
+      <p:ext uri="{BB962C8B-B14F-4D97-AF65-F5344CB8AC3E}">
+        <p14:creationId xmlns:p14="http://schemas.microsoft.com/office/powerpoint/2010/main" val="1064007449"/>
+      </p:ext>
+    </p:extLst>
+  </p:cSld>
+  <p:clrMapOvr>
+    <a:masterClrMapping/>
+  </p:clrMapOvr>
+  <p:timing>
+    <p:tnLst>
+      <p:par>
+        <p:cTn id="1" dur="indefinite" restart="never" nodeType="tmRoot"/>
+      </p:par>
+    </p:tnLst>
+  </p:timing>
+</p:sld>
+</file>
+
+<file path=ppt/slides/slide9.xml><?xml version="1.0" encoding="utf-8"?>
+<p:sld xmlns:a="http://schemas.openxmlformats.org/drawingml/2006/main" xmlns:r="http://schemas.openxmlformats.org/officeDocument/2006/relationships" xmlns:p="http://schemas.openxmlformats.org/presentationml/2006/main">
+  <p:cSld>
+    <p:spTree>
+      <p:nvGrpSpPr>
+        <p:cNvPr id="1" name=""/>
+        <p:cNvGrpSpPr/>
+        <p:nvPr/>
+      </p:nvGrpSpPr>
+      <p:grpSpPr>
+        <a:xfrm>
+          <a:off x="0" y="0"/>
+          <a:ext cx="0" cy="0"/>
+          <a:chOff x="0" y="0"/>
+          <a:chExt cx="0" cy="0"/>
+        </a:xfrm>
+      </p:grpSpPr>
+      <p:sp>
+        <p:nvSpPr>
+          <p:cNvPr id="2" name="Title 1"/>
+          <p:cNvSpPr>
+            <a:spLocks noGrp="1"/>
+          </p:cNvSpPr>
+          <p:nvPr>
+            <p:ph type="title"/>
+          </p:nvPr>
+        </p:nvSpPr>
+        <p:spPr/>
+        <p:txBody>
+          <a:bodyPr/>
+          <a:lstStyle/>
+          <a:p>
+            <a:r>
+              <a:rPr lang="en-US" dirty="0" smtClean="0"/>
+              <a:t>Most significant 3 channels in the same cluster</a:t>
+            </a:r>
+            <a:endParaRPr lang="en-US" dirty="0"/>
+          </a:p>
+        </p:txBody>
+      </p:sp>
+      <p:graphicFrame>
+        <p:nvGraphicFramePr>
+          <p:cNvPr id="4" name="Object 3"/>
+          <p:cNvGraphicFramePr>
+            <a:graphicFrameLocks noChangeAspect="1"/>
+          </p:cNvGraphicFramePr>
+          <p:nvPr>
+            <p:extLst>
+              <p:ext uri="{D42A27DB-BD31-4B8C-83A1-F6EECF244321}">
+                <p14:modId xmlns:p14="http://schemas.microsoft.com/office/powerpoint/2010/main" val="3364989653"/>
+              </p:ext>
+            </p:extLst>
+          </p:nvPr>
+        </p:nvGraphicFramePr>
+        <p:xfrm>
+          <a:off x="227155" y="2402610"/>
+          <a:ext cx="4161669" cy="1929356"/>
+        </p:xfrm>
+        <a:graphic>
+          <a:graphicData uri="http://schemas.openxmlformats.org/presentationml/2006/ole">
+            <mc:AlternateContent xmlns:mc="http://schemas.openxmlformats.org/markup-compatibility/2006">
+              <mc:Choice xmlns:v="urn:schemas-microsoft-com:vml" Requires="v">
+                <p:oleObj spid="_x0000_s1232" name="Worksheet" r:id="rId4" imgW="3314700" imgH="1536700" progId="Excel.Sheet.12">
+                  <p:embed/>
+                </p:oleObj>
+              </mc:Choice>
+              <mc:Fallback>
+                <p:oleObj name="Worksheet" r:id="rId4" imgW="3314700" imgH="1536700" progId="Excel.Sheet.12">
+                  <p:embed/>
+                  <p:pic>
+                    <p:nvPicPr>
+                      <p:cNvPr id="0" name=""/>
+                      <p:cNvPicPr/>
+                      <p:nvPr/>
+                    </p:nvPicPr>
+                    <p:blipFill>
+                      <a:blip r:embed="rId5"/>
+                      <a:stretch>
+                        <a:fillRect/>
+                      </a:stretch>
+                    </p:blipFill>
+                    <p:spPr>
+                      <a:xfrm>
+                        <a:off x="227155" y="2402610"/>
+                        <a:ext cx="4161669" cy="1929356"/>
+                      </a:xfrm>
+                      <a:prstGeom prst="rect">
+                        <a:avLst/>
+                      </a:prstGeom>
+                    </p:spPr>
+                  </p:pic>
+                </p:oleObj>
+              </mc:Fallback>
+            </mc:AlternateContent>
+          </a:graphicData>
+        </a:graphic>
+      </p:graphicFrame>
+      <p:sp>
+        <p:nvSpPr>
+          <p:cNvPr id="8" name="TextBox 7"/>
+          <p:cNvSpPr txBox="1"/>
+          <p:nvPr/>
+        </p:nvSpPr>
+        <p:spPr>
+          <a:xfrm>
+            <a:off x="1549732" y="5642523"/>
+            <a:ext cx="7041819" cy="369332"/>
+          </a:xfrm>
+          <a:prstGeom prst="rect">
+            <a:avLst/>
+          </a:prstGeom>
+          <a:noFill/>
+        </p:spPr>
+        <p:txBody>
+          <a:bodyPr wrap="square" rtlCol="0">
+            <a:spAutoFit/>
+          </a:bodyPr>
+          <a:lstStyle/>
+          <a:p>
+            <a:r>
+              <a:rPr lang="en-US" dirty="0" smtClean="0"/>
+              <a:t>Data </a:t>
+            </a:r>
+            <a:r>
+              <a:rPr lang="en-US" dirty="0" smtClean="0">
+                <a:hlinkClick r:id="rId6" action="ppaction://hlinkfile"/>
+              </a:rPr>
+              <a:t>source</a:t>
+            </a:r>
+            <a:r>
+              <a:rPr lang="en-US" dirty="0" smtClean="0"/>
+              <a:t>. Note: smaller value = closer</a:t>
+            </a:r>
+            <a:endParaRPr lang="en-US" dirty="0"/>
+          </a:p>
+        </p:txBody>
+      </p:sp>
+      <p:pic>
+        <p:nvPicPr>
+          <p:cNvPr id="6" name="Content Placeholder 3"/>
+          <p:cNvPicPr>
+            <a:picLocks noChangeAspect="1"/>
+          </p:cNvPicPr>
+          <p:nvPr/>
+        </p:nvPicPr>
+        <p:blipFill>
+          <a:blip r:embed="rId7">
+            <a:extLst>
+              <a:ext uri="{28A0092B-C50C-407E-A947-70E740481C1C}">
+                <a14:useLocalDpi xmlns:a14="http://schemas.microsoft.com/office/drawing/2010/main" val="0"/>
+              </a:ext>
+            </a:extLst>
+          </a:blip>
+          <a:stretch>
+            <a:fillRect/>
+          </a:stretch>
+        </p:blipFill>
+        <p:spPr>
+          <a:xfrm>
+            <a:off x="4570413" y="1791151"/>
+            <a:ext cx="4203032" cy="3152274"/>
+          </a:xfrm>
+          <a:prstGeom prst="rect">
+            <a:avLst/>
+          </a:prstGeom>
+        </p:spPr>
+      </p:pic>
+    </p:spTree>
+    <p:extLst>
+      <p:ext uri="{BB962C8B-B14F-4D97-AF65-F5344CB8AC3E}">
+        <p14:creationId xmlns:p14="http://schemas.microsoft.com/office/powerpoint/2010/main" val="874711212"/>
+      </p:ext>
+    </p:extLst>
+  </p:cSld>
+  <p:clrMapOvr>
+    <a:masterClrMapping/>
+  </p:clrMapOvr>
+  <p:timing>
+    <p:tnLst>
+      <p:par>
+        <p:cTn id="1" dur="indefinite" restart="never" nodeType="tmRoot"/>
+      </p:par>
+    </p:tnLst>
+  </p:timing>
 </p:sld>
 </file>
 

--- a/Texts/Atheletes_clustering.pptx
+++ b/Texts/Atheletes_clustering.pptx
@@ -545,11 +545,11 @@
           <c:showBubbleSize val="0"/>
         </c:dLbls>
         <c:gapWidth val="150"/>
-        <c:axId val="-2120107168"/>
-        <c:axId val="2115173088"/>
+        <c:axId val="-2136774368"/>
+        <c:axId val="-2136764672"/>
       </c:barChart>
       <c:catAx>
-        <c:axId val="-2120107168"/>
+        <c:axId val="-2136774368"/>
         <c:scaling>
           <c:orientation val="minMax"/>
         </c:scaling>
@@ -592,7 +592,7 @@
             <a:endParaRPr lang="en-US"/>
           </a:p>
         </c:txPr>
-        <c:crossAx val="2115173088"/>
+        <c:crossAx val="-2136764672"/>
         <c:crosses val="autoZero"/>
         <c:auto val="1"/>
         <c:lblAlgn val="ctr"/>
@@ -600,7 +600,7 @@
         <c:noMultiLvlLbl val="0"/>
       </c:catAx>
       <c:valAx>
-        <c:axId val="2115173088"/>
+        <c:axId val="-2136764672"/>
         <c:scaling>
           <c:orientation val="minMax"/>
         </c:scaling>
@@ -621,6 +621,32 @@
           </c:spPr>
         </c:majorGridlines>
         <c:title>
+          <c:tx>
+            <c:rich>
+              <a:bodyPr rot="-5400000" spcFirstLastPara="1" vertOverflow="ellipsis" vert="horz" wrap="square" anchor="ctr" anchorCtr="1"/>
+              <a:lstStyle/>
+              <a:p>
+                <a:pPr>
+                  <a:defRPr sz="1000" b="0" i="0" u="none" strike="noStrike" kern="1200" baseline="0">
+                    <a:solidFill>
+                      <a:schemeClr val="tx1">
+                        <a:lumMod val="65000"/>
+                        <a:lumOff val="35000"/>
+                      </a:schemeClr>
+                    </a:solidFill>
+                    <a:latin typeface="+mn-lt"/>
+                    <a:ea typeface="+mn-ea"/>
+                    <a:cs typeface="+mn-cs"/>
+                  </a:defRPr>
+                </a:pPr>
+                <a:r>
+                  <a:rPr lang="en-US" dirty="0" smtClean="0"/>
+                  <a:t>Pearson’s correlation</a:t>
+                </a:r>
+                <a:endParaRPr lang="en-US" dirty="0"/>
+              </a:p>
+            </c:rich>
+          </c:tx>
           <c:layout/>
           <c:overlay val="0"/>
           <c:spPr>
@@ -682,7 +708,7 @@
             <a:endParaRPr lang="en-US"/>
           </a:p>
         </c:txPr>
-        <c:crossAx val="-2120107168"/>
+        <c:crossAx val="-2136774368"/>
         <c:crosses val="autoZero"/>
         <c:crossBetween val="between"/>
       </c:valAx>
@@ -21728,7 +21754,7 @@
           <a:p>
             <a:fld id="{B3B6DFDB-3D4F-BA44-90AD-F45472BC66A5}" type="datetimeFigureOut">
               <a:rPr lang="en-US" smtClean="0"/>
-              <a:t>11/10/15</a:t>
+              <a:t>11/17/15</a:t>
             </a:fld>
             <a:endParaRPr lang="en-US"/>
           </a:p>
@@ -22730,7 +22756,7 @@
           <a:p>
             <a:fld id="{B01F9CA3-105E-4857-9057-6DB6197DA786}" type="datetimeFigureOut">
               <a:rPr lang="en-US" smtClean="0"/>
-              <a:t>11/10/15</a:t>
+              <a:t>11/17/15</a:t>
             </a:fld>
             <a:endParaRPr lang="en-US"/>
           </a:p>
@@ -22922,7 +22948,7 @@
           <a:p>
             <a:fld id="{B01F9CA3-105E-4857-9057-6DB6197DA786}" type="datetimeFigureOut">
               <a:rPr lang="en-US" smtClean="0"/>
-              <a:t>11/10/15</a:t>
+              <a:t>11/17/15</a:t>
             </a:fld>
             <a:endParaRPr lang="en-US"/>
           </a:p>
@@ -23191,7 +23217,7 @@
           <a:p>
             <a:fld id="{B01F9CA3-105E-4857-9057-6DB6197DA786}" type="datetimeFigureOut">
               <a:rPr lang="en-US" smtClean="0"/>
-              <a:t>11/10/15</a:t>
+              <a:t>11/17/15</a:t>
             </a:fld>
             <a:endParaRPr lang="en-US"/>
           </a:p>
@@ -23370,7 +23396,7 @@
           <a:p>
             <a:fld id="{B01F9CA3-105E-4857-9057-6DB6197DA786}" type="datetimeFigureOut">
               <a:rPr lang="en-US" smtClean="0"/>
-              <a:t>11/10/15</a:t>
+              <a:t>11/17/15</a:t>
             </a:fld>
             <a:endParaRPr lang="en-US"/>
           </a:p>
@@ -23539,7 +23565,7 @@
           <a:p>
             <a:fld id="{B01F9CA3-105E-4857-9057-6DB6197DA786}" type="datetimeFigureOut">
               <a:rPr lang="en-US" smtClean="0"/>
-              <a:t>11/10/15</a:t>
+              <a:t>11/17/15</a:t>
             </a:fld>
             <a:endParaRPr lang="en-US"/>
           </a:p>
@@ -23781,7 +23807,7 @@
           <a:p>
             <a:fld id="{B01F9CA3-105E-4857-9057-6DB6197DA786}" type="datetimeFigureOut">
               <a:rPr lang="en-US" smtClean="0"/>
-              <a:t>11/10/15</a:t>
+              <a:t>11/17/15</a:t>
             </a:fld>
             <a:endParaRPr lang="en-US"/>
           </a:p>
@@ -24104,7 +24130,7 @@
           <a:p>
             <a:fld id="{B01F9CA3-105E-4857-9057-6DB6197DA786}" type="datetimeFigureOut">
               <a:rPr lang="en-US" smtClean="0"/>
-              <a:t>11/10/15</a:t>
+              <a:t>11/17/15</a:t>
             </a:fld>
             <a:endParaRPr lang="en-US"/>
           </a:p>
@@ -24402,7 +24428,7 @@
           <a:p>
             <a:fld id="{B01F9CA3-105E-4857-9057-6DB6197DA786}" type="datetimeFigureOut">
               <a:rPr lang="en-US" smtClean="0"/>
-              <a:t>11/10/15</a:t>
+              <a:t>11/17/15</a:t>
             </a:fld>
             <a:endParaRPr lang="en-US"/>
           </a:p>
@@ -24858,7 +24884,7 @@
           <a:p>
             <a:fld id="{B01F9CA3-105E-4857-9057-6DB6197DA786}" type="datetimeFigureOut">
               <a:rPr lang="en-US" smtClean="0"/>
-              <a:t>11/10/15</a:t>
+              <a:t>11/17/15</a:t>
             </a:fld>
             <a:endParaRPr lang="en-US"/>
           </a:p>
@@ -24971,7 +24997,7 @@
           <a:p>
             <a:fld id="{B01F9CA3-105E-4857-9057-6DB6197DA786}" type="datetimeFigureOut">
               <a:rPr lang="en-US" smtClean="0"/>
-              <a:t>11/10/15</a:t>
+              <a:t>11/17/15</a:t>
             </a:fld>
             <a:endParaRPr lang="en-US"/>
           </a:p>
@@ -25061,7 +25087,7 @@
           <a:p>
             <a:fld id="{B01F9CA3-105E-4857-9057-6DB6197DA786}" type="datetimeFigureOut">
               <a:rPr lang="en-US" smtClean="0"/>
-              <a:t>11/10/15</a:t>
+              <a:t>11/17/15</a:t>
             </a:fld>
             <a:endParaRPr lang="en-US"/>
           </a:p>
@@ -25343,7 +25369,7 @@
           <a:p>
             <a:fld id="{B01F9CA3-105E-4857-9057-6DB6197DA786}" type="datetimeFigureOut">
               <a:rPr lang="en-US" smtClean="0"/>
-              <a:t>11/10/15</a:t>
+              <a:t>11/17/15</a:t>
             </a:fld>
             <a:endParaRPr lang="en-US"/>
           </a:p>
@@ -25549,7 +25575,7 @@
           <a:p>
             <a:fld id="{B01F9CA3-105E-4857-9057-6DB6197DA786}" type="datetimeFigureOut">
               <a:rPr lang="en-US" smtClean="0"/>
-              <a:t>11/10/15</a:t>
+              <a:t>11/17/15</a:t>
             </a:fld>
             <a:endParaRPr lang="en-US"/>
           </a:p>
@@ -26292,7 +26318,7 @@
             <p:ph idx="1"/>
             <p:extLst>
               <p:ext uri="{D42A27DB-BD31-4B8C-83A1-F6EECF244321}">
-                <p14:modId xmlns:p14="http://schemas.microsoft.com/office/powerpoint/2010/main" val="625577382"/>
+                <p14:modId xmlns:p14="http://schemas.microsoft.com/office/powerpoint/2010/main" val="1541224596"/>
               </p:ext>
             </p:extLst>
           </p:nvPr>
@@ -26307,6 +26333,36 @@
           </a:graphicData>
         </a:graphic>
       </p:graphicFrame>
+      <p:sp>
+        <p:nvSpPr>
+          <p:cNvPr id="3" name="TextBox 2"/>
+          <p:cNvSpPr txBox="1"/>
+          <p:nvPr/>
+        </p:nvSpPr>
+        <p:spPr>
+          <a:xfrm>
+            <a:off x="709864" y="5293895"/>
+            <a:ext cx="818147" cy="230832"/>
+          </a:xfrm>
+          <a:prstGeom prst="rect">
+            <a:avLst/>
+          </a:prstGeom>
+          <a:noFill/>
+        </p:spPr>
+        <p:txBody>
+          <a:bodyPr wrap="square" rtlCol="0">
+            <a:spAutoFit/>
+          </a:bodyPr>
+          <a:lstStyle/>
+          <a:p>
+            <a:r>
+              <a:rPr lang="en-US" sz="900" dirty="0" smtClean="0"/>
+              <a:t>channels</a:t>
+            </a:r>
+            <a:endParaRPr lang="en-US" sz="900" dirty="0"/>
+          </a:p>
+        </p:txBody>
+      </p:sp>
     </p:spTree>
     <p:extLst>
       <p:ext uri="{BB962C8B-B14F-4D97-AF65-F5344CB8AC3E}">
@@ -30213,7 +30269,7 @@
           <a:graphicData uri="http://schemas.openxmlformats.org/presentationml/2006/ole">
             <mc:AlternateContent xmlns:mc="http://schemas.openxmlformats.org/markup-compatibility/2006">
               <mc:Choice xmlns:v="urn:schemas-microsoft-com:vml" Requires="v">
-                <p:oleObj spid="_x0000_s1320" name="Worksheet" r:id="rId4" imgW="3314700" imgH="1536700" progId="Excel.Sheet.12">
+                <p:oleObj spid="_x0000_s1326" name="Worksheet" r:id="rId4" imgW="3314700" imgH="1536700" progId="Excel.Sheet.12">
                   <p:embed/>
                 </p:oleObj>
               </mc:Choice>
@@ -30434,7 +30490,7 @@
           <a:graphicData uri="http://schemas.openxmlformats.org/presentationml/2006/ole">
             <mc:AlternateContent xmlns:mc="http://schemas.openxmlformats.org/markup-compatibility/2006">
               <mc:Choice xmlns:v="urn:schemas-microsoft-com:vml" Requires="v">
-                <p:oleObj spid="_x0000_s2316" name="Worksheet" r:id="rId4" imgW="7442200" imgH="393700" progId="Excel.Sheet.12">
+                <p:oleObj spid="_x0000_s2322" name="Worksheet" r:id="rId4" imgW="7442200" imgH="393700" progId="Excel.Sheet.12">
                   <p:embed/>
                 </p:oleObj>
               </mc:Choice>
